--- a/utils/Modelo de Apresentação.pptx
+++ b/utils/Modelo de Apresentação.pptx
@@ -347,7 +347,7 @@
             <a:fld id="{1D8BD707-D9CF-40AE-B4C6-C98DA3205C09}" type="datetimeFigureOut">
               <a:rPr lang="en-US" smtClean="0"/>
               <a:pPr/>
-              <a:t>9/17/2025</a:t>
+              <a:t>9/18/2025</a:t>
             </a:fld>
             <a:endParaRPr lang="en-US"/>
           </a:p>
@@ -512,7 +512,7 @@
             <a:fld id="{1D8BD707-D9CF-40AE-B4C6-C98DA3205C09}" type="datetimeFigureOut">
               <a:rPr lang="en-US" smtClean="0"/>
               <a:pPr/>
-              <a:t>9/17/2025</a:t>
+              <a:t>9/18/2025</a:t>
             </a:fld>
             <a:endParaRPr lang="en-US"/>
           </a:p>
@@ -687,7 +687,7 @@
             <a:fld id="{1D8BD707-D9CF-40AE-B4C6-C98DA3205C09}" type="datetimeFigureOut">
               <a:rPr lang="en-US" smtClean="0"/>
               <a:pPr/>
-              <a:t>9/17/2025</a:t>
+              <a:t>9/18/2025</a:t>
             </a:fld>
             <a:endParaRPr lang="en-US"/>
           </a:p>
@@ -852,7 +852,7 @@
             <a:fld id="{1D8BD707-D9CF-40AE-B4C6-C98DA3205C09}" type="datetimeFigureOut">
               <a:rPr lang="en-US" smtClean="0"/>
               <a:pPr/>
-              <a:t>9/17/2025</a:t>
+              <a:t>9/18/2025</a:t>
             </a:fld>
             <a:endParaRPr lang="en-US"/>
           </a:p>
@@ -1094,7 +1094,7 @@
             <a:fld id="{1D8BD707-D9CF-40AE-B4C6-C98DA3205C09}" type="datetimeFigureOut">
               <a:rPr lang="en-US" smtClean="0"/>
               <a:pPr/>
-              <a:t>9/17/2025</a:t>
+              <a:t>9/18/2025</a:t>
             </a:fld>
             <a:endParaRPr lang="en-US"/>
           </a:p>
@@ -1376,7 +1376,7 @@
             <a:fld id="{1D8BD707-D9CF-40AE-B4C6-C98DA3205C09}" type="datetimeFigureOut">
               <a:rPr lang="en-US" smtClean="0"/>
               <a:pPr/>
-              <a:t>9/17/2025</a:t>
+              <a:t>9/18/2025</a:t>
             </a:fld>
             <a:endParaRPr lang="en-US"/>
           </a:p>
@@ -1792,7 +1792,7 @@
             <a:fld id="{1D8BD707-D9CF-40AE-B4C6-C98DA3205C09}" type="datetimeFigureOut">
               <a:rPr lang="en-US" smtClean="0"/>
               <a:pPr/>
-              <a:t>9/17/2025</a:t>
+              <a:t>9/18/2025</a:t>
             </a:fld>
             <a:endParaRPr lang="en-US"/>
           </a:p>
@@ -1906,7 +1906,7 @@
             <a:fld id="{1D8BD707-D9CF-40AE-B4C6-C98DA3205C09}" type="datetimeFigureOut">
               <a:rPr lang="en-US" smtClean="0"/>
               <a:pPr/>
-              <a:t>9/17/2025</a:t>
+              <a:t>9/18/2025</a:t>
             </a:fld>
             <a:endParaRPr lang="en-US"/>
           </a:p>
@@ -1998,7 +1998,7 @@
             <a:fld id="{1D8BD707-D9CF-40AE-B4C6-C98DA3205C09}" type="datetimeFigureOut">
               <a:rPr lang="en-US" smtClean="0"/>
               <a:pPr/>
-              <a:t>9/17/2025</a:t>
+              <a:t>9/18/2025</a:t>
             </a:fld>
             <a:endParaRPr lang="en-US"/>
           </a:p>
@@ -2270,7 +2270,7 @@
             <a:fld id="{1D8BD707-D9CF-40AE-B4C6-C98DA3205C09}" type="datetimeFigureOut">
               <a:rPr lang="en-US" smtClean="0"/>
               <a:pPr/>
-              <a:t>9/17/2025</a:t>
+              <a:t>9/18/2025</a:t>
             </a:fld>
             <a:endParaRPr lang="en-US"/>
           </a:p>
@@ -2519,7 +2519,7 @@
             <a:fld id="{1D8BD707-D9CF-40AE-B4C6-C98DA3205C09}" type="datetimeFigureOut">
               <a:rPr lang="en-US" smtClean="0"/>
               <a:pPr/>
-              <a:t>9/17/2025</a:t>
+              <a:t>9/18/2025</a:t>
             </a:fld>
             <a:endParaRPr lang="en-US"/>
           </a:p>
@@ -2727,7 +2727,7 @@
             <a:fld id="{1D8BD707-D9CF-40AE-B4C6-C98DA3205C09}" type="datetimeFigureOut">
               <a:rPr lang="en-US" smtClean="0"/>
               <a:pPr/>
-              <a:t>9/17/2025</a:t>
+              <a:t>9/18/2025</a:t>
             </a:fld>
             <a:endParaRPr lang="en-US"/>
           </a:p>
@@ -3555,54 +3555,6 @@
       </p:grpSpPr>
       <p:sp>
         <p:nvSpPr>
-          <p:cNvPr id="2" name="Freeform 2"/>
-          <p:cNvSpPr/>
-          <p:nvPr/>
-        </p:nvSpPr>
-        <p:spPr>
-          <a:xfrm>
-            <a:off x="0" y="0"/>
-            <a:ext cx="18288000" cy="10287000"/>
-          </a:xfrm>
-          <a:custGeom>
-            <a:avLst/>
-            <a:gdLst/>
-            <a:ahLst/>
-            <a:cxnLst/>
-            <a:rect l="l" t="t" r="r" b="b"/>
-            <a:pathLst>
-              <a:path w="18288000" h="10287000">
-                <a:moveTo>
-                  <a:pt x="0" y="0"/>
-                </a:moveTo>
-                <a:lnTo>
-                  <a:pt x="18288000" y="0"/>
-                </a:lnTo>
-                <a:lnTo>
-                  <a:pt x="18288000" y="10287000"/>
-                </a:lnTo>
-                <a:lnTo>
-                  <a:pt x="0" y="10287000"/>
-                </a:lnTo>
-                <a:lnTo>
-                  <a:pt x="0" y="0"/>
-                </a:lnTo>
-                <a:close/>
-              </a:path>
-            </a:pathLst>
-          </a:custGeom>
-          <a:blipFill>
-            <a:blip r:embed="rId2">
-              <a:alphaModFix amt="20999"/>
-            </a:blip>
-            <a:stretch>
-              <a:fillRect/>
-            </a:stretch>
-          </a:blipFill>
-        </p:spPr>
-      </p:sp>
-      <p:sp>
-        <p:nvSpPr>
           <p:cNvPr id="3" name="Freeform 3"/>
           <p:cNvSpPr/>
           <p:nvPr/>
@@ -3640,12 +3592,67 @@
             </a:pathLst>
           </a:custGeom>
           <a:blipFill>
-            <a:blip r:embed="rId3">
+            <a:blip r:embed="rId2">
               <a:extLst>
                 <a:ext uri="{96DAC541-7B7A-43D3-8B79-37D633B846F1}">
-                  <asvg:svgBlip xmlns:asvg="http://schemas.microsoft.com/office/drawing/2016/SVG/main" r:embed="rId4"/>
+                  <asvg:svgBlip xmlns:asvg="http://schemas.microsoft.com/office/drawing/2016/SVG/main" r:embed="rId3"/>
                 </a:ext>
               </a:extLst>
+            </a:blip>
+            <a:stretch>
+              <a:fillRect/>
+            </a:stretch>
+          </a:blipFill>
+        </p:spPr>
+        <p:txBody>
+          <a:bodyPr/>
+          <a:lstStyle/>
+          <a:p>
+            <a:endParaRPr lang="pt-PT" dirty="0"/>
+          </a:p>
+        </p:txBody>
+      </p:sp>
+      <p:sp>
+        <p:nvSpPr>
+          <p:cNvPr id="2" name="Freeform 2"/>
+          <p:cNvSpPr/>
+          <p:nvPr/>
+        </p:nvSpPr>
+        <p:spPr>
+          <a:xfrm>
+            <a:off x="27470" y="49975"/>
+            <a:ext cx="18288000" cy="10287000"/>
+          </a:xfrm>
+          <a:custGeom>
+            <a:avLst/>
+            <a:gdLst/>
+            <a:ahLst/>
+            <a:cxnLst/>
+            <a:rect l="l" t="t" r="r" b="b"/>
+            <a:pathLst>
+              <a:path w="18288000" h="10287000">
+                <a:moveTo>
+                  <a:pt x="0" y="0"/>
+                </a:moveTo>
+                <a:lnTo>
+                  <a:pt x="18288000" y="0"/>
+                </a:lnTo>
+                <a:lnTo>
+                  <a:pt x="18288000" y="10287000"/>
+                </a:lnTo>
+                <a:lnTo>
+                  <a:pt x="0" y="10287000"/>
+                </a:lnTo>
+                <a:lnTo>
+                  <a:pt x="0" y="0"/>
+                </a:lnTo>
+                <a:close/>
+              </a:path>
+            </a:pathLst>
+          </a:custGeom>
+          <a:blipFill>
+            <a:blip r:embed="rId4">
+              <a:alphaModFix amt="20999"/>
             </a:blip>
             <a:stretch>
               <a:fillRect/>
@@ -4285,82 +4292,34 @@
       </p:sp>
       <p:sp>
         <p:nvSpPr>
-          <p:cNvPr id="18" name="TextBox 18"/>
+          <p:cNvPr id="19" name="TextBox 19"/>
           <p:cNvSpPr txBox="1"/>
           <p:nvPr/>
         </p:nvSpPr>
         <p:spPr>
           <a:xfrm>
-            <a:off x="709412" y="3431391"/>
-            <a:ext cx="5541921" cy="1137523"/>
+            <a:off x="709412" y="4337851"/>
+            <a:ext cx="5926989" cy="1969770"/>
           </a:xfrm>
           <a:prstGeom prst="rect">
             <a:avLst/>
           </a:prstGeom>
         </p:spPr>
         <p:txBody>
-          <a:bodyPr lIns="0" tIns="0" rIns="0" bIns="0" rtlCol="0" anchor="t">
+          <a:bodyPr wrap="square" lIns="0" tIns="0" rIns="0" bIns="0" rtlCol="0" anchor="t">
             <a:spAutoFit/>
           </a:bodyPr>
           <a:lstStyle/>
           <a:p>
-            <a:pPr algn="l">
-              <a:lnSpc>
-                <a:spcPts val="2924"/>
-              </a:lnSpc>
-            </a:pPr>
-            <a:r>
-              <a:rPr lang="en-US" sz="2125">
+            <a:pPr algn="l"/>
+            <a:r>
+              <a:rPr lang="pt-PT" sz="3200" b="0" i="0" u="none" strike="noStrike" baseline="0" dirty="0">
                 <a:solidFill>
                   <a:srgbClr val="FFFFFF"/>
                 </a:solidFill>
-                <a:latin typeface="Poppins"/>
-                <a:ea typeface="Poppins"/>
-                <a:cs typeface="Poppins"/>
-                <a:sym typeface="Poppins"/>
+                <a:latin typeface="FiraSans-Regular"/>
               </a:rPr>
-              <a:t>Lorem ipsum dolor sit amet, consectetur adipiscing elit, sed do eiusmod tempor incididunt ut labore et dolore </a:t>
-            </a:r>
-          </a:p>
-        </p:txBody>
-      </p:sp>
-      <p:sp>
-        <p:nvSpPr>
-          <p:cNvPr id="19" name="TextBox 19"/>
-          <p:cNvSpPr txBox="1"/>
-          <p:nvPr/>
-        </p:nvSpPr>
-        <p:spPr>
-          <a:xfrm>
-            <a:off x="709412" y="5472894"/>
-            <a:ext cx="5541921" cy="1137523"/>
-          </a:xfrm>
-          <a:prstGeom prst="rect">
-            <a:avLst/>
-          </a:prstGeom>
-        </p:spPr>
-        <p:txBody>
-          <a:bodyPr lIns="0" tIns="0" rIns="0" bIns="0" rtlCol="0" anchor="t">
-            <a:spAutoFit/>
-          </a:bodyPr>
-          <a:lstStyle/>
-          <a:p>
-            <a:pPr algn="l">
-              <a:lnSpc>
-                <a:spcPts val="2924"/>
-              </a:lnSpc>
-            </a:pPr>
-            <a:r>
-              <a:rPr lang="en-US" sz="2125">
-                <a:solidFill>
-                  <a:srgbClr val="FFFFFF"/>
-                </a:solidFill>
-                <a:latin typeface="Poppins"/>
-                <a:ea typeface="Poppins"/>
-                <a:cs typeface="Poppins"/>
-                <a:sym typeface="Poppins"/>
-              </a:rPr>
-              <a:t>Lorem ipsum dolor sit amet, consectetur adipiscing elit, sed do eiusmod tempor incididunt ut labore et dolore </a:t>
+              <a:t>Sistema interno de perguntas e respostas para que colaboradores de uma empresa possam se ajudar mutuamente.</a:t>
             </a:r>
           </a:p>
         </p:txBody>
@@ -4509,214 +4468,6 @@
         <p:sp>
           <p:nvSpPr>
             <p:cNvPr id="5" name="Freeform 5"/>
-            <p:cNvSpPr/>
-            <p:nvPr/>
-          </p:nvSpPr>
-          <p:spPr>
-            <a:xfrm>
-              <a:off x="0" y="0"/>
-              <a:ext cx="114300" cy="114300"/>
-            </a:xfrm>
-            <a:custGeom>
-              <a:avLst/>
-              <a:gdLst/>
-              <a:ahLst/>
-              <a:cxnLst/>
-              <a:rect l="l" t="t" r="r" b="b"/>
-              <a:pathLst>
-                <a:path w="114300" h="114300">
-                  <a:moveTo>
-                    <a:pt x="114300" y="57150"/>
-                  </a:moveTo>
-                  <a:cubicBezTo>
-                    <a:pt x="114300" y="60960"/>
-                    <a:pt x="113919" y="64643"/>
-                    <a:pt x="113157" y="68326"/>
-                  </a:cubicBezTo>
-                  <a:cubicBezTo>
-                    <a:pt x="112395" y="72009"/>
-                    <a:pt x="111379" y="75565"/>
-                    <a:pt x="109855" y="78994"/>
-                  </a:cubicBezTo>
-                  <a:cubicBezTo>
-                    <a:pt x="108331" y="82423"/>
-                    <a:pt x="106680" y="85725"/>
-                    <a:pt x="104521" y="88900"/>
-                  </a:cubicBezTo>
-                  <a:cubicBezTo>
-                    <a:pt x="102362" y="92075"/>
-                    <a:pt x="100076" y="94869"/>
-                    <a:pt x="97409" y="97536"/>
-                  </a:cubicBezTo>
-                  <a:cubicBezTo>
-                    <a:pt x="94742" y="100203"/>
-                    <a:pt x="91821" y="102616"/>
-                    <a:pt x="88773" y="104648"/>
-                  </a:cubicBezTo>
-                  <a:cubicBezTo>
-                    <a:pt x="85725" y="106680"/>
-                    <a:pt x="82296" y="108458"/>
-                    <a:pt x="78867" y="109982"/>
-                  </a:cubicBezTo>
-                  <a:cubicBezTo>
-                    <a:pt x="75438" y="111506"/>
-                    <a:pt x="71882" y="112522"/>
-                    <a:pt x="68199" y="113284"/>
-                  </a:cubicBezTo>
-                  <a:cubicBezTo>
-                    <a:pt x="64516" y="114046"/>
-                    <a:pt x="60960" y="114300"/>
-                    <a:pt x="57150" y="114300"/>
-                  </a:cubicBezTo>
-                  <a:cubicBezTo>
-                    <a:pt x="53340" y="114300"/>
-                    <a:pt x="49657" y="113919"/>
-                    <a:pt x="45974" y="113157"/>
-                  </a:cubicBezTo>
-                  <a:cubicBezTo>
-                    <a:pt x="42291" y="112395"/>
-                    <a:pt x="38735" y="111379"/>
-                    <a:pt x="35306" y="109855"/>
-                  </a:cubicBezTo>
-                  <a:cubicBezTo>
-                    <a:pt x="31877" y="108331"/>
-                    <a:pt x="28575" y="106680"/>
-                    <a:pt x="25400" y="104521"/>
-                  </a:cubicBezTo>
-                  <a:cubicBezTo>
-                    <a:pt x="22225" y="102362"/>
-                    <a:pt x="19431" y="100076"/>
-                    <a:pt x="16764" y="97409"/>
-                  </a:cubicBezTo>
-                  <a:cubicBezTo>
-                    <a:pt x="14097" y="94742"/>
-                    <a:pt x="11684" y="92075"/>
-                    <a:pt x="9652" y="88900"/>
-                  </a:cubicBezTo>
-                  <a:cubicBezTo>
-                    <a:pt x="7620" y="85725"/>
-                    <a:pt x="5842" y="82550"/>
-                    <a:pt x="4318" y="78994"/>
-                  </a:cubicBezTo>
-                  <a:cubicBezTo>
-                    <a:pt x="2794" y="75438"/>
-                    <a:pt x="1778" y="72009"/>
-                    <a:pt x="1143" y="68326"/>
-                  </a:cubicBezTo>
-                  <a:cubicBezTo>
-                    <a:pt x="508" y="64643"/>
-                    <a:pt x="0" y="60960"/>
-                    <a:pt x="0" y="57150"/>
-                  </a:cubicBezTo>
-                  <a:cubicBezTo>
-                    <a:pt x="0" y="53340"/>
-                    <a:pt x="381" y="49657"/>
-                    <a:pt x="1143" y="45974"/>
-                  </a:cubicBezTo>
-                  <a:cubicBezTo>
-                    <a:pt x="1905" y="42291"/>
-                    <a:pt x="2921" y="38735"/>
-                    <a:pt x="4445" y="35306"/>
-                  </a:cubicBezTo>
-                  <a:cubicBezTo>
-                    <a:pt x="5969" y="31877"/>
-                    <a:pt x="7493" y="28575"/>
-                    <a:pt x="9652" y="25400"/>
-                  </a:cubicBezTo>
-                  <a:cubicBezTo>
-                    <a:pt x="11811" y="22225"/>
-                    <a:pt x="14097" y="19431"/>
-                    <a:pt x="16764" y="16764"/>
-                  </a:cubicBezTo>
-                  <a:cubicBezTo>
-                    <a:pt x="19431" y="14097"/>
-                    <a:pt x="22352" y="11684"/>
-                    <a:pt x="25400" y="9652"/>
-                  </a:cubicBezTo>
-                  <a:cubicBezTo>
-                    <a:pt x="28448" y="7620"/>
-                    <a:pt x="31877" y="5842"/>
-                    <a:pt x="35306" y="4318"/>
-                  </a:cubicBezTo>
-                  <a:cubicBezTo>
-                    <a:pt x="38735" y="2794"/>
-                    <a:pt x="42291" y="1778"/>
-                    <a:pt x="45974" y="1016"/>
-                  </a:cubicBezTo>
-                  <a:cubicBezTo>
-                    <a:pt x="49657" y="254"/>
-                    <a:pt x="53340" y="0"/>
-                    <a:pt x="57150" y="0"/>
-                  </a:cubicBezTo>
-                  <a:cubicBezTo>
-                    <a:pt x="60960" y="0"/>
-                    <a:pt x="64643" y="381"/>
-                    <a:pt x="68326" y="1143"/>
-                  </a:cubicBezTo>
-                  <a:cubicBezTo>
-                    <a:pt x="72009" y="1905"/>
-                    <a:pt x="75565" y="2921"/>
-                    <a:pt x="78994" y="4445"/>
-                  </a:cubicBezTo>
-                  <a:cubicBezTo>
-                    <a:pt x="82423" y="5969"/>
-                    <a:pt x="85725" y="7620"/>
-                    <a:pt x="88900" y="9779"/>
-                  </a:cubicBezTo>
-                  <a:cubicBezTo>
-                    <a:pt x="92075" y="11938"/>
-                    <a:pt x="94869" y="14224"/>
-                    <a:pt x="97536" y="16891"/>
-                  </a:cubicBezTo>
-                  <a:cubicBezTo>
-                    <a:pt x="100203" y="19558"/>
-                    <a:pt x="102616" y="22479"/>
-                    <a:pt x="104648" y="25527"/>
-                  </a:cubicBezTo>
-                  <a:cubicBezTo>
-                    <a:pt x="106680" y="28575"/>
-                    <a:pt x="108458" y="32004"/>
-                    <a:pt x="109982" y="35433"/>
-                  </a:cubicBezTo>
-                  <a:cubicBezTo>
-                    <a:pt x="111506" y="38862"/>
-                    <a:pt x="112522" y="42418"/>
-                    <a:pt x="113284" y="46101"/>
-                  </a:cubicBezTo>
-                  <a:cubicBezTo>
-                    <a:pt x="114046" y="49784"/>
-                    <a:pt x="114300" y="53340"/>
-                    <a:pt x="114300" y="57150"/>
-                  </a:cubicBezTo>
-                  <a:close/>
-                </a:path>
-              </a:pathLst>
-            </a:custGeom>
-            <a:solidFill>
-              <a:srgbClr val="000000"/>
-            </a:solidFill>
-          </p:spPr>
-        </p:sp>
-      </p:grpSp>
-      <p:grpSp>
-        <p:nvGrpSpPr>
-          <p:cNvPr id="6" name="Group 6"/>
-          <p:cNvGrpSpPr>
-            <a:grpSpLocks noChangeAspect="1"/>
-          </p:cNvGrpSpPr>
-          <p:nvPr/>
-        </p:nvGrpSpPr>
-        <p:grpSpPr>
-          <a:xfrm>
-            <a:off x="1082297" y="5130803"/>
-            <a:ext cx="114300" cy="114300"/>
-            <a:chOff x="0" y="0"/>
-            <a:chExt cx="114300" cy="114300"/>
-          </a:xfrm>
-        </p:grpSpPr>
-        <p:sp>
-          <p:nvSpPr>
-            <p:cNvPr id="7" name="Freeform 7"/>
             <p:cNvSpPr/>
             <p:nvPr/>
           </p:nvSpPr>
@@ -5508,7 +5259,7 @@
         <p:spPr>
           <a:xfrm>
             <a:off x="1364771" y="4110695"/>
-            <a:ext cx="10257644" cy="3092415"/>
+            <a:ext cx="10257644" cy="3032818"/>
           </a:xfrm>
           <a:prstGeom prst="rect">
             <a:avLst/>
@@ -5526,7 +5277,7 @@
               </a:lnSpc>
             </a:pPr>
             <a:r>
-              <a:rPr lang="en-US" sz="2499">
+              <a:rPr lang="en-US" sz="2499" dirty="0">
                 <a:solidFill>
                   <a:srgbClr val="000000"/>
                 </a:solidFill>
@@ -5535,7 +5286,501 @@
                 <a:cs typeface="Poppins"/>
                 <a:sym typeface="Poppins"/>
               </a:rPr>
-              <a:t>Quadro Kanban no Trello: Para organização e acompanhamento visual das tarefas. Sprints: Ciclos de desenvolvimento curtos e focados. Reuniões Diárias (Daily): Alinhamento rápido sobre progresso e impedimentos. Entrega Iterativa: Evolução constante do produto com base em feedbacks.</a:t>
+              <a:t>Quadro Kanban no Trello: Para </a:t>
+            </a:r>
+            <a:r>
+              <a:rPr lang="en-US" sz="2499" dirty="0" err="1">
+                <a:solidFill>
+                  <a:srgbClr val="000000"/>
+                </a:solidFill>
+                <a:latin typeface="Poppins"/>
+                <a:ea typeface="Poppins"/>
+                <a:cs typeface="Poppins"/>
+                <a:sym typeface="Poppins"/>
+              </a:rPr>
+              <a:t>organização</a:t>
+            </a:r>
+            <a:r>
+              <a:rPr lang="en-US" sz="2499" dirty="0">
+                <a:solidFill>
+                  <a:srgbClr val="000000"/>
+                </a:solidFill>
+                <a:latin typeface="Poppins"/>
+                <a:ea typeface="Poppins"/>
+                <a:cs typeface="Poppins"/>
+                <a:sym typeface="Poppins"/>
+              </a:rPr>
+              <a:t> e </a:t>
+            </a:r>
+            <a:r>
+              <a:rPr lang="en-US" sz="2499" dirty="0" err="1">
+                <a:solidFill>
+                  <a:srgbClr val="000000"/>
+                </a:solidFill>
+                <a:latin typeface="Poppins"/>
+                <a:ea typeface="Poppins"/>
+                <a:cs typeface="Poppins"/>
+                <a:sym typeface="Poppins"/>
+              </a:rPr>
+              <a:t>acompanhamento</a:t>
+            </a:r>
+            <a:r>
+              <a:rPr lang="en-US" sz="2499" dirty="0">
+                <a:solidFill>
+                  <a:srgbClr val="000000"/>
+                </a:solidFill>
+                <a:latin typeface="Poppins"/>
+                <a:ea typeface="Poppins"/>
+                <a:cs typeface="Poppins"/>
+                <a:sym typeface="Poppins"/>
+              </a:rPr>
+              <a:t> visual das </a:t>
+            </a:r>
+            <a:r>
+              <a:rPr lang="en-US" sz="2499" dirty="0" err="1">
+                <a:solidFill>
+                  <a:srgbClr val="000000"/>
+                </a:solidFill>
+                <a:latin typeface="Poppins"/>
+                <a:ea typeface="Poppins"/>
+                <a:cs typeface="Poppins"/>
+                <a:sym typeface="Poppins"/>
+              </a:rPr>
+              <a:t>tarefas</a:t>
+            </a:r>
+            <a:r>
+              <a:rPr lang="en-US" sz="2499" dirty="0">
+                <a:solidFill>
+                  <a:srgbClr val="000000"/>
+                </a:solidFill>
+                <a:latin typeface="Poppins"/>
+                <a:ea typeface="Poppins"/>
+                <a:cs typeface="Poppins"/>
+                <a:sym typeface="Poppins"/>
+              </a:rPr>
+              <a:t>. Sprints: </a:t>
+            </a:r>
+            <a:r>
+              <a:rPr lang="en-US" sz="2499" dirty="0" err="1">
+                <a:solidFill>
+                  <a:srgbClr val="000000"/>
+                </a:solidFill>
+                <a:latin typeface="Poppins"/>
+                <a:ea typeface="Poppins"/>
+                <a:cs typeface="Poppins"/>
+                <a:sym typeface="Poppins"/>
+              </a:rPr>
+              <a:t>Ciclos</a:t>
+            </a:r>
+            <a:r>
+              <a:rPr lang="en-US" sz="2499" dirty="0">
+                <a:solidFill>
+                  <a:srgbClr val="000000"/>
+                </a:solidFill>
+                <a:latin typeface="Poppins"/>
+                <a:ea typeface="Poppins"/>
+                <a:cs typeface="Poppins"/>
+                <a:sym typeface="Poppins"/>
+              </a:rPr>
+              <a:t> de </a:t>
+            </a:r>
+            <a:r>
+              <a:rPr lang="en-US" sz="2499" dirty="0" err="1">
+                <a:solidFill>
+                  <a:srgbClr val="000000"/>
+                </a:solidFill>
+                <a:latin typeface="Poppins"/>
+                <a:ea typeface="Poppins"/>
+                <a:cs typeface="Poppins"/>
+                <a:sym typeface="Poppins"/>
+              </a:rPr>
+              <a:t>desenvolvimento</a:t>
+            </a:r>
+            <a:r>
+              <a:rPr lang="en-US" sz="2499" dirty="0">
+                <a:solidFill>
+                  <a:srgbClr val="000000"/>
+                </a:solidFill>
+                <a:latin typeface="Poppins"/>
+                <a:ea typeface="Poppins"/>
+                <a:cs typeface="Poppins"/>
+                <a:sym typeface="Poppins"/>
+              </a:rPr>
+              <a:t> </a:t>
+            </a:r>
+            <a:r>
+              <a:rPr lang="en-US" sz="2499" dirty="0" err="1">
+                <a:solidFill>
+                  <a:srgbClr val="000000"/>
+                </a:solidFill>
+                <a:latin typeface="Poppins"/>
+                <a:ea typeface="Poppins"/>
+                <a:cs typeface="Poppins"/>
+                <a:sym typeface="Poppins"/>
+              </a:rPr>
+              <a:t>curtos</a:t>
+            </a:r>
+            <a:r>
+              <a:rPr lang="en-US" sz="2499" dirty="0">
+                <a:solidFill>
+                  <a:srgbClr val="000000"/>
+                </a:solidFill>
+                <a:latin typeface="Poppins"/>
+                <a:ea typeface="Poppins"/>
+                <a:cs typeface="Poppins"/>
+                <a:sym typeface="Poppins"/>
+              </a:rPr>
+              <a:t> e </a:t>
+            </a:r>
+            <a:r>
+              <a:rPr lang="en-US" sz="2499" dirty="0" err="1">
+                <a:solidFill>
+                  <a:srgbClr val="000000"/>
+                </a:solidFill>
+                <a:latin typeface="Poppins"/>
+                <a:ea typeface="Poppins"/>
+                <a:cs typeface="Poppins"/>
+                <a:sym typeface="Poppins"/>
+              </a:rPr>
+              <a:t>focados</a:t>
+            </a:r>
+            <a:r>
+              <a:rPr lang="en-US" sz="2499" dirty="0">
+                <a:solidFill>
+                  <a:srgbClr val="000000"/>
+                </a:solidFill>
+                <a:latin typeface="Poppins"/>
+                <a:ea typeface="Poppins"/>
+                <a:cs typeface="Poppins"/>
+                <a:sym typeface="Poppins"/>
+              </a:rPr>
+              <a:t>. </a:t>
+            </a:r>
+          </a:p>
+          <a:p>
+            <a:pPr algn="l">
+              <a:lnSpc>
+                <a:spcPts val="3449"/>
+              </a:lnSpc>
+            </a:pPr>
+            <a:r>
+              <a:rPr lang="en-US" sz="2499" dirty="0" err="1">
+                <a:solidFill>
+                  <a:srgbClr val="000000"/>
+                </a:solidFill>
+                <a:latin typeface="Poppins"/>
+                <a:ea typeface="Poppins"/>
+                <a:cs typeface="Poppins"/>
+                <a:sym typeface="Poppins"/>
+              </a:rPr>
+              <a:t>Reuniões</a:t>
+            </a:r>
+            <a:r>
+              <a:rPr lang="en-US" sz="2499" dirty="0">
+                <a:solidFill>
+                  <a:srgbClr val="000000"/>
+                </a:solidFill>
+                <a:latin typeface="Poppins"/>
+                <a:ea typeface="Poppins"/>
+                <a:cs typeface="Poppins"/>
+                <a:sym typeface="Poppins"/>
+              </a:rPr>
+              <a:t> </a:t>
+            </a:r>
+            <a:r>
+              <a:rPr lang="en-US" sz="2499" dirty="0" err="1">
+                <a:solidFill>
+                  <a:srgbClr val="000000"/>
+                </a:solidFill>
+                <a:latin typeface="Poppins"/>
+                <a:ea typeface="Poppins"/>
+                <a:cs typeface="Poppins"/>
+                <a:sym typeface="Poppins"/>
+              </a:rPr>
+              <a:t>Diárias</a:t>
+            </a:r>
+            <a:r>
+              <a:rPr lang="en-US" sz="2499" dirty="0">
+                <a:solidFill>
+                  <a:srgbClr val="000000"/>
+                </a:solidFill>
+                <a:latin typeface="Poppins"/>
+                <a:ea typeface="Poppins"/>
+                <a:cs typeface="Poppins"/>
+                <a:sym typeface="Poppins"/>
+              </a:rPr>
+              <a:t> (Daily): </a:t>
+            </a:r>
+            <a:r>
+              <a:rPr lang="en-US" sz="2499" dirty="0" err="1">
+                <a:solidFill>
+                  <a:srgbClr val="000000"/>
+                </a:solidFill>
+                <a:latin typeface="Poppins"/>
+                <a:ea typeface="Poppins"/>
+                <a:cs typeface="Poppins"/>
+                <a:sym typeface="Poppins"/>
+              </a:rPr>
+              <a:t>Alinhamento</a:t>
+            </a:r>
+            <a:r>
+              <a:rPr lang="en-US" sz="2499" dirty="0">
+                <a:solidFill>
+                  <a:srgbClr val="000000"/>
+                </a:solidFill>
+                <a:latin typeface="Poppins"/>
+                <a:ea typeface="Poppins"/>
+                <a:cs typeface="Poppins"/>
+                <a:sym typeface="Poppins"/>
+              </a:rPr>
+              <a:t> </a:t>
+            </a:r>
+            <a:r>
+              <a:rPr lang="en-US" sz="2499" dirty="0" err="1">
+                <a:solidFill>
+                  <a:srgbClr val="000000"/>
+                </a:solidFill>
+                <a:latin typeface="Poppins"/>
+                <a:ea typeface="Poppins"/>
+                <a:cs typeface="Poppins"/>
+                <a:sym typeface="Poppins"/>
+              </a:rPr>
+              <a:t>rápido</a:t>
+            </a:r>
+            <a:r>
+              <a:rPr lang="en-US" sz="2499" dirty="0">
+                <a:solidFill>
+                  <a:srgbClr val="000000"/>
+                </a:solidFill>
+                <a:latin typeface="Poppins"/>
+                <a:ea typeface="Poppins"/>
+                <a:cs typeface="Poppins"/>
+                <a:sym typeface="Poppins"/>
+              </a:rPr>
+              <a:t> </a:t>
+            </a:r>
+            <a:r>
+              <a:rPr lang="en-US" sz="2499" dirty="0" err="1">
+                <a:solidFill>
+                  <a:srgbClr val="000000"/>
+                </a:solidFill>
+                <a:latin typeface="Poppins"/>
+                <a:ea typeface="Poppins"/>
+                <a:cs typeface="Poppins"/>
+                <a:sym typeface="Poppins"/>
+              </a:rPr>
+              <a:t>sobre</a:t>
+            </a:r>
+            <a:r>
+              <a:rPr lang="en-US" sz="2499" dirty="0">
+                <a:solidFill>
+                  <a:srgbClr val="000000"/>
+                </a:solidFill>
+                <a:latin typeface="Poppins"/>
+                <a:ea typeface="Poppins"/>
+                <a:cs typeface="Poppins"/>
+                <a:sym typeface="Poppins"/>
+              </a:rPr>
+              <a:t> </a:t>
+            </a:r>
+            <a:r>
+              <a:rPr lang="en-US" sz="2499" dirty="0" err="1">
+                <a:solidFill>
+                  <a:srgbClr val="000000"/>
+                </a:solidFill>
+                <a:latin typeface="Poppins"/>
+                <a:ea typeface="Poppins"/>
+                <a:cs typeface="Poppins"/>
+                <a:sym typeface="Poppins"/>
+              </a:rPr>
+              <a:t>progresso</a:t>
+            </a:r>
+            <a:r>
+              <a:rPr lang="en-US" sz="2499" dirty="0">
+                <a:solidFill>
+                  <a:srgbClr val="000000"/>
+                </a:solidFill>
+                <a:latin typeface="Poppins"/>
+                <a:ea typeface="Poppins"/>
+                <a:cs typeface="Poppins"/>
+                <a:sym typeface="Poppins"/>
+              </a:rPr>
+              <a:t> e </a:t>
+            </a:r>
+            <a:r>
+              <a:rPr lang="en-US" sz="2499" dirty="0" err="1">
+                <a:solidFill>
+                  <a:srgbClr val="000000"/>
+                </a:solidFill>
+                <a:latin typeface="Poppins"/>
+                <a:ea typeface="Poppins"/>
+                <a:cs typeface="Poppins"/>
+                <a:sym typeface="Poppins"/>
+              </a:rPr>
+              <a:t>impedimentos</a:t>
+            </a:r>
+            <a:r>
+              <a:rPr lang="en-US" sz="2499" dirty="0">
+                <a:solidFill>
+                  <a:srgbClr val="000000"/>
+                </a:solidFill>
+                <a:latin typeface="Poppins"/>
+                <a:ea typeface="Poppins"/>
+                <a:cs typeface="Poppins"/>
+                <a:sym typeface="Poppins"/>
+              </a:rPr>
+              <a:t>. </a:t>
+            </a:r>
+          </a:p>
+          <a:p>
+            <a:pPr algn="l">
+              <a:lnSpc>
+                <a:spcPts val="3449"/>
+              </a:lnSpc>
+            </a:pPr>
+            <a:r>
+              <a:rPr lang="en-US" sz="2499" dirty="0" err="1">
+                <a:solidFill>
+                  <a:srgbClr val="000000"/>
+                </a:solidFill>
+                <a:latin typeface="Poppins"/>
+                <a:ea typeface="Poppins"/>
+                <a:cs typeface="Poppins"/>
+                <a:sym typeface="Poppins"/>
+              </a:rPr>
+              <a:t>Entrega</a:t>
+            </a:r>
+            <a:r>
+              <a:rPr lang="en-US" sz="2499" dirty="0">
+                <a:solidFill>
+                  <a:srgbClr val="000000"/>
+                </a:solidFill>
+                <a:latin typeface="Poppins"/>
+                <a:ea typeface="Poppins"/>
+                <a:cs typeface="Poppins"/>
+                <a:sym typeface="Poppins"/>
+              </a:rPr>
+              <a:t> </a:t>
+            </a:r>
+            <a:r>
+              <a:rPr lang="en-US" sz="2499" dirty="0" err="1">
+                <a:solidFill>
+                  <a:srgbClr val="000000"/>
+                </a:solidFill>
+                <a:latin typeface="Poppins"/>
+                <a:ea typeface="Poppins"/>
+                <a:cs typeface="Poppins"/>
+                <a:sym typeface="Poppins"/>
+              </a:rPr>
+              <a:t>Iterativa</a:t>
+            </a:r>
+            <a:r>
+              <a:rPr lang="en-US" sz="2499" dirty="0">
+                <a:solidFill>
+                  <a:srgbClr val="000000"/>
+                </a:solidFill>
+                <a:latin typeface="Poppins"/>
+                <a:ea typeface="Poppins"/>
+                <a:cs typeface="Poppins"/>
+                <a:sym typeface="Poppins"/>
+              </a:rPr>
+              <a:t>: </a:t>
+            </a:r>
+            <a:r>
+              <a:rPr lang="en-US" sz="2499" dirty="0" err="1">
+                <a:solidFill>
+                  <a:srgbClr val="000000"/>
+                </a:solidFill>
+                <a:latin typeface="Poppins"/>
+                <a:ea typeface="Poppins"/>
+                <a:cs typeface="Poppins"/>
+                <a:sym typeface="Poppins"/>
+              </a:rPr>
+              <a:t>Evolução</a:t>
+            </a:r>
+            <a:r>
+              <a:rPr lang="en-US" sz="2499" dirty="0">
+                <a:solidFill>
+                  <a:srgbClr val="000000"/>
+                </a:solidFill>
+                <a:latin typeface="Poppins"/>
+                <a:ea typeface="Poppins"/>
+                <a:cs typeface="Poppins"/>
+                <a:sym typeface="Poppins"/>
+              </a:rPr>
+              <a:t> </a:t>
+            </a:r>
+            <a:r>
+              <a:rPr lang="en-US" sz="2499" dirty="0" err="1">
+                <a:solidFill>
+                  <a:srgbClr val="000000"/>
+                </a:solidFill>
+                <a:latin typeface="Poppins"/>
+                <a:ea typeface="Poppins"/>
+                <a:cs typeface="Poppins"/>
+                <a:sym typeface="Poppins"/>
+              </a:rPr>
+              <a:t>constante</a:t>
+            </a:r>
+            <a:r>
+              <a:rPr lang="en-US" sz="2499" dirty="0">
+                <a:solidFill>
+                  <a:srgbClr val="000000"/>
+                </a:solidFill>
+                <a:latin typeface="Poppins"/>
+                <a:ea typeface="Poppins"/>
+                <a:cs typeface="Poppins"/>
+                <a:sym typeface="Poppins"/>
+              </a:rPr>
+              <a:t> do </a:t>
+            </a:r>
+            <a:r>
+              <a:rPr lang="en-US" sz="2499" dirty="0" err="1">
+                <a:solidFill>
+                  <a:srgbClr val="000000"/>
+                </a:solidFill>
+                <a:latin typeface="Poppins"/>
+                <a:ea typeface="Poppins"/>
+                <a:cs typeface="Poppins"/>
+                <a:sym typeface="Poppins"/>
+              </a:rPr>
+              <a:t>produto</a:t>
+            </a:r>
+            <a:r>
+              <a:rPr lang="en-US" sz="2499" dirty="0">
+                <a:solidFill>
+                  <a:srgbClr val="000000"/>
+                </a:solidFill>
+                <a:latin typeface="Poppins"/>
+                <a:ea typeface="Poppins"/>
+                <a:cs typeface="Poppins"/>
+                <a:sym typeface="Poppins"/>
+              </a:rPr>
+              <a:t> com base </a:t>
+            </a:r>
+            <a:r>
+              <a:rPr lang="en-US" sz="2499" dirty="0" err="1">
+                <a:solidFill>
+                  <a:srgbClr val="000000"/>
+                </a:solidFill>
+                <a:latin typeface="Poppins"/>
+                <a:ea typeface="Poppins"/>
+                <a:cs typeface="Poppins"/>
+                <a:sym typeface="Poppins"/>
+              </a:rPr>
+              <a:t>em</a:t>
+            </a:r>
+            <a:r>
+              <a:rPr lang="en-US" sz="2499" dirty="0">
+                <a:solidFill>
+                  <a:srgbClr val="000000"/>
+                </a:solidFill>
+                <a:latin typeface="Poppins"/>
+                <a:ea typeface="Poppins"/>
+                <a:cs typeface="Poppins"/>
+                <a:sym typeface="Poppins"/>
+              </a:rPr>
+              <a:t> feedbacks.</a:t>
             </a:r>
           </a:p>
         </p:txBody>
@@ -5573,7 +5818,7 @@
         </p:nvSpPr>
         <p:spPr>
           <a:xfrm>
-            <a:off x="0" y="0"/>
+            <a:off x="-44115" y="-114300"/>
             <a:ext cx="18288000" cy="10287000"/>
           </a:xfrm>
           <a:custGeom>
@@ -5613,9 +5858,811 @@
           </a:blipFill>
         </p:spPr>
       </p:sp>
+      <p:sp>
+        <p:nvSpPr>
+          <p:cNvPr id="5" name="TextBox 5"/>
+          <p:cNvSpPr txBox="1"/>
+          <p:nvPr/>
+        </p:nvSpPr>
+        <p:spPr>
+          <a:xfrm>
+            <a:off x="1028700" y="1847593"/>
+            <a:ext cx="6966356" cy="595674"/>
+          </a:xfrm>
+          <a:prstGeom prst="rect">
+            <a:avLst/>
+          </a:prstGeom>
+        </p:spPr>
+        <p:txBody>
+          <a:bodyPr lIns="0" tIns="0" rIns="0" bIns="0" rtlCol="0" anchor="t">
+            <a:spAutoFit/>
+          </a:bodyPr>
+          <a:lstStyle/>
+          <a:p>
+            <a:pPr algn="l">
+              <a:lnSpc>
+                <a:spcPts val="4535"/>
+              </a:lnSpc>
+            </a:pPr>
+            <a:r>
+              <a:rPr lang="en-US" sz="4115" b="1">
+                <a:solidFill>
+                  <a:srgbClr val="004AAD"/>
+                </a:solidFill>
+                <a:latin typeface="League Spartan"/>
+                <a:ea typeface="League Spartan"/>
+                <a:cs typeface="League Spartan"/>
+                <a:sym typeface="League Spartan"/>
+              </a:rPr>
+              <a:t>CLASSE E CASOS DE USO</a:t>
+            </a:r>
+          </a:p>
+        </p:txBody>
+      </p:sp>
+      <p:sp>
+        <p:nvSpPr>
+          <p:cNvPr id="7" name="TextBox 7"/>
+          <p:cNvSpPr txBox="1"/>
+          <p:nvPr/>
+        </p:nvSpPr>
+        <p:spPr>
+          <a:xfrm>
+            <a:off x="1028700" y="929021"/>
+            <a:ext cx="3768252" cy="894712"/>
+          </a:xfrm>
+          <a:prstGeom prst="rect">
+            <a:avLst/>
+          </a:prstGeom>
+        </p:spPr>
+        <p:txBody>
+          <a:bodyPr lIns="0" tIns="0" rIns="0" bIns="0" rtlCol="0" anchor="t">
+            <a:spAutoFit/>
+          </a:bodyPr>
+          <a:lstStyle/>
+          <a:p>
+            <a:pPr algn="l">
+              <a:lnSpc>
+                <a:spcPts val="7211"/>
+              </a:lnSpc>
+            </a:pPr>
+            <a:r>
+              <a:rPr lang="en-US" sz="5151" dirty="0">
+                <a:solidFill>
+                  <a:srgbClr val="000000"/>
+                </a:solidFill>
+                <a:latin typeface="Roboto"/>
+                <a:ea typeface="Roboto"/>
+                <a:cs typeface="Roboto"/>
+                <a:sym typeface="Roboto"/>
+              </a:rPr>
+              <a:t>DIAGRAMAS</a:t>
+            </a:r>
+          </a:p>
+        </p:txBody>
+      </p:sp>
       <p:grpSp>
         <p:nvGrpSpPr>
-          <p:cNvPr id="3" name="Group 3"/>
+          <p:cNvPr id="24" name="Group 23">
+            <a:extLst>
+              <a:ext uri="{FF2B5EF4-FFF2-40B4-BE49-F238E27FC236}">
+                <a16:creationId xmlns:a16="http://schemas.microsoft.com/office/drawing/2014/main" id="{D8DEC450-F626-4E42-8C88-724F8D358369}"/>
+              </a:ext>
+            </a:extLst>
+          </p:cNvPr>
+          <p:cNvGrpSpPr/>
+          <p:nvPr/>
+        </p:nvGrpSpPr>
+        <p:grpSpPr>
+          <a:xfrm>
+            <a:off x="1028700" y="2483710"/>
+            <a:ext cx="16142370" cy="7448994"/>
+            <a:chOff x="1028700" y="2483710"/>
+            <a:chExt cx="16142370" cy="7448994"/>
+          </a:xfrm>
+        </p:grpSpPr>
+        <p:sp>
+          <p:nvSpPr>
+            <p:cNvPr id="6" name="TextBox 6"/>
+            <p:cNvSpPr txBox="1"/>
+            <p:nvPr/>
+          </p:nvSpPr>
+          <p:spPr>
+            <a:xfrm>
+              <a:off x="1240784" y="2483710"/>
+              <a:ext cx="73514" cy="623173"/>
+            </a:xfrm>
+            <a:prstGeom prst="rect">
+              <a:avLst/>
+            </a:prstGeom>
+          </p:spPr>
+          <p:txBody>
+            <a:bodyPr lIns="0" tIns="0" rIns="0" bIns="0" rtlCol="0" anchor="t">
+              <a:spAutoFit/>
+            </a:bodyPr>
+            <a:lstStyle/>
+            <a:p>
+              <a:pPr algn="l">
+                <a:lnSpc>
+                  <a:spcPts val="5313"/>
+                </a:lnSpc>
+              </a:pPr>
+              <a:r>
+                <a:rPr lang="en-US" sz="2125">
+                  <a:solidFill>
+                    <a:srgbClr val="000000"/>
+                  </a:solidFill>
+                  <a:latin typeface="Poppins"/>
+                  <a:ea typeface="Poppins"/>
+                  <a:cs typeface="Poppins"/>
+                  <a:sym typeface="Poppins"/>
+                </a:rPr>
+                <a:t> </a:t>
+              </a:r>
+            </a:p>
+          </p:txBody>
+        </p:sp>
+        <p:sp>
+          <p:nvSpPr>
+            <p:cNvPr id="8" name="TextBox 8"/>
+            <p:cNvSpPr txBox="1"/>
+            <p:nvPr/>
+          </p:nvSpPr>
+          <p:spPr>
+            <a:xfrm>
+              <a:off x="1028700" y="2712310"/>
+              <a:ext cx="16142370" cy="364843"/>
+            </a:xfrm>
+            <a:prstGeom prst="rect">
+              <a:avLst/>
+            </a:prstGeom>
+          </p:spPr>
+          <p:txBody>
+            <a:bodyPr lIns="0" tIns="0" rIns="0" bIns="0" rtlCol="0" anchor="t">
+              <a:spAutoFit/>
+            </a:bodyPr>
+            <a:lstStyle/>
+            <a:p>
+              <a:pPr algn="l">
+                <a:lnSpc>
+                  <a:spcPts val="2975"/>
+                </a:lnSpc>
+              </a:pPr>
+              <a:r>
+                <a:rPr lang="en-US" sz="2125" dirty="0">
+                  <a:solidFill>
+                    <a:srgbClr val="000000"/>
+                  </a:solidFill>
+                  <a:latin typeface="Poppins"/>
+                  <a:ea typeface="Poppins"/>
+                  <a:cs typeface="Poppins"/>
+                  <a:sym typeface="Poppins"/>
+                </a:rPr>
+                <a:t>O </a:t>
+              </a:r>
+              <a:r>
+                <a:rPr lang="en-US" sz="2125" dirty="0" err="1">
+                  <a:solidFill>
+                    <a:srgbClr val="000000"/>
+                  </a:solidFill>
+                  <a:latin typeface="Poppins"/>
+                  <a:ea typeface="Poppins"/>
+                  <a:cs typeface="Poppins"/>
+                  <a:sym typeface="Poppins"/>
+                </a:rPr>
+                <a:t>diagrama</a:t>
+              </a:r>
+              <a:r>
+                <a:rPr lang="en-US" sz="2125" dirty="0">
+                  <a:solidFill>
+                    <a:srgbClr val="000000"/>
+                  </a:solidFill>
+                  <a:latin typeface="Poppins"/>
+                  <a:ea typeface="Poppins"/>
+                  <a:cs typeface="Poppins"/>
+                  <a:sym typeface="Poppins"/>
+                </a:rPr>
+                <a:t> </a:t>
+              </a:r>
+              <a:r>
+                <a:rPr lang="en-US" sz="2125" dirty="0" err="1">
+                  <a:solidFill>
+                    <a:srgbClr val="000000"/>
+                  </a:solidFill>
+                  <a:latin typeface="Poppins"/>
+                  <a:ea typeface="Poppins"/>
+                  <a:cs typeface="Poppins"/>
+                  <a:sym typeface="Poppins"/>
+                </a:rPr>
+                <a:t>abaixo</a:t>
+              </a:r>
+              <a:r>
+                <a:rPr lang="en-US" sz="2125" dirty="0">
+                  <a:solidFill>
+                    <a:srgbClr val="000000"/>
+                  </a:solidFill>
+                  <a:latin typeface="Poppins"/>
+                  <a:ea typeface="Poppins"/>
+                  <a:cs typeface="Poppins"/>
+                  <a:sym typeface="Poppins"/>
+                </a:rPr>
+                <a:t> </a:t>
+              </a:r>
+              <a:r>
+                <a:rPr lang="en-US" sz="2125" dirty="0" err="1">
+                  <a:solidFill>
+                    <a:srgbClr val="000000"/>
+                  </a:solidFill>
+                  <a:latin typeface="Poppins"/>
+                  <a:ea typeface="Poppins"/>
+                  <a:cs typeface="Poppins"/>
+                  <a:sym typeface="Poppins"/>
+                </a:rPr>
+                <a:t>ilustra</a:t>
+              </a:r>
+              <a:r>
+                <a:rPr lang="en-US" sz="2125" dirty="0">
+                  <a:solidFill>
+                    <a:srgbClr val="000000"/>
+                  </a:solidFill>
+                  <a:latin typeface="Poppins"/>
+                  <a:ea typeface="Poppins"/>
+                  <a:cs typeface="Poppins"/>
+                  <a:sym typeface="Poppins"/>
+                </a:rPr>
+                <a:t> as </a:t>
+              </a:r>
+              <a:r>
+                <a:rPr lang="en-US" sz="2125" dirty="0" err="1">
+                  <a:solidFill>
+                    <a:srgbClr val="000000"/>
+                  </a:solidFill>
+                  <a:latin typeface="Poppins"/>
+                  <a:ea typeface="Poppins"/>
+                  <a:cs typeface="Poppins"/>
+                  <a:sym typeface="Poppins"/>
+                </a:rPr>
+                <a:t>principais</a:t>
+              </a:r>
+              <a:r>
+                <a:rPr lang="en-US" sz="2125" dirty="0">
+                  <a:solidFill>
+                    <a:srgbClr val="000000"/>
+                  </a:solidFill>
+                  <a:latin typeface="Poppins"/>
+                  <a:ea typeface="Poppins"/>
+                  <a:cs typeface="Poppins"/>
+                  <a:sym typeface="Poppins"/>
+                </a:rPr>
+                <a:t> </a:t>
+              </a:r>
+              <a:r>
+                <a:rPr lang="en-US" sz="2125" dirty="0" err="1">
+                  <a:solidFill>
+                    <a:srgbClr val="000000"/>
+                  </a:solidFill>
+                  <a:latin typeface="Poppins"/>
+                  <a:ea typeface="Poppins"/>
+                  <a:cs typeface="Poppins"/>
+                  <a:sym typeface="Poppins"/>
+                </a:rPr>
+                <a:t>interações</a:t>
+              </a:r>
+              <a:r>
+                <a:rPr lang="en-US" sz="2125" dirty="0">
+                  <a:solidFill>
+                    <a:srgbClr val="000000"/>
+                  </a:solidFill>
+                  <a:latin typeface="Poppins"/>
+                  <a:ea typeface="Poppins"/>
+                  <a:cs typeface="Poppins"/>
+                  <a:sym typeface="Poppins"/>
+                </a:rPr>
+                <a:t> que </a:t>
+              </a:r>
+              <a:r>
+                <a:rPr lang="en-US" sz="2125" dirty="0" err="1">
+                  <a:solidFill>
+                    <a:srgbClr val="000000"/>
+                  </a:solidFill>
+                  <a:latin typeface="Poppins"/>
+                  <a:ea typeface="Poppins"/>
+                  <a:cs typeface="Poppins"/>
+                  <a:sym typeface="Poppins"/>
+                </a:rPr>
+                <a:t>os</a:t>
+              </a:r>
+              <a:r>
+                <a:rPr lang="en-US" sz="2125" dirty="0">
+                  <a:solidFill>
+                    <a:srgbClr val="000000"/>
+                  </a:solidFill>
+                  <a:latin typeface="Poppins"/>
+                  <a:ea typeface="Poppins"/>
+                  <a:cs typeface="Poppins"/>
+                  <a:sym typeface="Poppins"/>
+                </a:rPr>
+                <a:t> </a:t>
+              </a:r>
+              <a:r>
+                <a:rPr lang="en-US" sz="2125" dirty="0" err="1">
+                  <a:solidFill>
+                    <a:srgbClr val="000000"/>
+                  </a:solidFill>
+                  <a:latin typeface="Poppins"/>
+                  <a:ea typeface="Poppins"/>
+                  <a:cs typeface="Poppins"/>
+                  <a:sym typeface="Poppins"/>
+                </a:rPr>
+                <a:t>diferentes</a:t>
+              </a:r>
+              <a:r>
+                <a:rPr lang="en-US" sz="2125" dirty="0">
+                  <a:solidFill>
+                    <a:srgbClr val="000000"/>
+                  </a:solidFill>
+                  <a:latin typeface="Poppins"/>
+                  <a:ea typeface="Poppins"/>
+                  <a:cs typeface="Poppins"/>
+                  <a:sym typeface="Poppins"/>
+                </a:rPr>
+                <a:t> </a:t>
+              </a:r>
+              <a:r>
+                <a:rPr lang="en-US" sz="2125" dirty="0" err="1">
+                  <a:solidFill>
+                    <a:srgbClr val="000000"/>
+                  </a:solidFill>
+                  <a:latin typeface="Poppins"/>
+                  <a:ea typeface="Poppins"/>
+                  <a:cs typeface="Poppins"/>
+                  <a:sym typeface="Poppins"/>
+                </a:rPr>
+                <a:t>tipos</a:t>
+              </a:r>
+              <a:r>
+                <a:rPr lang="en-US" sz="2125" dirty="0">
+                  <a:solidFill>
+                    <a:srgbClr val="000000"/>
+                  </a:solidFill>
+                  <a:latin typeface="Poppins"/>
+                  <a:ea typeface="Poppins"/>
+                  <a:cs typeface="Poppins"/>
+                  <a:sym typeface="Poppins"/>
+                </a:rPr>
+                <a:t> de </a:t>
+              </a:r>
+              <a:r>
+                <a:rPr lang="en-US" sz="2125" dirty="0" err="1">
+                  <a:solidFill>
+                    <a:srgbClr val="000000"/>
+                  </a:solidFill>
+                  <a:latin typeface="Poppins"/>
+                  <a:ea typeface="Poppins"/>
+                  <a:cs typeface="Poppins"/>
+                  <a:sym typeface="Poppins"/>
+                </a:rPr>
+                <a:t>usuários</a:t>
+              </a:r>
+              <a:r>
+                <a:rPr lang="en-US" sz="2125" dirty="0">
+                  <a:solidFill>
+                    <a:srgbClr val="000000"/>
+                  </a:solidFill>
+                  <a:latin typeface="Poppins"/>
+                  <a:ea typeface="Poppins"/>
+                  <a:cs typeface="Poppins"/>
+                  <a:sym typeface="Poppins"/>
+                </a:rPr>
+                <a:t> </a:t>
+              </a:r>
+              <a:r>
+                <a:rPr lang="en-US" sz="2125" dirty="0" err="1">
+                  <a:solidFill>
+                    <a:srgbClr val="000000"/>
+                  </a:solidFill>
+                  <a:latin typeface="Poppins"/>
+                  <a:ea typeface="Poppins"/>
+                  <a:cs typeface="Poppins"/>
+                  <a:sym typeface="Poppins"/>
+                </a:rPr>
+                <a:t>podem</a:t>
+              </a:r>
+              <a:r>
+                <a:rPr lang="en-US" sz="2125" dirty="0">
+                  <a:solidFill>
+                    <a:srgbClr val="000000"/>
+                  </a:solidFill>
+                  <a:latin typeface="Poppins"/>
+                  <a:ea typeface="Poppins"/>
+                  <a:cs typeface="Poppins"/>
+                  <a:sym typeface="Poppins"/>
+                </a:rPr>
+                <a:t> </a:t>
+              </a:r>
+              <a:r>
+                <a:rPr lang="en-US" sz="2125" dirty="0" err="1">
+                  <a:solidFill>
+                    <a:srgbClr val="000000"/>
+                  </a:solidFill>
+                  <a:latin typeface="Poppins"/>
+                  <a:ea typeface="Poppins"/>
+                  <a:cs typeface="Poppins"/>
+                  <a:sym typeface="Poppins"/>
+                </a:rPr>
+                <a:t>ter</a:t>
+              </a:r>
+              <a:r>
+                <a:rPr lang="en-US" sz="2125" dirty="0">
+                  <a:solidFill>
+                    <a:srgbClr val="000000"/>
+                  </a:solidFill>
+                  <a:latin typeface="Poppins"/>
+                  <a:ea typeface="Poppins"/>
+                  <a:cs typeface="Poppins"/>
+                  <a:sym typeface="Poppins"/>
+                </a:rPr>
+                <a:t> com o Help System.</a:t>
+              </a:r>
+            </a:p>
+          </p:txBody>
+        </p:sp>
+        <p:pic>
+          <p:nvPicPr>
+            <p:cNvPr id="10" name="Picture 9">
+              <a:extLst>
+                <a:ext uri="{FF2B5EF4-FFF2-40B4-BE49-F238E27FC236}">
+                  <a16:creationId xmlns:a16="http://schemas.microsoft.com/office/drawing/2014/main" id="{8A49628A-FFD3-49F8-8C9C-E51248D4278B}"/>
+                </a:ext>
+              </a:extLst>
+            </p:cNvPr>
+            <p:cNvPicPr>
+              <a:picLocks noChangeAspect="1"/>
+            </p:cNvPicPr>
+            <p:nvPr/>
+          </p:nvPicPr>
+          <p:blipFill>
+            <a:blip r:embed="rId3"/>
+            <a:stretch>
+              <a:fillRect/>
+            </a:stretch>
+          </p:blipFill>
+          <p:spPr>
+            <a:xfrm>
+              <a:off x="1524000" y="3354799"/>
+              <a:ext cx="14508677" cy="6577905"/>
+            </a:xfrm>
+            <a:prstGeom prst="rect">
+              <a:avLst/>
+            </a:prstGeom>
+          </p:spPr>
+        </p:pic>
+        <p:sp>
+          <p:nvSpPr>
+            <p:cNvPr id="15" name="Arc 14">
+              <a:extLst>
+                <a:ext uri="{FF2B5EF4-FFF2-40B4-BE49-F238E27FC236}">
+                  <a16:creationId xmlns:a16="http://schemas.microsoft.com/office/drawing/2014/main" id="{E1A120F6-3FBB-47BD-9C8A-A55A65FB2D40}"/>
+                </a:ext>
+              </a:extLst>
+            </p:cNvPr>
+            <p:cNvSpPr/>
+            <p:nvPr/>
+          </p:nvSpPr>
+          <p:spPr>
+            <a:xfrm>
+              <a:off x="3810000" y="4485232"/>
+              <a:ext cx="12954000" cy="2106068"/>
+            </a:xfrm>
+            <a:prstGeom prst="arc">
+              <a:avLst>
+                <a:gd name="adj1" fmla="val 11234888"/>
+                <a:gd name="adj2" fmla="val 19879258"/>
+              </a:avLst>
+            </a:prstGeom>
+            <a:ln w="19050"/>
+          </p:spPr>
+          <p:style>
+            <a:lnRef idx="1">
+              <a:schemeClr val="dk1"/>
+            </a:lnRef>
+            <a:fillRef idx="0">
+              <a:schemeClr val="dk1"/>
+            </a:fillRef>
+            <a:effectRef idx="0">
+              <a:schemeClr val="dk1"/>
+            </a:effectRef>
+            <a:fontRef idx="minor">
+              <a:schemeClr val="tx1"/>
+            </a:fontRef>
+          </p:style>
+          <p:txBody>
+            <a:bodyPr rtlCol="0" anchor="ctr"/>
+            <a:lstStyle/>
+            <a:p>
+              <a:pPr algn="ctr"/>
+              <a:endParaRPr lang="pt-PT"/>
+            </a:p>
+          </p:txBody>
+        </p:sp>
+        <p:sp>
+          <p:nvSpPr>
+            <p:cNvPr id="11" name="TextBox 10">
+              <a:extLst>
+                <a:ext uri="{FF2B5EF4-FFF2-40B4-BE49-F238E27FC236}">
+                  <a16:creationId xmlns:a16="http://schemas.microsoft.com/office/drawing/2014/main" id="{D8478B8B-4210-433C-8A1E-68806F4E1F6E}"/>
+                </a:ext>
+              </a:extLst>
+            </p:cNvPr>
+            <p:cNvSpPr txBox="1"/>
+            <p:nvPr/>
+          </p:nvSpPr>
+          <p:spPr>
+            <a:xfrm>
+              <a:off x="7848600" y="4290860"/>
+              <a:ext cx="1060856" cy="400110"/>
+            </a:xfrm>
+            <a:prstGeom prst="rect">
+              <a:avLst/>
+            </a:prstGeom>
+            <a:solidFill>
+              <a:schemeClr val="bg1"/>
+            </a:solidFill>
+          </p:spPr>
+          <p:txBody>
+            <a:bodyPr wrap="square" rtlCol="0">
+              <a:spAutoFit/>
+            </a:bodyPr>
+            <a:lstStyle/>
+            <a:p>
+              <a:r>
+                <a:rPr lang="pt-PT" sz="2000" dirty="0"/>
+                <a:t>Escreve</a:t>
+              </a:r>
+            </a:p>
+          </p:txBody>
+        </p:sp>
+        <p:cxnSp>
+          <p:nvCxnSpPr>
+            <p:cNvPr id="17" name="Straight Connector 16">
+              <a:extLst>
+                <a:ext uri="{FF2B5EF4-FFF2-40B4-BE49-F238E27FC236}">
+                  <a16:creationId xmlns:a16="http://schemas.microsoft.com/office/drawing/2014/main" id="{957ACD87-9812-4B59-936B-8DB15F5C78CE}"/>
+                </a:ext>
+              </a:extLst>
+            </p:cNvPr>
+            <p:cNvCxnSpPr/>
+            <p:nvPr/>
+          </p:nvCxnSpPr>
+          <p:spPr>
+            <a:xfrm>
+              <a:off x="5257800" y="7505700"/>
+              <a:ext cx="1213256" cy="552510"/>
+            </a:xfrm>
+            <a:prstGeom prst="line">
+              <a:avLst/>
+            </a:prstGeom>
+            <a:ln w="19050"/>
+          </p:spPr>
+          <p:style>
+            <a:lnRef idx="1">
+              <a:schemeClr val="dk1"/>
+            </a:lnRef>
+            <a:fillRef idx="0">
+              <a:schemeClr val="dk1"/>
+            </a:fillRef>
+            <a:effectRef idx="0">
+              <a:schemeClr val="dk1"/>
+            </a:effectRef>
+            <a:fontRef idx="minor">
+              <a:schemeClr val="tx1"/>
+            </a:fontRef>
+          </p:style>
+        </p:cxnSp>
+        <p:sp>
+          <p:nvSpPr>
+            <p:cNvPr id="12" name="TextBox 11">
+              <a:extLst>
+                <a:ext uri="{FF2B5EF4-FFF2-40B4-BE49-F238E27FC236}">
+                  <a16:creationId xmlns:a16="http://schemas.microsoft.com/office/drawing/2014/main" id="{2B88FA50-8154-4AAD-9DC2-F23A611CCA3D}"/>
+                </a:ext>
+              </a:extLst>
+            </p:cNvPr>
+            <p:cNvSpPr txBox="1"/>
+            <p:nvPr/>
+          </p:nvSpPr>
+          <p:spPr>
+            <a:xfrm>
+              <a:off x="5410200" y="7658100"/>
+              <a:ext cx="762000" cy="400110"/>
+            </a:xfrm>
+            <a:prstGeom prst="rect">
+              <a:avLst/>
+            </a:prstGeom>
+            <a:solidFill>
+              <a:schemeClr val="bg1"/>
+            </a:solidFill>
+          </p:spPr>
+          <p:txBody>
+            <a:bodyPr wrap="square" rtlCol="0">
+              <a:spAutoFit/>
+            </a:bodyPr>
+            <a:lstStyle/>
+            <a:p>
+              <a:r>
+                <a:rPr lang="pt-PT" sz="2000" dirty="0"/>
+                <a:t>Cria</a:t>
+              </a:r>
+            </a:p>
+          </p:txBody>
+        </p:sp>
+        <p:cxnSp>
+          <p:nvCxnSpPr>
+            <p:cNvPr id="19" name="Straight Connector 18">
+              <a:extLst>
+                <a:ext uri="{FF2B5EF4-FFF2-40B4-BE49-F238E27FC236}">
+                  <a16:creationId xmlns:a16="http://schemas.microsoft.com/office/drawing/2014/main" id="{5E0E4C03-4D89-47EF-BCD5-6FBE6028F563}"/>
+                </a:ext>
+              </a:extLst>
+            </p:cNvPr>
+            <p:cNvCxnSpPr>
+              <a:cxnSpLocks/>
+            </p:cNvCxnSpPr>
+            <p:nvPr/>
+          </p:nvCxnSpPr>
+          <p:spPr>
+            <a:xfrm flipV="1">
+              <a:off x="10134600" y="5695869"/>
+              <a:ext cx="2057400" cy="947882"/>
+            </a:xfrm>
+            <a:prstGeom prst="line">
+              <a:avLst/>
+            </a:prstGeom>
+            <a:ln w="19050"/>
+          </p:spPr>
+          <p:style>
+            <a:lnRef idx="1">
+              <a:schemeClr val="dk1"/>
+            </a:lnRef>
+            <a:fillRef idx="0">
+              <a:schemeClr val="dk1"/>
+            </a:fillRef>
+            <a:effectRef idx="0">
+              <a:schemeClr val="dk1"/>
+            </a:effectRef>
+            <a:fontRef idx="minor">
+              <a:schemeClr val="tx1"/>
+            </a:fontRef>
+          </p:style>
+        </p:cxnSp>
+        <p:sp>
+          <p:nvSpPr>
+            <p:cNvPr id="14" name="TextBox 13">
+              <a:extLst>
+                <a:ext uri="{FF2B5EF4-FFF2-40B4-BE49-F238E27FC236}">
+                  <a16:creationId xmlns:a16="http://schemas.microsoft.com/office/drawing/2014/main" id="{7CC3775D-1DDB-4A94-8F0B-5518407F32A4}"/>
+                </a:ext>
+              </a:extLst>
+            </p:cNvPr>
+            <p:cNvSpPr txBox="1"/>
+            <p:nvPr/>
+          </p:nvSpPr>
+          <p:spPr>
+            <a:xfrm>
+              <a:off x="10726354" y="5935865"/>
+              <a:ext cx="1060856" cy="707886"/>
+            </a:xfrm>
+            <a:prstGeom prst="rect">
+              <a:avLst/>
+            </a:prstGeom>
+            <a:solidFill>
+              <a:schemeClr val="bg1"/>
+            </a:solidFill>
+          </p:spPr>
+          <p:txBody>
+            <a:bodyPr wrap="square" rtlCol="0">
+              <a:spAutoFit/>
+            </a:bodyPr>
+            <a:lstStyle/>
+            <a:p>
+              <a:r>
+                <a:rPr lang="pt-PT" sz="2000" dirty="0"/>
+                <a:t>Tem</a:t>
+              </a:r>
+            </a:p>
+            <a:p>
+              <a:endParaRPr lang="pt-PT" sz="2000" dirty="0"/>
+            </a:p>
+          </p:txBody>
+        </p:sp>
+        <p:cxnSp>
+          <p:nvCxnSpPr>
+            <p:cNvPr id="22" name="Straight Connector 21">
+              <a:extLst>
+                <a:ext uri="{FF2B5EF4-FFF2-40B4-BE49-F238E27FC236}">
+                  <a16:creationId xmlns:a16="http://schemas.microsoft.com/office/drawing/2014/main" id="{346B3D58-02ED-44A7-89D7-60CD7AD3B303}"/>
+                </a:ext>
+              </a:extLst>
+            </p:cNvPr>
+            <p:cNvCxnSpPr>
+              <a:cxnSpLocks/>
+            </p:cNvCxnSpPr>
+            <p:nvPr/>
+          </p:nvCxnSpPr>
+          <p:spPr>
+            <a:xfrm>
+              <a:off x="10134600" y="8191500"/>
+              <a:ext cx="2667000" cy="0"/>
+            </a:xfrm>
+            <a:prstGeom prst="line">
+              <a:avLst/>
+            </a:prstGeom>
+            <a:ln w="19050"/>
+          </p:spPr>
+          <p:style>
+            <a:lnRef idx="1">
+              <a:schemeClr val="dk1"/>
+            </a:lnRef>
+            <a:fillRef idx="0">
+              <a:schemeClr val="dk1"/>
+            </a:fillRef>
+            <a:effectRef idx="0">
+              <a:schemeClr val="dk1"/>
+            </a:effectRef>
+            <a:fontRef idx="minor">
+              <a:schemeClr val="tx1"/>
+            </a:fontRef>
+          </p:style>
+        </p:cxnSp>
+        <p:sp>
+          <p:nvSpPr>
+            <p:cNvPr id="13" name="TextBox 12">
+              <a:extLst>
+                <a:ext uri="{FF2B5EF4-FFF2-40B4-BE49-F238E27FC236}">
+                  <a16:creationId xmlns:a16="http://schemas.microsoft.com/office/drawing/2014/main" id="{B510BFB4-5401-4E8E-9BDA-84828C1ACDA1}"/>
+                </a:ext>
+              </a:extLst>
+            </p:cNvPr>
+            <p:cNvSpPr txBox="1"/>
+            <p:nvPr/>
+          </p:nvSpPr>
+          <p:spPr>
+            <a:xfrm>
+              <a:off x="10494782" y="7996481"/>
+              <a:ext cx="1524000" cy="707886"/>
+            </a:xfrm>
+            <a:prstGeom prst="rect">
+              <a:avLst/>
+            </a:prstGeom>
+            <a:solidFill>
+              <a:schemeClr val="bg1"/>
+            </a:solidFill>
+          </p:spPr>
+          <p:txBody>
+            <a:bodyPr wrap="square" rtlCol="0">
+              <a:spAutoFit/>
+            </a:bodyPr>
+            <a:lstStyle/>
+            <a:p>
+              <a:r>
+                <a:rPr lang="pt-PT" sz="2000" dirty="0"/>
+                <a:t>Pertence a</a:t>
+              </a:r>
+            </a:p>
+            <a:p>
+              <a:endParaRPr lang="pt-PT" sz="2000" dirty="0"/>
+            </a:p>
+          </p:txBody>
+        </p:sp>
+      </p:grpSp>
+      <p:grpSp>
+        <p:nvGrpSpPr>
+          <p:cNvPr id="25" name="Group 7">
+            <a:extLst>
+              <a:ext uri="{FF2B5EF4-FFF2-40B4-BE49-F238E27FC236}">
+                <a16:creationId xmlns:a16="http://schemas.microsoft.com/office/drawing/2014/main" id="{E5A2827B-5A7E-4860-BCCF-ECBC03B501C1}"/>
+              </a:ext>
+            </a:extLst>
+          </p:cNvPr>
           <p:cNvGrpSpPr>
             <a:grpSpLocks noChangeAspect="1"/>
           </p:cNvGrpSpPr>
@@ -5623,15 +6670,21 @@
         </p:nvGrpSpPr>
         <p:grpSpPr>
           <a:xfrm>
-            <a:off x="1028700" y="8997953"/>
-            <a:ext cx="2515019" cy="260347"/>
+            <a:off x="1028700" y="9227805"/>
+            <a:ext cx="2514943" cy="260347"/>
             <a:chOff x="0" y="0"/>
-            <a:chExt cx="2515019" cy="260350"/>
+            <a:chExt cx="2514943" cy="260350"/>
           </a:xfrm>
         </p:grpSpPr>
         <p:sp>
           <p:nvSpPr>
-            <p:cNvPr id="4" name="Freeform 4"/>
+            <p:cNvPr id="26" name="Freeform 8">
+              <a:extLst>
+                <a:ext uri="{FF2B5EF4-FFF2-40B4-BE49-F238E27FC236}">
+                  <a16:creationId xmlns:a16="http://schemas.microsoft.com/office/drawing/2014/main" id="{56E04013-A54C-4B88-A0A0-CC510E681C24}"/>
+                </a:ext>
+              </a:extLst>
+            </p:cNvPr>
             <p:cNvSpPr/>
             <p:nvPr/>
           </p:nvSpPr>
@@ -5670,170 +6723,6 @@
           </p:spPr>
         </p:sp>
       </p:grpSp>
-      <p:sp>
-        <p:nvSpPr>
-          <p:cNvPr id="5" name="TextBox 5"/>
-          <p:cNvSpPr txBox="1"/>
-          <p:nvPr/>
-        </p:nvSpPr>
-        <p:spPr>
-          <a:xfrm>
-            <a:off x="1028700" y="1847593"/>
-            <a:ext cx="6966356" cy="595674"/>
-          </a:xfrm>
-          <a:prstGeom prst="rect">
-            <a:avLst/>
-          </a:prstGeom>
-        </p:spPr>
-        <p:txBody>
-          <a:bodyPr lIns="0" tIns="0" rIns="0" bIns="0" rtlCol="0" anchor="t">
-            <a:spAutoFit/>
-          </a:bodyPr>
-          <a:lstStyle/>
-          <a:p>
-            <a:pPr algn="l">
-              <a:lnSpc>
-                <a:spcPts val="4535"/>
-              </a:lnSpc>
-            </a:pPr>
-            <a:r>
-              <a:rPr lang="en-US" sz="4115" b="1">
-                <a:solidFill>
-                  <a:srgbClr val="004AAD"/>
-                </a:solidFill>
-                <a:latin typeface="League Spartan"/>
-                <a:ea typeface="League Spartan"/>
-                <a:cs typeface="League Spartan"/>
-                <a:sym typeface="League Spartan"/>
-              </a:rPr>
-              <a:t>CLASSE E CASOS DE USO</a:t>
-            </a:r>
-          </a:p>
-        </p:txBody>
-      </p:sp>
-      <p:sp>
-        <p:nvSpPr>
-          <p:cNvPr id="6" name="TextBox 6"/>
-          <p:cNvSpPr txBox="1"/>
-          <p:nvPr/>
-        </p:nvSpPr>
-        <p:spPr>
-          <a:xfrm>
-            <a:off x="1240784" y="2483710"/>
-            <a:ext cx="73514" cy="623173"/>
-          </a:xfrm>
-          <a:prstGeom prst="rect">
-            <a:avLst/>
-          </a:prstGeom>
-        </p:spPr>
-        <p:txBody>
-          <a:bodyPr lIns="0" tIns="0" rIns="0" bIns="0" rtlCol="0" anchor="t">
-            <a:spAutoFit/>
-          </a:bodyPr>
-          <a:lstStyle/>
-          <a:p>
-            <a:pPr algn="l">
-              <a:lnSpc>
-                <a:spcPts val="5313"/>
-              </a:lnSpc>
-            </a:pPr>
-            <a:r>
-              <a:rPr lang="en-US" sz="2125">
-                <a:solidFill>
-                  <a:srgbClr val="000000"/>
-                </a:solidFill>
-                <a:latin typeface="Poppins"/>
-                <a:ea typeface="Poppins"/>
-                <a:cs typeface="Poppins"/>
-                <a:sym typeface="Poppins"/>
-              </a:rPr>
-              <a:t> </a:t>
-            </a:r>
-          </a:p>
-        </p:txBody>
-      </p:sp>
-      <p:sp>
-        <p:nvSpPr>
-          <p:cNvPr id="7" name="TextBox 7"/>
-          <p:cNvSpPr txBox="1"/>
-          <p:nvPr/>
-        </p:nvSpPr>
-        <p:spPr>
-          <a:xfrm>
-            <a:off x="1028700" y="929021"/>
-            <a:ext cx="3768252" cy="894712"/>
-          </a:xfrm>
-          <a:prstGeom prst="rect">
-            <a:avLst/>
-          </a:prstGeom>
-        </p:spPr>
-        <p:txBody>
-          <a:bodyPr lIns="0" tIns="0" rIns="0" bIns="0" rtlCol="0" anchor="t">
-            <a:spAutoFit/>
-          </a:bodyPr>
-          <a:lstStyle/>
-          <a:p>
-            <a:pPr algn="l">
-              <a:lnSpc>
-                <a:spcPts val="7211"/>
-              </a:lnSpc>
-            </a:pPr>
-            <a:r>
-              <a:rPr lang="en-US" sz="5151">
-                <a:solidFill>
-                  <a:srgbClr val="000000"/>
-                </a:solidFill>
-                <a:latin typeface="Roboto"/>
-                <a:ea typeface="Roboto"/>
-                <a:cs typeface="Roboto"/>
-                <a:sym typeface="Roboto"/>
-              </a:rPr>
-              <a:t>DIAGRAMAS</a:t>
-            </a:r>
-          </a:p>
-        </p:txBody>
-      </p:sp>
-      <p:sp>
-        <p:nvSpPr>
-          <p:cNvPr id="8" name="TextBox 8"/>
-          <p:cNvSpPr txBox="1"/>
-          <p:nvPr/>
-        </p:nvSpPr>
-        <p:spPr>
-          <a:xfrm>
-            <a:off x="1028700" y="2712310"/>
-            <a:ext cx="16142370" cy="394573"/>
-          </a:xfrm>
-          <a:prstGeom prst="rect">
-            <a:avLst/>
-          </a:prstGeom>
-        </p:spPr>
-        <p:txBody>
-          <a:bodyPr lIns="0" tIns="0" rIns="0" bIns="0" rtlCol="0" anchor="t">
-            <a:spAutoFit/>
-          </a:bodyPr>
-          <a:lstStyle/>
-          <a:p>
-            <a:pPr algn="l">
-              <a:lnSpc>
-                <a:spcPts val="2975"/>
-              </a:lnSpc>
-            </a:pPr>
-            <a:r>
-              <a:rPr lang="en-US" sz="2125">
-                <a:solidFill>
-                  <a:srgbClr val="000000"/>
-                </a:solidFill>
-                <a:latin typeface="Poppins"/>
-                <a:ea typeface="Poppins"/>
-                <a:cs typeface="Poppins"/>
-                <a:sym typeface="Poppins"/>
-              </a:rPr>
-              <a:t>Odiagramaabaixoilustraasprincipaisinteraçõesque os diferentes tipos de usuários podem ter com o Help System.</a:t>
-            </a:r>
-          </a:p>
-        </p:txBody>
-      </p:sp>
     </p:spTree>
   </p:cSld>
   <p:clrMapOvr>

--- a/utils/Modelo de Apresentação.pptx
+++ b/utils/Modelo de Apresentação.pptx
@@ -4,6 +4,9 @@
   <p:sldMasterIdLst>
     <p:sldMasterId id="2147483648" r:id="rId1"/>
   </p:sldMasterIdLst>
+  <p:notesMasterIdLst>
+    <p:notesMasterId r:id="rId12"/>
+  </p:notesMasterIdLst>
   <p:sldIdLst>
     <p:sldId id="256" r:id="rId2"/>
     <p:sldId id="257" r:id="rId3"/>
@@ -21,36 +24,36 @@
   <p:embeddedFontLst>
     <p:embeddedFont>
       <p:font typeface="Calibri" panose="020F0502020204030204" pitchFamily="34" charset="0"/>
-      <p:regular r:id="rId12"/>
-      <p:bold r:id="rId13"/>
-      <p:italic r:id="rId14"/>
-      <p:boldItalic r:id="rId15"/>
+      <p:regular r:id="rId13"/>
+      <p:bold r:id="rId14"/>
+      <p:italic r:id="rId15"/>
+      <p:boldItalic r:id="rId16"/>
     </p:embeddedFont>
     <p:embeddedFont>
       <p:font typeface="League Spartan" panose="020B0604020202020204" charset="0"/>
-      <p:regular r:id="rId16"/>
+      <p:regular r:id="rId17"/>
     </p:embeddedFont>
     <p:embeddedFont>
       <p:font typeface="Poppins" panose="00000500000000000000" pitchFamily="2" charset="0"/>
-      <p:regular r:id="rId17"/>
-      <p:bold r:id="rId18"/>
-      <p:italic r:id="rId19"/>
-      <p:boldItalic r:id="rId20"/>
+      <p:regular r:id="rId18"/>
+      <p:bold r:id="rId19"/>
+      <p:italic r:id="rId20"/>
+      <p:boldItalic r:id="rId21"/>
     </p:embeddedFont>
     <p:embeddedFont>
       <p:font typeface="Poppins Bold" panose="00000800000000000000" charset="0"/>
-      <p:regular r:id="rId21"/>
+      <p:regular r:id="rId22"/>
     </p:embeddedFont>
     <p:embeddedFont>
       <p:font typeface="Roboto" panose="02000000000000000000" pitchFamily="2" charset="0"/>
-      <p:regular r:id="rId22"/>
-      <p:bold r:id="rId23"/>
-      <p:italic r:id="rId24"/>
-      <p:boldItalic r:id="rId25"/>
+      <p:regular r:id="rId23"/>
+      <p:bold r:id="rId24"/>
+      <p:italic r:id="rId25"/>
+      <p:boldItalic r:id="rId26"/>
     </p:embeddedFont>
     <p:embeddedFont>
       <p:font typeface="Roboto Bold" panose="02000000000000000000" charset="0"/>
-      <p:regular r:id="rId26"/>
+      <p:regular r:id="rId27"/>
     </p:embeddedFont>
   </p:embeddedFontLst>
   <p:defaultTextStyle>
@@ -165,6 +168,440 @@
     </p:ext>
   </p:extLst>
 </p:presentation>
+</file>
+
+<file path=ppt/notesMasters/notesMaster1.xml><?xml version="1.0" encoding="utf-8"?>
+<p:notesMaster xmlns:a="http://schemas.openxmlformats.org/drawingml/2006/main" xmlns:r="http://schemas.openxmlformats.org/officeDocument/2006/relationships" xmlns:p="http://schemas.openxmlformats.org/presentationml/2006/main">
+  <p:cSld>
+    <p:bg>
+      <p:bgRef idx="1001">
+        <a:schemeClr val="bg1"/>
+      </p:bgRef>
+    </p:bg>
+    <p:spTree>
+      <p:nvGrpSpPr>
+        <p:cNvPr id="1" name=""/>
+        <p:cNvGrpSpPr/>
+        <p:nvPr/>
+      </p:nvGrpSpPr>
+      <p:grpSpPr>
+        <a:xfrm>
+          <a:off x="0" y="0"/>
+          <a:ext cx="0" cy="0"/>
+          <a:chOff x="0" y="0"/>
+          <a:chExt cx="0" cy="0"/>
+        </a:xfrm>
+      </p:grpSpPr>
+      <p:sp>
+        <p:nvSpPr>
+          <p:cNvPr id="2" name="Header Placeholder 1"/>
+          <p:cNvSpPr>
+            <a:spLocks noGrp="1"/>
+          </p:cNvSpPr>
+          <p:nvPr>
+            <p:ph type="hdr" sz="quarter"/>
+          </p:nvPr>
+        </p:nvSpPr>
+        <p:spPr>
+          <a:xfrm>
+            <a:off x="0" y="0"/>
+            <a:ext cx="2971800" cy="458788"/>
+          </a:xfrm>
+          <a:prstGeom prst="rect">
+            <a:avLst/>
+          </a:prstGeom>
+        </p:spPr>
+        <p:txBody>
+          <a:bodyPr vert="horz" lIns="91440" tIns="45720" rIns="91440" bIns="45720" rtlCol="0"/>
+          <a:lstStyle>
+            <a:lvl1pPr algn="l">
+              <a:defRPr sz="1200"/>
+            </a:lvl1pPr>
+          </a:lstStyle>
+          <a:p>
+            <a:endParaRPr lang="pt-PT"/>
+          </a:p>
+        </p:txBody>
+      </p:sp>
+      <p:sp>
+        <p:nvSpPr>
+          <p:cNvPr id="3" name="Date Placeholder 2"/>
+          <p:cNvSpPr>
+            <a:spLocks noGrp="1"/>
+          </p:cNvSpPr>
+          <p:nvPr>
+            <p:ph type="dt" idx="1"/>
+          </p:nvPr>
+        </p:nvSpPr>
+        <p:spPr>
+          <a:xfrm>
+            <a:off x="3884613" y="0"/>
+            <a:ext cx="2971800" cy="458788"/>
+          </a:xfrm>
+          <a:prstGeom prst="rect">
+            <a:avLst/>
+          </a:prstGeom>
+        </p:spPr>
+        <p:txBody>
+          <a:bodyPr vert="horz" lIns="91440" tIns="45720" rIns="91440" bIns="45720" rtlCol="0"/>
+          <a:lstStyle>
+            <a:lvl1pPr algn="r">
+              <a:defRPr sz="1200"/>
+            </a:lvl1pPr>
+          </a:lstStyle>
+          <a:p>
+            <a:fld id="{CBB68502-0604-4480-867E-939CBA664CCA}" type="datetimeFigureOut">
+              <a:rPr lang="pt-PT" smtClean="0"/>
+              <a:t>18/09/2025</a:t>
+            </a:fld>
+            <a:endParaRPr lang="pt-PT"/>
+          </a:p>
+        </p:txBody>
+      </p:sp>
+      <p:sp>
+        <p:nvSpPr>
+          <p:cNvPr id="4" name="Slide Image Placeholder 3"/>
+          <p:cNvSpPr>
+            <a:spLocks noGrp="1" noRot="1" noChangeAspect="1"/>
+          </p:cNvSpPr>
+          <p:nvPr>
+            <p:ph type="sldImg" idx="2"/>
+          </p:nvPr>
+        </p:nvSpPr>
+        <p:spPr>
+          <a:xfrm>
+            <a:off x="685800" y="1143000"/>
+            <a:ext cx="5486400" cy="3086100"/>
+          </a:xfrm>
+          <a:prstGeom prst="rect">
+            <a:avLst/>
+          </a:prstGeom>
+          <a:noFill/>
+          <a:ln w="12700">
+            <a:solidFill>
+              <a:prstClr val="black"/>
+            </a:solidFill>
+          </a:ln>
+        </p:spPr>
+        <p:txBody>
+          <a:bodyPr vert="horz" lIns="91440" tIns="45720" rIns="91440" bIns="45720" rtlCol="0" anchor="ctr"/>
+          <a:lstStyle/>
+          <a:p>
+            <a:endParaRPr lang="pt-PT"/>
+          </a:p>
+        </p:txBody>
+      </p:sp>
+      <p:sp>
+        <p:nvSpPr>
+          <p:cNvPr id="5" name="Notes Placeholder 4"/>
+          <p:cNvSpPr>
+            <a:spLocks noGrp="1"/>
+          </p:cNvSpPr>
+          <p:nvPr>
+            <p:ph type="body" sz="quarter" idx="3"/>
+          </p:nvPr>
+        </p:nvSpPr>
+        <p:spPr>
+          <a:xfrm>
+            <a:off x="685800" y="4400550"/>
+            <a:ext cx="5486400" cy="3600450"/>
+          </a:xfrm>
+          <a:prstGeom prst="rect">
+            <a:avLst/>
+          </a:prstGeom>
+        </p:spPr>
+        <p:txBody>
+          <a:bodyPr vert="horz" lIns="91440" tIns="45720" rIns="91440" bIns="45720" rtlCol="0"/>
+          <a:lstStyle/>
+          <a:p>
+            <a:pPr lvl="0"/>
+            <a:r>
+              <a:rPr lang="en-US"/>
+              <a:t>Click to edit Master text styles</a:t>
+            </a:r>
+          </a:p>
+          <a:p>
+            <a:pPr lvl="1"/>
+            <a:r>
+              <a:rPr lang="en-US"/>
+              <a:t>Second level</a:t>
+            </a:r>
+          </a:p>
+          <a:p>
+            <a:pPr lvl="2"/>
+            <a:r>
+              <a:rPr lang="en-US"/>
+              <a:t>Third level</a:t>
+            </a:r>
+          </a:p>
+          <a:p>
+            <a:pPr lvl="3"/>
+            <a:r>
+              <a:rPr lang="en-US"/>
+              <a:t>Fourth level</a:t>
+            </a:r>
+          </a:p>
+          <a:p>
+            <a:pPr lvl="4"/>
+            <a:r>
+              <a:rPr lang="en-US"/>
+              <a:t>Fifth level</a:t>
+            </a:r>
+            <a:endParaRPr lang="pt-PT"/>
+          </a:p>
+        </p:txBody>
+      </p:sp>
+      <p:sp>
+        <p:nvSpPr>
+          <p:cNvPr id="6" name="Footer Placeholder 5"/>
+          <p:cNvSpPr>
+            <a:spLocks noGrp="1"/>
+          </p:cNvSpPr>
+          <p:nvPr>
+            <p:ph type="ftr" sz="quarter" idx="4"/>
+          </p:nvPr>
+        </p:nvSpPr>
+        <p:spPr>
+          <a:xfrm>
+            <a:off x="0" y="8685213"/>
+            <a:ext cx="2971800" cy="458787"/>
+          </a:xfrm>
+          <a:prstGeom prst="rect">
+            <a:avLst/>
+          </a:prstGeom>
+        </p:spPr>
+        <p:txBody>
+          <a:bodyPr vert="horz" lIns="91440" tIns="45720" rIns="91440" bIns="45720" rtlCol="0" anchor="b"/>
+          <a:lstStyle>
+            <a:lvl1pPr algn="l">
+              <a:defRPr sz="1200"/>
+            </a:lvl1pPr>
+          </a:lstStyle>
+          <a:p>
+            <a:endParaRPr lang="pt-PT"/>
+          </a:p>
+        </p:txBody>
+      </p:sp>
+      <p:sp>
+        <p:nvSpPr>
+          <p:cNvPr id="7" name="Slide Number Placeholder 6"/>
+          <p:cNvSpPr>
+            <a:spLocks noGrp="1"/>
+          </p:cNvSpPr>
+          <p:nvPr>
+            <p:ph type="sldNum" sz="quarter" idx="5"/>
+          </p:nvPr>
+        </p:nvSpPr>
+        <p:spPr>
+          <a:xfrm>
+            <a:off x="3884613" y="8685213"/>
+            <a:ext cx="2971800" cy="458787"/>
+          </a:xfrm>
+          <a:prstGeom prst="rect">
+            <a:avLst/>
+          </a:prstGeom>
+        </p:spPr>
+        <p:txBody>
+          <a:bodyPr vert="horz" lIns="91440" tIns="45720" rIns="91440" bIns="45720" rtlCol="0" anchor="b"/>
+          <a:lstStyle>
+            <a:lvl1pPr algn="r">
+              <a:defRPr sz="1200"/>
+            </a:lvl1pPr>
+          </a:lstStyle>
+          <a:p>
+            <a:fld id="{2F1A2C72-35FC-4219-95EA-7559CE792E23}" type="slidenum">
+              <a:rPr lang="pt-PT" smtClean="0"/>
+              <a:t>‹#›</a:t>
+            </a:fld>
+            <a:endParaRPr lang="pt-PT"/>
+          </a:p>
+        </p:txBody>
+      </p:sp>
+    </p:spTree>
+    <p:extLst>
+      <p:ext uri="{BB962C8B-B14F-4D97-AF65-F5344CB8AC3E}">
+        <p14:creationId xmlns:p14="http://schemas.microsoft.com/office/powerpoint/2010/main" val="2911578767"/>
+      </p:ext>
+    </p:extLst>
+  </p:cSld>
+  <p:clrMap bg1="lt1" tx1="dk1" bg2="lt2" tx2="dk2" accent1="accent1" accent2="accent2" accent3="accent3" accent4="accent4" accent5="accent5" accent6="accent6" hlink="hlink" folHlink="folHlink"/>
+  <p:notesStyle>
+    <a:lvl1pPr marL="0" algn="l" defTabSz="914400" rtl="0" eaLnBrk="1" latinLnBrk="0" hangingPunct="1">
+      <a:defRPr sz="1200" kern="1200">
+        <a:solidFill>
+          <a:schemeClr val="tx1"/>
+        </a:solidFill>
+        <a:latin typeface="+mn-lt"/>
+        <a:ea typeface="+mn-ea"/>
+        <a:cs typeface="+mn-cs"/>
+      </a:defRPr>
+    </a:lvl1pPr>
+    <a:lvl2pPr marL="457200" algn="l" defTabSz="914400" rtl="0" eaLnBrk="1" latinLnBrk="0" hangingPunct="1">
+      <a:defRPr sz="1200" kern="1200">
+        <a:solidFill>
+          <a:schemeClr val="tx1"/>
+        </a:solidFill>
+        <a:latin typeface="+mn-lt"/>
+        <a:ea typeface="+mn-ea"/>
+        <a:cs typeface="+mn-cs"/>
+      </a:defRPr>
+    </a:lvl2pPr>
+    <a:lvl3pPr marL="914400" algn="l" defTabSz="914400" rtl="0" eaLnBrk="1" latinLnBrk="0" hangingPunct="1">
+      <a:defRPr sz="1200" kern="1200">
+        <a:solidFill>
+          <a:schemeClr val="tx1"/>
+        </a:solidFill>
+        <a:latin typeface="+mn-lt"/>
+        <a:ea typeface="+mn-ea"/>
+        <a:cs typeface="+mn-cs"/>
+      </a:defRPr>
+    </a:lvl3pPr>
+    <a:lvl4pPr marL="1371600" algn="l" defTabSz="914400" rtl="0" eaLnBrk="1" latinLnBrk="0" hangingPunct="1">
+      <a:defRPr sz="1200" kern="1200">
+        <a:solidFill>
+          <a:schemeClr val="tx1"/>
+        </a:solidFill>
+        <a:latin typeface="+mn-lt"/>
+        <a:ea typeface="+mn-ea"/>
+        <a:cs typeface="+mn-cs"/>
+      </a:defRPr>
+    </a:lvl4pPr>
+    <a:lvl5pPr marL="1828800" algn="l" defTabSz="914400" rtl="0" eaLnBrk="1" latinLnBrk="0" hangingPunct="1">
+      <a:defRPr sz="1200" kern="1200">
+        <a:solidFill>
+          <a:schemeClr val="tx1"/>
+        </a:solidFill>
+        <a:latin typeface="+mn-lt"/>
+        <a:ea typeface="+mn-ea"/>
+        <a:cs typeface="+mn-cs"/>
+      </a:defRPr>
+    </a:lvl5pPr>
+    <a:lvl6pPr marL="2286000" algn="l" defTabSz="914400" rtl="0" eaLnBrk="1" latinLnBrk="0" hangingPunct="1">
+      <a:defRPr sz="1200" kern="1200">
+        <a:solidFill>
+          <a:schemeClr val="tx1"/>
+        </a:solidFill>
+        <a:latin typeface="+mn-lt"/>
+        <a:ea typeface="+mn-ea"/>
+        <a:cs typeface="+mn-cs"/>
+      </a:defRPr>
+    </a:lvl6pPr>
+    <a:lvl7pPr marL="2743200" algn="l" defTabSz="914400" rtl="0" eaLnBrk="1" latinLnBrk="0" hangingPunct="1">
+      <a:defRPr sz="1200" kern="1200">
+        <a:solidFill>
+          <a:schemeClr val="tx1"/>
+        </a:solidFill>
+        <a:latin typeface="+mn-lt"/>
+        <a:ea typeface="+mn-ea"/>
+        <a:cs typeface="+mn-cs"/>
+      </a:defRPr>
+    </a:lvl7pPr>
+    <a:lvl8pPr marL="3200400" algn="l" defTabSz="914400" rtl="0" eaLnBrk="1" latinLnBrk="0" hangingPunct="1">
+      <a:defRPr sz="1200" kern="1200">
+        <a:solidFill>
+          <a:schemeClr val="tx1"/>
+        </a:solidFill>
+        <a:latin typeface="+mn-lt"/>
+        <a:ea typeface="+mn-ea"/>
+        <a:cs typeface="+mn-cs"/>
+      </a:defRPr>
+    </a:lvl8pPr>
+    <a:lvl9pPr marL="3657600" algn="l" defTabSz="914400" rtl="0" eaLnBrk="1" latinLnBrk="0" hangingPunct="1">
+      <a:defRPr sz="1200" kern="1200">
+        <a:solidFill>
+          <a:schemeClr val="tx1"/>
+        </a:solidFill>
+        <a:latin typeface="+mn-lt"/>
+        <a:ea typeface="+mn-ea"/>
+        <a:cs typeface="+mn-cs"/>
+      </a:defRPr>
+    </a:lvl9pPr>
+  </p:notesStyle>
+</p:notesMaster>
+</file>
+
+<file path=ppt/notesSlides/notesSlide1.xml><?xml version="1.0" encoding="utf-8"?>
+<p:notes xmlns:a="http://schemas.openxmlformats.org/drawingml/2006/main" xmlns:r="http://schemas.openxmlformats.org/officeDocument/2006/relationships" xmlns:p="http://schemas.openxmlformats.org/presentationml/2006/main">
+  <p:cSld>
+    <p:spTree>
+      <p:nvGrpSpPr>
+        <p:cNvPr id="1" name=""/>
+        <p:cNvGrpSpPr/>
+        <p:nvPr/>
+      </p:nvGrpSpPr>
+      <p:grpSpPr>
+        <a:xfrm>
+          <a:off x="0" y="0"/>
+          <a:ext cx="0" cy="0"/>
+          <a:chOff x="0" y="0"/>
+          <a:chExt cx="0" cy="0"/>
+        </a:xfrm>
+      </p:grpSpPr>
+      <p:sp>
+        <p:nvSpPr>
+          <p:cNvPr id="2" name="Slide Image Placeholder 1"/>
+          <p:cNvSpPr>
+            <a:spLocks noGrp="1" noRot="1" noChangeAspect="1"/>
+          </p:cNvSpPr>
+          <p:nvPr>
+            <p:ph type="sldImg"/>
+          </p:nvPr>
+        </p:nvSpPr>
+        <p:spPr/>
+      </p:sp>
+      <p:sp>
+        <p:nvSpPr>
+          <p:cNvPr id="3" name="Notes Placeholder 2"/>
+          <p:cNvSpPr>
+            <a:spLocks noGrp="1"/>
+          </p:cNvSpPr>
+          <p:nvPr>
+            <p:ph type="body" idx="1"/>
+          </p:nvPr>
+        </p:nvSpPr>
+        <p:spPr/>
+        <p:txBody>
+          <a:bodyPr/>
+          <a:lstStyle/>
+          <a:p>
+            <a:endParaRPr lang="pt-PT" dirty="0"/>
+          </a:p>
+        </p:txBody>
+      </p:sp>
+      <p:sp>
+        <p:nvSpPr>
+          <p:cNvPr id="4" name="Slide Number Placeholder 3"/>
+          <p:cNvSpPr>
+            <a:spLocks noGrp="1"/>
+          </p:cNvSpPr>
+          <p:nvPr>
+            <p:ph type="sldNum" sz="quarter" idx="5"/>
+          </p:nvPr>
+        </p:nvSpPr>
+        <p:spPr/>
+        <p:txBody>
+          <a:bodyPr/>
+          <a:lstStyle/>
+          <a:p>
+            <a:fld id="{2F1A2C72-35FC-4219-95EA-7559CE792E23}" type="slidenum">
+              <a:rPr lang="pt-PT" smtClean="0"/>
+              <a:t>8</a:t>
+            </a:fld>
+            <a:endParaRPr lang="pt-PT"/>
+          </a:p>
+        </p:txBody>
+      </p:sp>
+    </p:spTree>
+    <p:extLst>
+      <p:ext uri="{BB962C8B-B14F-4D97-AF65-F5344CB8AC3E}">
+        <p14:creationId xmlns:p14="http://schemas.microsoft.com/office/powerpoint/2010/main" val="683161015"/>
+      </p:ext>
+    </p:extLst>
+  </p:cSld>
+  <p:clrMapOvr>
+    <a:masterClrMapping/>
+  </p:clrMapOvr>
+</p:notes>
 </file>
 
 <file path=ppt/slideLayouts/slideLayout1.xml><?xml version="1.0" encoding="utf-8"?>
@@ -3277,7 +3714,7 @@
               </a:lnSpc>
             </a:pPr>
             <a:r>
-              <a:rPr lang="en-US" sz="5303" b="1">
+              <a:rPr lang="en-US" sz="5303" b="1" dirty="0">
                 <a:solidFill>
                   <a:srgbClr val="303642"/>
                 </a:solidFill>
@@ -3296,7 +3733,7 @@
               </a:lnSpc>
             </a:pPr>
             <a:r>
-              <a:rPr lang="en-US" sz="8265" b="1">
+              <a:rPr lang="en-US" sz="8265" b="1" dirty="0">
                 <a:solidFill>
                   <a:srgbClr val="004AAD"/>
                 </a:solidFill>
@@ -3305,7 +3742,7 @@
                 <a:cs typeface="League Spartan"/>
                 <a:sym typeface="League Spartan"/>
               </a:rPr>
-              <a:t>HELP SYSTEM</a:t>
+              <a:t>HELP LINE</a:t>
             </a:r>
           </a:p>
         </p:txBody>
@@ -5088,6 +5525,9 @@
             <a:chOff x="0" y="0"/>
             <a:chExt cx="6379959" cy="10287000"/>
           </a:xfrm>
+          <a:solidFill>
+            <a:srgbClr val="004AAD"/>
+          </a:solidFill>
         </p:grpSpPr>
         <p:sp>
           <p:nvSpPr>
@@ -5124,9 +5564,7 @@
                 </a:path>
               </a:pathLst>
             </a:custGeom>
-            <a:solidFill>
-              <a:srgbClr val="004AAD"/>
-            </a:solidFill>
+            <a:grpFill/>
           </p:spPr>
         </p:sp>
       </p:grpSp>
@@ -7837,7 +8275,7 @@
         <p:spPr>
           <a:xfrm>
             <a:off x="1028700" y="1809579"/>
-            <a:ext cx="9964836" cy="478031"/>
+            <a:ext cx="9964836" cy="439287"/>
           </a:xfrm>
           <a:prstGeom prst="rect">
             <a:avLst/>
@@ -7855,7 +8293,7 @@
               </a:lnSpc>
             </a:pPr>
             <a:r>
-              <a:rPr lang="en-US" sz="2591" b="1">
+              <a:rPr lang="en-US" sz="2591" b="1" dirty="0">
                 <a:solidFill>
                   <a:srgbClr val="000000"/>
                 </a:solidFill>
@@ -7864,8 +8302,77 @@
                 <a:cs typeface="Poppins Bold"/>
                 <a:sym typeface="Poppins Bold"/>
               </a:rPr>
-              <a:t>Sprint1:Identificaçãode Competências e Potencialidades</a:t>
-            </a:r>
+              <a:t>Sprint 1: </a:t>
+            </a:r>
+            <a:r>
+              <a:rPr lang="en-US" sz="2591" b="1" dirty="0" err="1">
+                <a:solidFill>
+                  <a:srgbClr val="000000"/>
+                </a:solidFill>
+                <a:latin typeface="Poppins Bold"/>
+                <a:ea typeface="Poppins Bold"/>
+                <a:cs typeface="Poppins Bold"/>
+                <a:sym typeface="Poppins Bold"/>
+              </a:rPr>
+              <a:t>Identificação</a:t>
+            </a:r>
+            <a:r>
+              <a:rPr lang="en-US" sz="2591" b="1" dirty="0">
+                <a:solidFill>
+                  <a:srgbClr val="000000"/>
+                </a:solidFill>
+                <a:latin typeface="Poppins Bold"/>
+                <a:ea typeface="Poppins Bold"/>
+                <a:cs typeface="Poppins Bold"/>
+                <a:sym typeface="Poppins Bold"/>
+              </a:rPr>
+              <a:t> de </a:t>
+            </a:r>
+            <a:r>
+              <a:rPr lang="en-US" sz="2591" b="1" dirty="0" err="1">
+                <a:solidFill>
+                  <a:srgbClr val="000000"/>
+                </a:solidFill>
+                <a:latin typeface="Poppins Bold"/>
+                <a:ea typeface="Poppins Bold"/>
+                <a:cs typeface="Poppins Bold"/>
+                <a:sym typeface="Poppins Bold"/>
+              </a:rPr>
+              <a:t>Competências</a:t>
+            </a:r>
+            <a:r>
+              <a:rPr lang="en-US" sz="2591" b="1" dirty="0">
+                <a:solidFill>
+                  <a:srgbClr val="000000"/>
+                </a:solidFill>
+                <a:latin typeface="Poppins Bold"/>
+                <a:ea typeface="Poppins Bold"/>
+                <a:cs typeface="Poppins Bold"/>
+                <a:sym typeface="Poppins Bold"/>
+              </a:rPr>
+              <a:t> e </a:t>
+            </a:r>
+            <a:r>
+              <a:rPr lang="en-US" sz="2591" b="1" dirty="0" err="1">
+                <a:solidFill>
+                  <a:srgbClr val="000000"/>
+                </a:solidFill>
+                <a:latin typeface="Poppins Bold"/>
+                <a:ea typeface="Poppins Bold"/>
+                <a:cs typeface="Poppins Bold"/>
+                <a:sym typeface="Poppins Bold"/>
+              </a:rPr>
+              <a:t>Potencialidades</a:t>
+            </a:r>
+            <a:endParaRPr lang="en-US" sz="2591" b="1" dirty="0">
+              <a:solidFill>
+                <a:srgbClr val="000000"/>
+              </a:solidFill>
+              <a:latin typeface="Poppins Bold"/>
+              <a:ea typeface="Poppins Bold"/>
+              <a:cs typeface="Poppins Bold"/>
+              <a:sym typeface="Poppins Bold"/>
+            </a:endParaRPr>
           </a:p>
         </p:txBody>
       </p:sp>
@@ -7949,7 +8456,7 @@
               </a:lnSpc>
             </a:pPr>
             <a:r>
-              <a:rPr lang="en-US" sz="2102">
+              <a:rPr lang="en-US" sz="2102" dirty="0">
                 <a:solidFill>
                   <a:srgbClr val="000000"/>
                 </a:solidFill>
@@ -7958,7 +8465,583 @@
                 <a:cs typeface="Poppins"/>
                 <a:sym typeface="Poppins"/>
               </a:rPr>
-              <a:t>(Responsável) - Listar conhecimentos técnicos semelhantes entre os participantes. (Responsável) - Identificar competências não técnicas (ex.: organização, comunicação, gestão de tempo). (Responsável) - Relacionar como cada potencialidade pode contribuir para o desenvolvimento da aplicação.</a:t>
+              <a:t>(</a:t>
+            </a:r>
+            <a:r>
+              <a:rPr lang="en-US" sz="2102" dirty="0" err="1">
+                <a:solidFill>
+                  <a:srgbClr val="000000"/>
+                </a:solidFill>
+                <a:latin typeface="Poppins"/>
+                <a:ea typeface="Poppins"/>
+                <a:cs typeface="Poppins"/>
+                <a:sym typeface="Poppins"/>
+              </a:rPr>
+              <a:t>Responsável</a:t>
+            </a:r>
+            <a:r>
+              <a:rPr lang="en-US" sz="2102" dirty="0">
+                <a:solidFill>
+                  <a:srgbClr val="000000"/>
+                </a:solidFill>
+                <a:latin typeface="Poppins"/>
+                <a:ea typeface="Poppins"/>
+                <a:cs typeface="Poppins"/>
+                <a:sym typeface="Poppins"/>
+              </a:rPr>
+              <a:t>) - </a:t>
+            </a:r>
+            <a:r>
+              <a:rPr lang="en-US" sz="2102" dirty="0" err="1">
+                <a:solidFill>
+                  <a:srgbClr val="000000"/>
+                </a:solidFill>
+                <a:latin typeface="Poppins"/>
+                <a:ea typeface="Poppins"/>
+                <a:cs typeface="Poppins"/>
+                <a:sym typeface="Poppins"/>
+              </a:rPr>
+              <a:t>Listar</a:t>
+            </a:r>
+            <a:r>
+              <a:rPr lang="en-US" sz="2102" dirty="0">
+                <a:solidFill>
+                  <a:srgbClr val="000000"/>
+                </a:solidFill>
+                <a:latin typeface="Poppins"/>
+                <a:ea typeface="Poppins"/>
+                <a:cs typeface="Poppins"/>
+                <a:sym typeface="Poppins"/>
+              </a:rPr>
+              <a:t> </a:t>
+            </a:r>
+            <a:r>
+              <a:rPr lang="en-US" sz="2102" dirty="0" err="1">
+                <a:solidFill>
+                  <a:srgbClr val="000000"/>
+                </a:solidFill>
+                <a:latin typeface="Poppins"/>
+                <a:ea typeface="Poppins"/>
+                <a:cs typeface="Poppins"/>
+                <a:sym typeface="Poppins"/>
+              </a:rPr>
+              <a:t>conhecimentos</a:t>
+            </a:r>
+            <a:r>
+              <a:rPr lang="en-US" sz="2102" dirty="0">
+                <a:solidFill>
+                  <a:srgbClr val="000000"/>
+                </a:solidFill>
+                <a:latin typeface="Poppins"/>
+                <a:ea typeface="Poppins"/>
+                <a:cs typeface="Poppins"/>
+                <a:sym typeface="Poppins"/>
+              </a:rPr>
+              <a:t> </a:t>
+            </a:r>
+            <a:r>
+              <a:rPr lang="en-US" sz="2102" dirty="0" err="1">
+                <a:solidFill>
+                  <a:srgbClr val="000000"/>
+                </a:solidFill>
+                <a:latin typeface="Poppins"/>
+                <a:ea typeface="Poppins"/>
+                <a:cs typeface="Poppins"/>
+                <a:sym typeface="Poppins"/>
+              </a:rPr>
+              <a:t>técnicos</a:t>
+            </a:r>
+            <a:r>
+              <a:rPr lang="en-US" sz="2102" dirty="0">
+                <a:solidFill>
+                  <a:srgbClr val="000000"/>
+                </a:solidFill>
+                <a:latin typeface="Poppins"/>
+                <a:ea typeface="Poppins"/>
+                <a:cs typeface="Poppins"/>
+                <a:sym typeface="Poppins"/>
+              </a:rPr>
+              <a:t> </a:t>
+            </a:r>
+            <a:r>
+              <a:rPr lang="en-US" sz="2102" dirty="0" err="1">
+                <a:solidFill>
+                  <a:srgbClr val="000000"/>
+                </a:solidFill>
+                <a:latin typeface="Poppins"/>
+                <a:ea typeface="Poppins"/>
+                <a:cs typeface="Poppins"/>
+                <a:sym typeface="Poppins"/>
+              </a:rPr>
+              <a:t>semelhantes</a:t>
+            </a:r>
+            <a:r>
+              <a:rPr lang="en-US" sz="2102" dirty="0">
+                <a:solidFill>
+                  <a:srgbClr val="000000"/>
+                </a:solidFill>
+                <a:latin typeface="Poppins"/>
+                <a:ea typeface="Poppins"/>
+                <a:cs typeface="Poppins"/>
+                <a:sym typeface="Poppins"/>
+              </a:rPr>
+              <a:t> entre </a:t>
+            </a:r>
+            <a:r>
+              <a:rPr lang="en-US" sz="2102" dirty="0" err="1">
+                <a:solidFill>
+                  <a:srgbClr val="000000"/>
+                </a:solidFill>
+                <a:latin typeface="Poppins"/>
+                <a:ea typeface="Poppins"/>
+                <a:cs typeface="Poppins"/>
+                <a:sym typeface="Poppins"/>
+              </a:rPr>
+              <a:t>os</a:t>
+            </a:r>
+            <a:r>
+              <a:rPr lang="en-US" sz="2102" dirty="0">
+                <a:solidFill>
+                  <a:srgbClr val="000000"/>
+                </a:solidFill>
+                <a:latin typeface="Poppins"/>
+                <a:ea typeface="Poppins"/>
+                <a:cs typeface="Poppins"/>
+                <a:sym typeface="Poppins"/>
+              </a:rPr>
+              <a:t> </a:t>
+            </a:r>
+            <a:r>
+              <a:rPr lang="en-US" sz="2102" dirty="0" err="1">
+                <a:solidFill>
+                  <a:srgbClr val="000000"/>
+                </a:solidFill>
+                <a:latin typeface="Poppins"/>
+                <a:ea typeface="Poppins"/>
+                <a:cs typeface="Poppins"/>
+                <a:sym typeface="Poppins"/>
+              </a:rPr>
+              <a:t>participantes</a:t>
+            </a:r>
+            <a:r>
+              <a:rPr lang="en-US" sz="2102" dirty="0">
+                <a:solidFill>
+                  <a:srgbClr val="000000"/>
+                </a:solidFill>
+                <a:latin typeface="Poppins"/>
+                <a:ea typeface="Poppins"/>
+                <a:cs typeface="Poppins"/>
+                <a:sym typeface="Poppins"/>
+              </a:rPr>
+              <a:t>. (</a:t>
+            </a:r>
+            <a:r>
+              <a:rPr lang="en-US" sz="2102" dirty="0" err="1">
+                <a:solidFill>
+                  <a:srgbClr val="000000"/>
+                </a:solidFill>
+                <a:latin typeface="Poppins"/>
+                <a:ea typeface="Poppins"/>
+                <a:cs typeface="Poppins"/>
+                <a:sym typeface="Poppins"/>
+              </a:rPr>
+              <a:t>Responsável</a:t>
+            </a:r>
+            <a:r>
+              <a:rPr lang="en-US" sz="2102" dirty="0">
+                <a:solidFill>
+                  <a:srgbClr val="000000"/>
+                </a:solidFill>
+                <a:latin typeface="Poppins"/>
+                <a:ea typeface="Poppins"/>
+                <a:cs typeface="Poppins"/>
+                <a:sym typeface="Poppins"/>
+              </a:rPr>
+              <a:t>) - </a:t>
+            </a:r>
+            <a:r>
+              <a:rPr lang="en-US" sz="2102" dirty="0" err="1">
+                <a:solidFill>
+                  <a:srgbClr val="000000"/>
+                </a:solidFill>
+                <a:latin typeface="Poppins"/>
+                <a:ea typeface="Poppins"/>
+                <a:cs typeface="Poppins"/>
+                <a:sym typeface="Poppins"/>
+              </a:rPr>
+              <a:t>Identificar</a:t>
+            </a:r>
+            <a:r>
+              <a:rPr lang="en-US" sz="2102" dirty="0">
+                <a:solidFill>
+                  <a:srgbClr val="000000"/>
+                </a:solidFill>
+                <a:latin typeface="Poppins"/>
+                <a:ea typeface="Poppins"/>
+                <a:cs typeface="Poppins"/>
+                <a:sym typeface="Poppins"/>
+              </a:rPr>
+              <a:t> </a:t>
+            </a:r>
+            <a:r>
+              <a:rPr lang="en-US" sz="2102" dirty="0" err="1">
+                <a:solidFill>
+                  <a:srgbClr val="000000"/>
+                </a:solidFill>
+                <a:latin typeface="Poppins"/>
+                <a:ea typeface="Poppins"/>
+                <a:cs typeface="Poppins"/>
+                <a:sym typeface="Poppins"/>
+              </a:rPr>
+              <a:t>competências</a:t>
+            </a:r>
+            <a:r>
+              <a:rPr lang="en-US" sz="2102" dirty="0">
+                <a:solidFill>
+                  <a:srgbClr val="000000"/>
+                </a:solidFill>
+                <a:latin typeface="Poppins"/>
+                <a:ea typeface="Poppins"/>
+                <a:cs typeface="Poppins"/>
+                <a:sym typeface="Poppins"/>
+              </a:rPr>
+              <a:t> </a:t>
+            </a:r>
+            <a:r>
+              <a:rPr lang="en-US" sz="2102" dirty="0" err="1">
+                <a:solidFill>
+                  <a:srgbClr val="000000"/>
+                </a:solidFill>
+                <a:latin typeface="Poppins"/>
+                <a:ea typeface="Poppins"/>
+                <a:cs typeface="Poppins"/>
+                <a:sym typeface="Poppins"/>
+              </a:rPr>
+              <a:t>não</a:t>
+            </a:r>
+            <a:r>
+              <a:rPr lang="en-US" sz="2102" dirty="0">
+                <a:solidFill>
+                  <a:srgbClr val="000000"/>
+                </a:solidFill>
+                <a:latin typeface="Poppins"/>
+                <a:ea typeface="Poppins"/>
+                <a:cs typeface="Poppins"/>
+                <a:sym typeface="Poppins"/>
+              </a:rPr>
+              <a:t> </a:t>
+            </a:r>
+            <a:r>
+              <a:rPr lang="en-US" sz="2102" dirty="0" err="1">
+                <a:solidFill>
+                  <a:srgbClr val="000000"/>
+                </a:solidFill>
+                <a:latin typeface="Poppins"/>
+                <a:ea typeface="Poppins"/>
+                <a:cs typeface="Poppins"/>
+                <a:sym typeface="Poppins"/>
+              </a:rPr>
+              <a:t>técnicas</a:t>
+            </a:r>
+            <a:r>
+              <a:rPr lang="en-US" sz="2102" dirty="0">
+                <a:solidFill>
+                  <a:srgbClr val="000000"/>
+                </a:solidFill>
+                <a:latin typeface="Poppins"/>
+                <a:ea typeface="Poppins"/>
+                <a:cs typeface="Poppins"/>
+                <a:sym typeface="Poppins"/>
+              </a:rPr>
+              <a:t> (ex.: </a:t>
+            </a:r>
+            <a:r>
+              <a:rPr lang="en-US" sz="2102" dirty="0" err="1">
+                <a:solidFill>
+                  <a:srgbClr val="000000"/>
+                </a:solidFill>
+                <a:latin typeface="Poppins"/>
+                <a:ea typeface="Poppins"/>
+                <a:cs typeface="Poppins"/>
+                <a:sym typeface="Poppins"/>
+              </a:rPr>
+              <a:t>organização</a:t>
+            </a:r>
+            <a:r>
+              <a:rPr lang="en-US" sz="2102" dirty="0">
+                <a:solidFill>
+                  <a:srgbClr val="000000"/>
+                </a:solidFill>
+                <a:latin typeface="Poppins"/>
+                <a:ea typeface="Poppins"/>
+                <a:cs typeface="Poppins"/>
+                <a:sym typeface="Poppins"/>
+              </a:rPr>
+              <a:t>, </a:t>
+            </a:r>
+            <a:r>
+              <a:rPr lang="en-US" sz="2102" dirty="0" err="1">
+                <a:solidFill>
+                  <a:srgbClr val="000000"/>
+                </a:solidFill>
+                <a:latin typeface="Poppins"/>
+                <a:ea typeface="Poppins"/>
+                <a:cs typeface="Poppins"/>
+                <a:sym typeface="Poppins"/>
+              </a:rPr>
+              <a:t>comunicação</a:t>
+            </a:r>
+            <a:r>
+              <a:rPr lang="en-US" sz="2102" dirty="0">
+                <a:solidFill>
+                  <a:srgbClr val="000000"/>
+                </a:solidFill>
+                <a:latin typeface="Poppins"/>
+                <a:ea typeface="Poppins"/>
+                <a:cs typeface="Poppins"/>
+                <a:sym typeface="Poppins"/>
+              </a:rPr>
+              <a:t>, </a:t>
+            </a:r>
+            <a:r>
+              <a:rPr lang="en-US" sz="2102" dirty="0" err="1">
+                <a:solidFill>
+                  <a:srgbClr val="000000"/>
+                </a:solidFill>
+                <a:latin typeface="Poppins"/>
+                <a:ea typeface="Poppins"/>
+                <a:cs typeface="Poppins"/>
+                <a:sym typeface="Poppins"/>
+              </a:rPr>
+              <a:t>gestão</a:t>
+            </a:r>
+            <a:r>
+              <a:rPr lang="en-US" sz="2102" dirty="0">
+                <a:solidFill>
+                  <a:srgbClr val="000000"/>
+                </a:solidFill>
+                <a:latin typeface="Poppins"/>
+                <a:ea typeface="Poppins"/>
+                <a:cs typeface="Poppins"/>
+                <a:sym typeface="Poppins"/>
+              </a:rPr>
+              <a:t> de tempo). (</a:t>
+            </a:r>
+            <a:r>
+              <a:rPr lang="en-US" sz="2102" dirty="0" err="1">
+                <a:solidFill>
+                  <a:srgbClr val="000000"/>
+                </a:solidFill>
+                <a:latin typeface="Poppins"/>
+                <a:ea typeface="Poppins"/>
+                <a:cs typeface="Poppins"/>
+                <a:sym typeface="Poppins"/>
+              </a:rPr>
+              <a:t>Responsável</a:t>
+            </a:r>
+            <a:r>
+              <a:rPr lang="en-US" sz="2102" dirty="0">
+                <a:solidFill>
+                  <a:srgbClr val="000000"/>
+                </a:solidFill>
+                <a:latin typeface="Poppins"/>
+                <a:ea typeface="Poppins"/>
+                <a:cs typeface="Poppins"/>
+                <a:sym typeface="Poppins"/>
+              </a:rPr>
+              <a:t>) - </a:t>
+            </a:r>
+            <a:r>
+              <a:rPr lang="en-US" sz="2102" dirty="0" err="1">
+                <a:solidFill>
+                  <a:srgbClr val="000000"/>
+                </a:solidFill>
+                <a:latin typeface="Poppins"/>
+                <a:ea typeface="Poppins"/>
+                <a:cs typeface="Poppins"/>
+                <a:sym typeface="Poppins"/>
+              </a:rPr>
+              <a:t>Relacionar</a:t>
+            </a:r>
+            <a:r>
+              <a:rPr lang="en-US" sz="2102" dirty="0">
+                <a:solidFill>
+                  <a:srgbClr val="000000"/>
+                </a:solidFill>
+                <a:latin typeface="Poppins"/>
+                <a:ea typeface="Poppins"/>
+                <a:cs typeface="Poppins"/>
+                <a:sym typeface="Poppins"/>
+              </a:rPr>
+              <a:t> </a:t>
+            </a:r>
+            <a:r>
+              <a:rPr lang="en-US" sz="2102" dirty="0" err="1">
+                <a:solidFill>
+                  <a:srgbClr val="000000"/>
+                </a:solidFill>
+                <a:latin typeface="Poppins"/>
+                <a:ea typeface="Poppins"/>
+                <a:cs typeface="Poppins"/>
+                <a:sym typeface="Poppins"/>
+              </a:rPr>
+              <a:t>como</a:t>
+            </a:r>
+            <a:r>
+              <a:rPr lang="en-US" sz="2102" dirty="0">
+                <a:solidFill>
+                  <a:srgbClr val="000000"/>
+                </a:solidFill>
+                <a:latin typeface="Poppins"/>
+                <a:ea typeface="Poppins"/>
+                <a:cs typeface="Poppins"/>
+                <a:sym typeface="Poppins"/>
+              </a:rPr>
+              <a:t> </a:t>
+            </a:r>
+            <a:r>
+              <a:rPr lang="en-US" sz="2102" dirty="0" err="1">
+                <a:solidFill>
+                  <a:srgbClr val="000000"/>
+                </a:solidFill>
+                <a:latin typeface="Poppins"/>
+                <a:ea typeface="Poppins"/>
+                <a:cs typeface="Poppins"/>
+                <a:sym typeface="Poppins"/>
+              </a:rPr>
+              <a:t>cada</a:t>
+            </a:r>
+            <a:r>
+              <a:rPr lang="en-US" sz="2102" dirty="0">
+                <a:solidFill>
+                  <a:srgbClr val="000000"/>
+                </a:solidFill>
+                <a:latin typeface="Poppins"/>
+                <a:ea typeface="Poppins"/>
+                <a:cs typeface="Poppins"/>
+                <a:sym typeface="Poppins"/>
+              </a:rPr>
+              <a:t> </a:t>
+            </a:r>
+            <a:r>
+              <a:rPr lang="en-US" sz="2102" dirty="0" err="1">
+                <a:solidFill>
+                  <a:srgbClr val="000000"/>
+                </a:solidFill>
+                <a:latin typeface="Poppins"/>
+                <a:ea typeface="Poppins"/>
+                <a:cs typeface="Poppins"/>
+                <a:sym typeface="Poppins"/>
+              </a:rPr>
+              <a:t>potencialidade</a:t>
+            </a:r>
+            <a:r>
+              <a:rPr lang="en-US" sz="2102" dirty="0">
+                <a:solidFill>
+                  <a:srgbClr val="000000"/>
+                </a:solidFill>
+                <a:latin typeface="Poppins"/>
+                <a:ea typeface="Poppins"/>
+                <a:cs typeface="Poppins"/>
+                <a:sym typeface="Poppins"/>
+              </a:rPr>
+              <a:t> </a:t>
+            </a:r>
+            <a:r>
+              <a:rPr lang="en-US" sz="2102" dirty="0" err="1">
+                <a:solidFill>
+                  <a:srgbClr val="000000"/>
+                </a:solidFill>
+                <a:latin typeface="Poppins"/>
+                <a:ea typeface="Poppins"/>
+                <a:cs typeface="Poppins"/>
+                <a:sym typeface="Poppins"/>
+              </a:rPr>
+              <a:t>pode</a:t>
+            </a:r>
+            <a:r>
+              <a:rPr lang="en-US" sz="2102" dirty="0">
+                <a:solidFill>
+                  <a:srgbClr val="000000"/>
+                </a:solidFill>
+                <a:latin typeface="Poppins"/>
+                <a:ea typeface="Poppins"/>
+                <a:cs typeface="Poppins"/>
+                <a:sym typeface="Poppins"/>
+              </a:rPr>
+              <a:t> </a:t>
+            </a:r>
+            <a:r>
+              <a:rPr lang="en-US" sz="2102" dirty="0" err="1">
+                <a:solidFill>
+                  <a:srgbClr val="000000"/>
+                </a:solidFill>
+                <a:latin typeface="Poppins"/>
+                <a:ea typeface="Poppins"/>
+                <a:cs typeface="Poppins"/>
+                <a:sym typeface="Poppins"/>
+              </a:rPr>
+              <a:t>contribuir</a:t>
+            </a:r>
+            <a:r>
+              <a:rPr lang="en-US" sz="2102" dirty="0">
+                <a:solidFill>
+                  <a:srgbClr val="000000"/>
+                </a:solidFill>
+                <a:latin typeface="Poppins"/>
+                <a:ea typeface="Poppins"/>
+                <a:cs typeface="Poppins"/>
+                <a:sym typeface="Poppins"/>
+              </a:rPr>
+              <a:t> para o </a:t>
+            </a:r>
+            <a:r>
+              <a:rPr lang="en-US" sz="2102" dirty="0" err="1">
+                <a:solidFill>
+                  <a:srgbClr val="000000"/>
+                </a:solidFill>
+                <a:latin typeface="Poppins"/>
+                <a:ea typeface="Poppins"/>
+                <a:cs typeface="Poppins"/>
+                <a:sym typeface="Poppins"/>
+              </a:rPr>
+              <a:t>desenvolvimento</a:t>
+            </a:r>
+            <a:r>
+              <a:rPr lang="en-US" sz="2102" dirty="0">
+                <a:solidFill>
+                  <a:srgbClr val="000000"/>
+                </a:solidFill>
+                <a:latin typeface="Poppins"/>
+                <a:ea typeface="Poppins"/>
+                <a:cs typeface="Poppins"/>
+                <a:sym typeface="Poppins"/>
+              </a:rPr>
+              <a:t> da </a:t>
+            </a:r>
+            <a:r>
+              <a:rPr lang="en-US" sz="2102" dirty="0" err="1">
+                <a:solidFill>
+                  <a:srgbClr val="000000"/>
+                </a:solidFill>
+                <a:latin typeface="Poppins"/>
+                <a:ea typeface="Poppins"/>
+                <a:cs typeface="Poppins"/>
+                <a:sym typeface="Poppins"/>
+              </a:rPr>
+              <a:t>aplicação</a:t>
+            </a:r>
+            <a:r>
+              <a:rPr lang="en-US" sz="2102" dirty="0">
+                <a:solidFill>
+                  <a:srgbClr val="000000"/>
+                </a:solidFill>
+                <a:latin typeface="Poppins"/>
+                <a:ea typeface="Poppins"/>
+                <a:cs typeface="Poppins"/>
+                <a:sym typeface="Poppins"/>
+              </a:rPr>
+              <a:t>.</a:t>
             </a:r>
           </a:p>
         </p:txBody>
@@ -8090,7 +9173,7 @@
         </p:nvSpPr>
         <p:spPr>
           <a:xfrm>
-            <a:off x="0" y="0"/>
+            <a:off x="0" y="7680"/>
             <a:ext cx="18288000" cy="10287000"/>
           </a:xfrm>
           <a:custGeom>
@@ -8189,104 +9272,6 @@
       </p:grpSp>
       <p:sp>
         <p:nvSpPr>
-          <p:cNvPr id="5" name="Freeform 5"/>
-          <p:cNvSpPr/>
-          <p:nvPr/>
-        </p:nvSpPr>
-        <p:spPr>
-          <a:xfrm>
-            <a:off x="11323644" y="1028700"/>
-            <a:ext cx="5934075" cy="7610475"/>
-          </a:xfrm>
-          <a:custGeom>
-            <a:avLst/>
-            <a:gdLst/>
-            <a:ahLst/>
-            <a:cxnLst/>
-            <a:rect l="l" t="t" r="r" b="b"/>
-            <a:pathLst>
-              <a:path w="5934075" h="7610475">
-                <a:moveTo>
-                  <a:pt x="0" y="0"/>
-                </a:moveTo>
-                <a:lnTo>
-                  <a:pt x="5934075" y="0"/>
-                </a:lnTo>
-                <a:lnTo>
-                  <a:pt x="5934075" y="7610475"/>
-                </a:lnTo>
-                <a:lnTo>
-                  <a:pt x="0" y="7610475"/>
-                </a:lnTo>
-                <a:lnTo>
-                  <a:pt x="0" y="0"/>
-                </a:lnTo>
-                <a:close/>
-              </a:path>
-            </a:pathLst>
-          </a:custGeom>
-          <a:blipFill>
-            <a:blip r:embed="rId3"/>
-            <a:stretch>
-              <a:fillRect/>
-            </a:stretch>
-          </a:blipFill>
-        </p:spPr>
-      </p:sp>
-      <p:sp>
-        <p:nvSpPr>
-          <p:cNvPr id="6" name="Freeform 6"/>
-          <p:cNvSpPr/>
-          <p:nvPr/>
-        </p:nvSpPr>
-        <p:spPr>
-          <a:xfrm>
-            <a:off x="965197" y="3022597"/>
-            <a:ext cx="4102922" cy="4241797"/>
-          </a:xfrm>
-          <a:custGeom>
-            <a:avLst/>
-            <a:gdLst/>
-            <a:ahLst/>
-            <a:cxnLst/>
-            <a:rect l="l" t="t" r="r" b="b"/>
-            <a:pathLst>
-              <a:path w="4102922" h="4241797">
-                <a:moveTo>
-                  <a:pt x="0" y="0"/>
-                </a:moveTo>
-                <a:lnTo>
-                  <a:pt x="4102922" y="0"/>
-                </a:lnTo>
-                <a:lnTo>
-                  <a:pt x="4102922" y="4241797"/>
-                </a:lnTo>
-                <a:lnTo>
-                  <a:pt x="0" y="4241797"/>
-                </a:lnTo>
-                <a:lnTo>
-                  <a:pt x="0" y="0"/>
-                </a:lnTo>
-                <a:close/>
-              </a:path>
-            </a:pathLst>
-          </a:custGeom>
-          <a:blipFill>
-            <a:blip r:embed="rId4">
-              <a:extLst>
-                <a:ext uri="{96DAC541-7B7A-43D3-8B79-37D633B846F1}">
-                  <asvg:svgBlip xmlns:asvg="http://schemas.microsoft.com/office/drawing/2016/SVG/main" r:embed="rId5"/>
-                </a:ext>
-              </a:extLst>
-            </a:blip>
-            <a:stretch>
-              <a:fillRect/>
-            </a:stretch>
-          </a:blipFill>
-        </p:spPr>
-      </p:sp>
-      <p:sp>
-        <p:nvSpPr>
           <p:cNvPr id="7" name="TextBox 7"/>
           <p:cNvSpPr txBox="1"/>
           <p:nvPr/>
@@ -8408,6 +9393,289 @@
           </a:p>
         </p:txBody>
       </p:sp>
+      <p:sp>
+        <p:nvSpPr>
+          <p:cNvPr id="10" name="TextBox 9">
+            <a:extLst>
+              <a:ext uri="{FF2B5EF4-FFF2-40B4-BE49-F238E27FC236}">
+                <a16:creationId xmlns:a16="http://schemas.microsoft.com/office/drawing/2014/main" id="{F4F90666-6D5D-455C-9029-62A79892BAD3}"/>
+              </a:ext>
+            </a:extLst>
+          </p:cNvPr>
+          <p:cNvSpPr txBox="1"/>
+          <p:nvPr/>
+        </p:nvSpPr>
+        <p:spPr>
+          <a:xfrm>
+            <a:off x="2776979" y="4930949"/>
+            <a:ext cx="6532531" cy="830997"/>
+          </a:xfrm>
+          <a:prstGeom prst="rect">
+            <a:avLst/>
+          </a:prstGeom>
+          <a:noFill/>
+        </p:spPr>
+        <p:txBody>
+          <a:bodyPr wrap="square" rtlCol="0">
+            <a:spAutoFit/>
+          </a:bodyPr>
+          <a:lstStyle/>
+          <a:p>
+            <a:r>
+              <a:rPr lang="pt-PT" sz="2400" dirty="0"/>
+              <a:t>João: frontend com html e css, gestão do planeamento no Trello</a:t>
+            </a:r>
+          </a:p>
+        </p:txBody>
+      </p:sp>
+      <p:sp>
+        <p:nvSpPr>
+          <p:cNvPr id="11" name="Freeform 15">
+            <a:extLst>
+              <a:ext uri="{FF2B5EF4-FFF2-40B4-BE49-F238E27FC236}">
+                <a16:creationId xmlns:a16="http://schemas.microsoft.com/office/drawing/2014/main" id="{9EAB3C12-95D3-406B-91DA-DF6BAA35395E}"/>
+              </a:ext>
+            </a:extLst>
+          </p:cNvPr>
+          <p:cNvSpPr/>
+          <p:nvPr/>
+        </p:nvSpPr>
+        <p:spPr>
+          <a:xfrm>
+            <a:off x="714137" y="6595362"/>
+            <a:ext cx="1648063" cy="1844835"/>
+          </a:xfrm>
+          <a:custGeom>
+            <a:avLst/>
+            <a:gdLst/>
+            <a:ahLst/>
+            <a:cxnLst/>
+            <a:rect l="l" t="t" r="r" b="b"/>
+            <a:pathLst>
+              <a:path w="3170311" h="4256332">
+                <a:moveTo>
+                  <a:pt x="0" y="0"/>
+                </a:moveTo>
+                <a:lnTo>
+                  <a:pt x="3170311" y="0"/>
+                </a:lnTo>
+                <a:lnTo>
+                  <a:pt x="3170311" y="4256332"/>
+                </a:lnTo>
+                <a:lnTo>
+                  <a:pt x="0" y="4256332"/>
+                </a:lnTo>
+                <a:lnTo>
+                  <a:pt x="0" y="0"/>
+                </a:lnTo>
+                <a:close/>
+              </a:path>
+            </a:pathLst>
+          </a:custGeom>
+          <a:blipFill dpi="0" rotWithShape="1">
+            <a:blip r:embed="rId3">
+              <a:extLst>
+                <a:ext uri="{28A0092B-C50C-407E-A947-70E740481C1C}">
+                  <a14:useLocalDpi xmlns:a14="http://schemas.microsoft.com/office/drawing/2010/main" val="0"/>
+                </a:ext>
+              </a:extLst>
+            </a:blip>
+            <a:srcRect/>
+            <a:stretch>
+              <a:fillRect/>
+            </a:stretch>
+          </a:blipFill>
+        </p:spPr>
+      </p:sp>
+      <p:sp>
+        <p:nvSpPr>
+          <p:cNvPr id="12" name="TextBox 11">
+            <a:extLst>
+              <a:ext uri="{FF2B5EF4-FFF2-40B4-BE49-F238E27FC236}">
+                <a16:creationId xmlns:a16="http://schemas.microsoft.com/office/drawing/2014/main" id="{232E126B-6164-4C24-B735-0DCD1A67358E}"/>
+              </a:ext>
+            </a:extLst>
+          </p:cNvPr>
+          <p:cNvSpPr txBox="1"/>
+          <p:nvPr/>
+        </p:nvSpPr>
+        <p:spPr>
+          <a:xfrm>
+            <a:off x="2776980" y="6633261"/>
+            <a:ext cx="6613530" cy="1477328"/>
+          </a:xfrm>
+          <a:prstGeom prst="rect">
+            <a:avLst/>
+          </a:prstGeom>
+          <a:noFill/>
+        </p:spPr>
+        <p:txBody>
+          <a:bodyPr wrap="square" rtlCol="0">
+            <a:spAutoFit/>
+          </a:bodyPr>
+          <a:lstStyle/>
+          <a:p>
+            <a:pPr marL="0" marR="0" lvl="0" indent="0" algn="l" defTabSz="914400" rtl="0" eaLnBrk="1" fontAlgn="auto" latinLnBrk="0" hangingPunct="1">
+              <a:lnSpc>
+                <a:spcPct val="100000"/>
+              </a:lnSpc>
+              <a:spcBef>
+                <a:spcPts val="0"/>
+              </a:spcBef>
+              <a:spcAft>
+                <a:spcPts val="0"/>
+              </a:spcAft>
+              <a:buClrTx/>
+              <a:buSzTx/>
+              <a:buFontTx/>
+              <a:buNone/>
+              <a:tabLst/>
+              <a:defRPr/>
+            </a:pPr>
+            <a:r>
+              <a:rPr kumimoji="0" lang="pt-PT" sz="2400" b="0" i="0" u="none" strike="noStrike" kern="1200" cap="none" spc="0" normalizeH="0" baseline="0" noProof="0" dirty="0">
+                <a:ln>
+                  <a:noFill/>
+                </a:ln>
+                <a:solidFill>
+                  <a:prstClr val="black"/>
+                </a:solidFill>
+                <a:effectLst/>
+                <a:uLnTx/>
+                <a:uFillTx/>
+                <a:latin typeface="Calibri"/>
+                <a:ea typeface="+mn-ea"/>
+                <a:cs typeface="+mn-cs"/>
+              </a:rPr>
+              <a:t>Tiago: protótipo da aplicação feito no canva, ajuda no frontend com html e css, gestão do github, gestão do planeamento no Trello</a:t>
+            </a:r>
+          </a:p>
+          <a:p>
+            <a:endParaRPr lang="pt-PT" dirty="0"/>
+          </a:p>
+        </p:txBody>
+      </p:sp>
+      <p:sp>
+        <p:nvSpPr>
+          <p:cNvPr id="13" name="TextBox 12">
+            <a:extLst>
+              <a:ext uri="{FF2B5EF4-FFF2-40B4-BE49-F238E27FC236}">
+                <a16:creationId xmlns:a16="http://schemas.microsoft.com/office/drawing/2014/main" id="{474C2A83-8D8A-4245-92DD-D96BF6310F01}"/>
+              </a:ext>
+            </a:extLst>
+          </p:cNvPr>
+          <p:cNvSpPr txBox="1"/>
+          <p:nvPr/>
+        </p:nvSpPr>
+        <p:spPr>
+          <a:xfrm>
+            <a:off x="2776980" y="3181171"/>
+            <a:ext cx="6532531" cy="1200329"/>
+          </a:xfrm>
+          <a:prstGeom prst="rect">
+            <a:avLst/>
+          </a:prstGeom>
+          <a:noFill/>
+        </p:spPr>
+        <p:txBody>
+          <a:bodyPr wrap="square" rtlCol="0">
+            <a:spAutoFit/>
+          </a:bodyPr>
+          <a:lstStyle/>
+          <a:p>
+            <a:pPr marL="0" marR="0" lvl="0" indent="0" algn="l" defTabSz="914400" rtl="0" eaLnBrk="1" fontAlgn="auto" latinLnBrk="0" hangingPunct="1">
+              <a:lnSpc>
+                <a:spcPct val="100000"/>
+              </a:lnSpc>
+              <a:spcBef>
+                <a:spcPts val="0"/>
+              </a:spcBef>
+              <a:spcAft>
+                <a:spcPts val="0"/>
+              </a:spcAft>
+              <a:buClrTx/>
+              <a:buSzTx/>
+              <a:buFontTx/>
+              <a:buNone/>
+              <a:tabLst/>
+              <a:defRPr/>
+            </a:pPr>
+            <a:r>
+              <a:rPr kumimoji="0" lang="pt-PT" sz="2400" b="0" i="0" u="none" strike="noStrike" kern="1200" cap="none" spc="0" normalizeH="0" baseline="0" noProof="0" dirty="0">
+                <a:ln>
+                  <a:noFill/>
+                </a:ln>
+                <a:solidFill>
+                  <a:prstClr val="black"/>
+                </a:solidFill>
+                <a:effectLst/>
+                <a:uLnTx/>
+                <a:uFillTx/>
+                <a:latin typeface="Calibri"/>
+                <a:ea typeface="+mn-ea"/>
+                <a:cs typeface="+mn-cs"/>
+              </a:rPr>
+              <a:t>David: </a:t>
+            </a:r>
+            <a:r>
+              <a:rPr lang="pt-PT" sz="2400" dirty="0">
+                <a:solidFill>
+                  <a:prstClr val="black"/>
+                </a:solidFill>
+                <a:latin typeface="Calibri"/>
+              </a:rPr>
+              <a:t>m</a:t>
+            </a:r>
+            <a:r>
+              <a:rPr kumimoji="0" lang="pt-PT" sz="2400" b="0" i="0" u="none" strike="noStrike" kern="1200" cap="none" spc="0" normalizeH="0" baseline="0" noProof="0" dirty="0">
+                <a:ln>
+                  <a:noFill/>
+                </a:ln>
+                <a:solidFill>
+                  <a:prstClr val="black"/>
+                </a:solidFill>
+                <a:effectLst/>
+                <a:uLnTx/>
+                <a:uFillTx/>
+                <a:latin typeface="Calibri"/>
+                <a:ea typeface="+mn-ea"/>
+                <a:cs typeface="+mn-cs"/>
+              </a:rPr>
+              <a:t>aster scrum e backend usando python com a framework Flask, gestão do github, gestão do planeamento no Trello</a:t>
+            </a:r>
+            <a:endParaRPr lang="pt-PT" dirty="0"/>
+          </a:p>
+        </p:txBody>
+      </p:sp>
+      <p:pic>
+        <p:nvPicPr>
+          <p:cNvPr id="15" name="Picture 14">
+            <a:extLst>
+              <a:ext uri="{FF2B5EF4-FFF2-40B4-BE49-F238E27FC236}">
+                <a16:creationId xmlns:a16="http://schemas.microsoft.com/office/drawing/2014/main" id="{8A494D80-A6BC-43F0-B5BB-FAB1BA696BEC}"/>
+              </a:ext>
+            </a:extLst>
+          </p:cNvPr>
+          <p:cNvPicPr>
+            <a:picLocks noChangeAspect="1"/>
+          </p:cNvPicPr>
+          <p:nvPr/>
+        </p:nvPicPr>
+        <p:blipFill rotWithShape="1">
+          <a:blip r:embed="rId4"/>
+          <a:srcRect b="4074"/>
+          <a:stretch/>
+        </p:blipFill>
+        <p:spPr>
+          <a:xfrm>
+            <a:off x="10515600" y="6286500"/>
+            <a:ext cx="6647310" cy="3586778"/>
+          </a:xfrm>
+          <a:prstGeom prst="rect">
+            <a:avLst/>
+          </a:prstGeom>
+        </p:spPr>
+      </p:pic>
     </p:spTree>
   </p:cSld>
   <p:clrMapOvr>
@@ -8435,30 +9703,1942 @@
       </p:grpSpPr>
       <p:grpSp>
         <p:nvGrpSpPr>
-          <p:cNvPr id="2" name="Group 2"/>
-          <p:cNvGrpSpPr>
-            <a:grpSpLocks noChangeAspect="1"/>
-          </p:cNvGrpSpPr>
+          <p:cNvPr id="24" name="Group 23">
+            <a:extLst>
+              <a:ext uri="{FF2B5EF4-FFF2-40B4-BE49-F238E27FC236}">
+                <a16:creationId xmlns:a16="http://schemas.microsoft.com/office/drawing/2014/main" id="{288682E0-EF47-469A-9C2D-44F17C6E226F}"/>
+              </a:ext>
+            </a:extLst>
+          </p:cNvPr>
+          <p:cNvGrpSpPr/>
           <p:nvPr/>
         </p:nvGrpSpPr>
         <p:grpSpPr>
           <a:xfrm>
-            <a:off x="965197" y="3021016"/>
-            <a:ext cx="2031997" cy="2031997"/>
-            <a:chOff x="0" y="0"/>
-            <a:chExt cx="2032000" cy="2032000"/>
+            <a:off x="965197" y="0"/>
+            <a:ext cx="17322803" cy="10248900"/>
+            <a:chOff x="965197" y="0"/>
+            <a:chExt cx="17322803" cy="10248900"/>
           </a:xfrm>
         </p:grpSpPr>
+        <p:grpSp>
+          <p:nvGrpSpPr>
+            <p:cNvPr id="2" name="Group 2"/>
+            <p:cNvGrpSpPr>
+              <a:grpSpLocks noChangeAspect="1"/>
+            </p:cNvGrpSpPr>
+            <p:nvPr/>
+          </p:nvGrpSpPr>
+          <p:grpSpPr>
+            <a:xfrm>
+              <a:off x="965197" y="3021016"/>
+              <a:ext cx="2031997" cy="2031997"/>
+              <a:chOff x="0" y="0"/>
+              <a:chExt cx="2032000" cy="2032000"/>
+            </a:xfrm>
+          </p:grpSpPr>
+          <p:sp>
+            <p:nvSpPr>
+              <p:cNvPr id="3" name="Freeform 3"/>
+              <p:cNvSpPr/>
+              <p:nvPr/>
+            </p:nvSpPr>
+            <p:spPr>
+              <a:xfrm>
+                <a:off x="63500" y="63500"/>
+                <a:ext cx="1905000" cy="1905000"/>
+              </a:xfrm>
+              <a:custGeom>
+                <a:avLst/>
+                <a:gdLst/>
+                <a:ahLst/>
+                <a:cxnLst/>
+                <a:rect l="l" t="t" r="r" b="b"/>
+                <a:pathLst>
+                  <a:path w="1905000" h="1905000">
+                    <a:moveTo>
+                      <a:pt x="1905000" y="952500"/>
+                    </a:moveTo>
+                    <a:cubicBezTo>
+                      <a:pt x="1905000" y="1478534"/>
+                      <a:pt x="1478534" y="1905000"/>
+                      <a:pt x="952500" y="1905000"/>
+                    </a:cubicBezTo>
+                    <a:cubicBezTo>
+                      <a:pt x="426466" y="1905000"/>
+                      <a:pt x="0" y="1478534"/>
+                      <a:pt x="0" y="952500"/>
+                    </a:cubicBezTo>
+                    <a:cubicBezTo>
+                      <a:pt x="0" y="426466"/>
+                      <a:pt x="426466" y="0"/>
+                      <a:pt x="952500" y="0"/>
+                    </a:cubicBezTo>
+                    <a:cubicBezTo>
+                      <a:pt x="1478534" y="0"/>
+                      <a:pt x="1905000" y="426466"/>
+                      <a:pt x="1905000" y="952500"/>
+                    </a:cubicBezTo>
+                  </a:path>
+                </a:pathLst>
+              </a:custGeom>
+              <a:solidFill>
+                <a:srgbClr val="4FC4C9"/>
+              </a:solidFill>
+            </p:spPr>
+          </p:sp>
+          <p:sp>
+            <p:nvSpPr>
+              <p:cNvPr id="4" name="Freeform 4"/>
+              <p:cNvSpPr/>
+              <p:nvPr/>
+            </p:nvSpPr>
+            <p:spPr>
+              <a:xfrm>
+                <a:off x="301371" y="678688"/>
+                <a:ext cx="435483" cy="579755"/>
+              </a:xfrm>
+              <a:custGeom>
+                <a:avLst/>
+                <a:gdLst/>
+                <a:ahLst/>
+                <a:cxnLst/>
+                <a:rect l="l" t="t" r="r" b="b"/>
+                <a:pathLst>
+                  <a:path w="435483" h="579755">
+                    <a:moveTo>
+                      <a:pt x="414274" y="444119"/>
+                    </a:moveTo>
+                    <a:cubicBezTo>
+                      <a:pt x="390906" y="475361"/>
+                      <a:pt x="360426" y="509143"/>
+                      <a:pt x="320294" y="534797"/>
+                    </a:cubicBezTo>
+                    <a:cubicBezTo>
+                      <a:pt x="280924" y="559689"/>
+                      <a:pt x="236728" y="579755"/>
+                      <a:pt x="184658" y="579755"/>
+                    </a:cubicBezTo>
+                    <a:cubicBezTo>
+                      <a:pt x="136525" y="579755"/>
+                      <a:pt x="95631" y="554101"/>
+                      <a:pt x="73025" y="533273"/>
+                    </a:cubicBezTo>
+                    <a:cubicBezTo>
+                      <a:pt x="39497" y="502031"/>
+                      <a:pt x="21717" y="455422"/>
+                      <a:pt x="16510" y="413004"/>
+                    </a:cubicBezTo>
+                    <a:cubicBezTo>
+                      <a:pt x="0" y="279019"/>
+                      <a:pt x="81915" y="103378"/>
+                      <a:pt x="208915" y="26416"/>
+                    </a:cubicBezTo>
+                    <a:cubicBezTo>
+                      <a:pt x="237998" y="8763"/>
+                      <a:pt x="270637" y="0"/>
+                      <a:pt x="300355" y="0"/>
+                    </a:cubicBezTo>
+                    <a:cubicBezTo>
+                      <a:pt x="361315" y="0"/>
+                      <a:pt x="406781" y="43434"/>
+                      <a:pt x="413131" y="95250"/>
+                    </a:cubicBezTo>
+                    <a:cubicBezTo>
+                      <a:pt x="418846" y="141986"/>
+                      <a:pt x="400177" y="182372"/>
+                      <a:pt x="347980" y="208661"/>
+                    </a:cubicBezTo>
+                    <a:cubicBezTo>
+                      <a:pt x="321437" y="221996"/>
+                      <a:pt x="308229" y="221361"/>
+                      <a:pt x="304038" y="215011"/>
+                    </a:cubicBezTo>
+                    <a:cubicBezTo>
+                      <a:pt x="301244" y="210693"/>
+                      <a:pt x="302768" y="203581"/>
+                      <a:pt x="308229" y="199136"/>
+                    </a:cubicBezTo>
+                    <a:cubicBezTo>
+                      <a:pt x="357124" y="158369"/>
+                      <a:pt x="358140" y="124968"/>
+                      <a:pt x="352298" y="77851"/>
+                    </a:cubicBezTo>
+                    <a:cubicBezTo>
+                      <a:pt x="348615" y="47498"/>
+                      <a:pt x="328549" y="28067"/>
+                      <a:pt x="306070" y="28067"/>
+                    </a:cubicBezTo>
+                    <a:cubicBezTo>
+                      <a:pt x="209804" y="28067"/>
+                      <a:pt x="71755" y="243078"/>
+                      <a:pt x="90932" y="399542"/>
+                    </a:cubicBezTo>
+                    <a:cubicBezTo>
+                      <a:pt x="98425" y="460502"/>
+                      <a:pt x="136017" y="531114"/>
+                      <a:pt x="212979" y="531114"/>
+                    </a:cubicBezTo>
+                    <a:cubicBezTo>
+                      <a:pt x="238633" y="531114"/>
+                      <a:pt x="265811" y="523875"/>
+                      <a:pt x="290068" y="511810"/>
+                    </a:cubicBezTo>
+                    <a:cubicBezTo>
+                      <a:pt x="343662" y="484505"/>
+                      <a:pt x="367665" y="464566"/>
+                      <a:pt x="399923" y="420370"/>
+                    </a:cubicBezTo>
+                    <a:cubicBezTo>
+                      <a:pt x="404114" y="414782"/>
+                      <a:pt x="408051" y="408305"/>
+                      <a:pt x="412877" y="401955"/>
+                    </a:cubicBezTo>
+                    <a:cubicBezTo>
+                      <a:pt x="416179" y="396367"/>
+                      <a:pt x="420878" y="394716"/>
+                      <a:pt x="424815" y="394716"/>
+                    </a:cubicBezTo>
+                    <a:cubicBezTo>
+                      <a:pt x="429641" y="394716"/>
+                      <a:pt x="434086" y="398780"/>
+                      <a:pt x="434848" y="405130"/>
+                    </a:cubicBezTo>
+                    <a:cubicBezTo>
+                      <a:pt x="435483" y="409956"/>
+                      <a:pt x="433959" y="417195"/>
+                      <a:pt x="428371" y="424307"/>
+                    </a:cubicBezTo>
+                    <a:cubicBezTo>
+                      <a:pt x="423545" y="430784"/>
+                      <a:pt x="418846" y="437896"/>
+                      <a:pt x="414020" y="444373"/>
+                    </a:cubicBezTo>
+                  </a:path>
+                </a:pathLst>
+              </a:custGeom>
+              <a:solidFill>
+                <a:srgbClr val="FFFFFF"/>
+              </a:solidFill>
+            </p:spPr>
+          </p:sp>
+          <p:sp>
+            <p:nvSpPr>
+              <p:cNvPr id="5" name="Freeform 5"/>
+              <p:cNvSpPr/>
+              <p:nvPr/>
+            </p:nvSpPr>
+            <p:spPr>
+              <a:xfrm>
+                <a:off x="673100" y="960628"/>
+                <a:ext cx="341757" cy="240792"/>
+              </a:xfrm>
+              <a:custGeom>
+                <a:avLst/>
+                <a:gdLst/>
+                <a:ahLst/>
+                <a:cxnLst/>
+                <a:rect l="l" t="t" r="r" b="b"/>
+                <a:pathLst>
+                  <a:path w="341757" h="240792">
+                    <a:moveTo>
+                      <a:pt x="188087" y="240665"/>
+                    </a:moveTo>
+                    <a:cubicBezTo>
+                      <a:pt x="164084" y="240665"/>
+                      <a:pt x="150368" y="227838"/>
+                      <a:pt x="145669" y="208534"/>
+                    </a:cubicBezTo>
+                    <a:cubicBezTo>
+                      <a:pt x="129794" y="229362"/>
+                      <a:pt x="108712" y="240665"/>
+                      <a:pt x="86233" y="240665"/>
+                    </a:cubicBezTo>
+                    <a:cubicBezTo>
+                      <a:pt x="49276" y="240665"/>
+                      <a:pt x="14224" y="209423"/>
+                      <a:pt x="9017" y="167640"/>
+                    </a:cubicBezTo>
+                    <a:cubicBezTo>
+                      <a:pt x="0" y="94615"/>
+                      <a:pt x="63119" y="0"/>
+                      <a:pt x="157734" y="0"/>
+                    </a:cubicBezTo>
+                    <a:cubicBezTo>
+                      <a:pt x="197866" y="0"/>
+                      <a:pt x="231140" y="16002"/>
+                      <a:pt x="235077" y="48133"/>
+                    </a:cubicBezTo>
+                    <a:cubicBezTo>
+                      <a:pt x="240030" y="88265"/>
+                      <a:pt x="205740" y="96266"/>
+                      <a:pt x="192913" y="96266"/>
+                    </a:cubicBezTo>
+                    <a:cubicBezTo>
+                      <a:pt x="181737" y="96266"/>
+                      <a:pt x="163576" y="93091"/>
+                      <a:pt x="162306" y="82677"/>
+                    </a:cubicBezTo>
+                    <a:cubicBezTo>
+                      <a:pt x="160909" y="71501"/>
+                      <a:pt x="186563" y="77851"/>
+                      <a:pt x="183388" y="52197"/>
+                    </a:cubicBezTo>
+                    <a:cubicBezTo>
+                      <a:pt x="181483" y="36195"/>
+                      <a:pt x="164719" y="30607"/>
+                      <a:pt x="148717" y="30607"/>
+                    </a:cubicBezTo>
+                    <a:cubicBezTo>
+                      <a:pt x="90932" y="30607"/>
+                      <a:pt x="59055" y="110871"/>
+                      <a:pt x="65151" y="160528"/>
+                    </a:cubicBezTo>
+                    <a:cubicBezTo>
+                      <a:pt x="67945" y="183007"/>
+                      <a:pt x="79502" y="205486"/>
+                      <a:pt x="100330" y="205486"/>
+                    </a:cubicBezTo>
+                    <a:cubicBezTo>
+                      <a:pt x="117221" y="205486"/>
+                      <a:pt x="141478" y="181483"/>
+                      <a:pt x="150749" y="146177"/>
+                    </a:cubicBezTo>
+                    <a:cubicBezTo>
+                      <a:pt x="156591" y="122174"/>
+                      <a:pt x="179451" y="106045"/>
+                      <a:pt x="196342" y="106045"/>
+                    </a:cubicBezTo>
+                    <a:cubicBezTo>
+                      <a:pt x="205232" y="106045"/>
+                      <a:pt x="211328" y="110109"/>
+                      <a:pt x="212344" y="118872"/>
+                    </a:cubicBezTo>
+                    <a:cubicBezTo>
+                      <a:pt x="212725" y="122047"/>
+                      <a:pt x="212471" y="126111"/>
+                      <a:pt x="211455" y="130937"/>
+                    </a:cubicBezTo>
+                    <a:cubicBezTo>
+                      <a:pt x="209550" y="141351"/>
+                      <a:pt x="201549" y="176022"/>
+                      <a:pt x="201803" y="183261"/>
+                    </a:cubicBezTo>
+                    <a:cubicBezTo>
+                      <a:pt x="202057" y="189484"/>
+                      <a:pt x="205740" y="198120"/>
+                      <a:pt x="216662" y="198120"/>
+                    </a:cubicBezTo>
+                    <a:cubicBezTo>
+                      <a:pt x="228727" y="198120"/>
+                      <a:pt x="285496" y="165100"/>
+                      <a:pt x="318516" y="120142"/>
+                    </a:cubicBezTo>
+                    <a:cubicBezTo>
+                      <a:pt x="321183" y="116078"/>
+                      <a:pt x="326517" y="113665"/>
+                      <a:pt x="331343" y="113665"/>
+                    </a:cubicBezTo>
+                    <a:cubicBezTo>
+                      <a:pt x="336169" y="113665"/>
+                      <a:pt x="340487" y="116078"/>
+                      <a:pt x="341122" y="121666"/>
+                    </a:cubicBezTo>
+                    <a:cubicBezTo>
+                      <a:pt x="341757" y="127254"/>
+                      <a:pt x="339471" y="134493"/>
+                      <a:pt x="332740" y="144145"/>
+                    </a:cubicBezTo>
+                    <a:cubicBezTo>
+                      <a:pt x="295021" y="196215"/>
+                      <a:pt x="216154" y="240792"/>
+                      <a:pt x="188087" y="240792"/>
+                    </a:cubicBezTo>
+                  </a:path>
+                </a:pathLst>
+              </a:custGeom>
+              <a:solidFill>
+                <a:srgbClr val="FFFFFF"/>
+              </a:solidFill>
+            </p:spPr>
+          </p:sp>
+          <p:sp>
+            <p:nvSpPr>
+              <p:cNvPr id="6" name="Freeform 6"/>
+              <p:cNvSpPr/>
+              <p:nvPr/>
+            </p:nvSpPr>
+            <p:spPr>
+              <a:xfrm>
+                <a:off x="1457579" y="960628"/>
+                <a:ext cx="240792" cy="282448"/>
+              </a:xfrm>
+              <a:custGeom>
+                <a:avLst/>
+                <a:gdLst/>
+                <a:ahLst/>
+                <a:cxnLst/>
+                <a:rect l="l" t="t" r="r" b="b"/>
+                <a:pathLst>
+                  <a:path w="240792" h="282448">
+                    <a:moveTo>
+                      <a:pt x="200025" y="213487"/>
+                    </a:moveTo>
+                    <a:cubicBezTo>
+                      <a:pt x="202819" y="236728"/>
+                      <a:pt x="213614" y="251968"/>
+                      <a:pt x="223520" y="260731"/>
+                    </a:cubicBezTo>
+                    <a:cubicBezTo>
+                      <a:pt x="227076" y="263906"/>
+                      <a:pt x="229235" y="267970"/>
+                      <a:pt x="229489" y="270383"/>
+                    </a:cubicBezTo>
+                    <a:cubicBezTo>
+                      <a:pt x="230251" y="276860"/>
+                      <a:pt x="225298" y="282448"/>
+                      <a:pt x="217297" y="282448"/>
+                    </a:cubicBezTo>
+                    <a:cubicBezTo>
+                      <a:pt x="214884" y="282448"/>
+                      <a:pt x="211709" y="282448"/>
+                      <a:pt x="209042" y="280797"/>
+                    </a:cubicBezTo>
+                    <a:cubicBezTo>
+                      <a:pt x="167640" y="263906"/>
+                      <a:pt x="150622" y="235839"/>
+                      <a:pt x="145669" y="209423"/>
+                    </a:cubicBezTo>
+                    <a:cubicBezTo>
+                      <a:pt x="129667" y="229489"/>
+                      <a:pt x="108585" y="240665"/>
+                      <a:pt x="86995" y="240665"/>
+                    </a:cubicBezTo>
+                    <a:cubicBezTo>
+                      <a:pt x="50038" y="240665"/>
+                      <a:pt x="14097" y="208534"/>
+                      <a:pt x="8890" y="166878"/>
+                    </a:cubicBezTo>
+                    <a:cubicBezTo>
+                      <a:pt x="0" y="94742"/>
+                      <a:pt x="65405" y="0"/>
+                      <a:pt x="158496" y="0"/>
+                    </a:cubicBezTo>
+                    <a:cubicBezTo>
+                      <a:pt x="197866" y="0"/>
+                      <a:pt x="231775" y="15240"/>
+                      <a:pt x="235712" y="47371"/>
+                    </a:cubicBezTo>
+                    <a:cubicBezTo>
+                      <a:pt x="240792" y="88265"/>
+                      <a:pt x="205613" y="96266"/>
+                      <a:pt x="193675" y="96266"/>
+                    </a:cubicBezTo>
+                    <a:cubicBezTo>
+                      <a:pt x="181737" y="96266"/>
+                      <a:pt x="163576" y="93091"/>
+                      <a:pt x="162306" y="82677"/>
+                    </a:cubicBezTo>
+                    <a:cubicBezTo>
+                      <a:pt x="161036" y="72263"/>
+                      <a:pt x="187325" y="77851"/>
+                      <a:pt x="184277" y="52959"/>
+                    </a:cubicBezTo>
+                    <a:cubicBezTo>
+                      <a:pt x="182372" y="36957"/>
+                      <a:pt x="165481" y="30480"/>
+                      <a:pt x="149479" y="30480"/>
+                    </a:cubicBezTo>
+                    <a:cubicBezTo>
+                      <a:pt x="95758" y="30480"/>
+                      <a:pt x="58801" y="101854"/>
+                      <a:pt x="65913" y="159639"/>
+                    </a:cubicBezTo>
+                    <a:cubicBezTo>
+                      <a:pt x="68834" y="182880"/>
+                      <a:pt x="79502" y="205359"/>
+                      <a:pt x="100457" y="205359"/>
+                    </a:cubicBezTo>
+                    <a:cubicBezTo>
+                      <a:pt x="117348" y="205359"/>
+                      <a:pt x="142367" y="181356"/>
+                      <a:pt x="151765" y="146050"/>
+                    </a:cubicBezTo>
+                    <a:cubicBezTo>
+                      <a:pt x="157734" y="122809"/>
+                      <a:pt x="180467" y="105918"/>
+                      <a:pt x="197358" y="105918"/>
+                    </a:cubicBezTo>
+                    <a:cubicBezTo>
+                      <a:pt x="205359" y="105918"/>
+                      <a:pt x="212344" y="109982"/>
+                      <a:pt x="213487" y="119507"/>
+                    </a:cubicBezTo>
+                    <a:cubicBezTo>
+                      <a:pt x="214122" y="124333"/>
+                      <a:pt x="212217" y="134747"/>
+                      <a:pt x="203200" y="172466"/>
+                    </a:cubicBezTo>
+                    <a:cubicBezTo>
+                      <a:pt x="199517" y="188468"/>
+                      <a:pt x="198755" y="202184"/>
+                      <a:pt x="200152" y="213360"/>
+                    </a:cubicBezTo>
+                  </a:path>
+                </a:pathLst>
+              </a:custGeom>
+              <a:solidFill>
+                <a:srgbClr val="FFFFFF"/>
+              </a:solidFill>
+            </p:spPr>
+          </p:sp>
+          <p:sp>
+            <p:nvSpPr>
+              <p:cNvPr id="7" name="Freeform 7"/>
+              <p:cNvSpPr/>
+              <p:nvPr/>
+            </p:nvSpPr>
+            <p:spPr>
+              <a:xfrm>
+                <a:off x="946531" y="960628"/>
+                <a:ext cx="323469" cy="240665"/>
+              </a:xfrm>
+              <a:custGeom>
+                <a:avLst/>
+                <a:gdLst/>
+                <a:ahLst/>
+                <a:cxnLst/>
+                <a:rect l="l" t="t" r="r" b="b"/>
+                <a:pathLst>
+                  <a:path w="323469" h="240665">
+                    <a:moveTo>
+                      <a:pt x="211709" y="198882"/>
+                    </a:moveTo>
+                    <a:cubicBezTo>
+                      <a:pt x="224536" y="198882"/>
+                      <a:pt x="266319" y="182880"/>
+                      <a:pt x="299339" y="137922"/>
+                    </a:cubicBezTo>
+                    <a:cubicBezTo>
+                      <a:pt x="302895" y="133858"/>
+                      <a:pt x="307340" y="131572"/>
+                      <a:pt x="312166" y="131572"/>
+                    </a:cubicBezTo>
+                    <a:cubicBezTo>
+                      <a:pt x="317754" y="131572"/>
+                      <a:pt x="322072" y="133985"/>
+                      <a:pt x="322961" y="140462"/>
+                    </a:cubicBezTo>
+                    <a:cubicBezTo>
+                      <a:pt x="323469" y="145288"/>
+                      <a:pt x="320421" y="152527"/>
+                      <a:pt x="313563" y="162052"/>
+                    </a:cubicBezTo>
+                    <a:cubicBezTo>
+                      <a:pt x="275844" y="214249"/>
+                      <a:pt x="212217" y="240665"/>
+                      <a:pt x="184150" y="240665"/>
+                    </a:cubicBezTo>
+                    <a:cubicBezTo>
+                      <a:pt x="155194" y="240665"/>
+                      <a:pt x="139446" y="223012"/>
+                      <a:pt x="136271" y="196596"/>
+                    </a:cubicBezTo>
+                    <a:cubicBezTo>
+                      <a:pt x="135128" y="187706"/>
+                      <a:pt x="135509" y="177419"/>
+                      <a:pt x="137287" y="166116"/>
+                    </a:cubicBezTo>
+                    <a:cubicBezTo>
+                      <a:pt x="146812" y="106680"/>
+                      <a:pt x="168783" y="69850"/>
+                      <a:pt x="167386" y="58547"/>
+                    </a:cubicBezTo>
+                    <a:cubicBezTo>
+                      <a:pt x="167005" y="55372"/>
+                      <a:pt x="165227" y="53721"/>
+                      <a:pt x="162814" y="53721"/>
+                    </a:cubicBezTo>
+                    <a:cubicBezTo>
+                      <a:pt x="144399" y="53721"/>
+                      <a:pt x="79629" y="120269"/>
+                      <a:pt x="69723" y="164465"/>
+                    </a:cubicBezTo>
+                    <a:lnTo>
+                      <a:pt x="61976" y="199771"/>
+                    </a:lnTo>
+                    <a:cubicBezTo>
+                      <a:pt x="57023" y="224663"/>
+                      <a:pt x="32512" y="240665"/>
+                      <a:pt x="15621" y="240665"/>
+                    </a:cubicBezTo>
+                    <a:cubicBezTo>
+                      <a:pt x="7620" y="240665"/>
+                      <a:pt x="1524" y="236601"/>
+                      <a:pt x="381" y="227838"/>
+                    </a:cubicBezTo>
+                    <a:cubicBezTo>
+                      <a:pt x="0" y="224663"/>
+                      <a:pt x="254" y="220599"/>
+                      <a:pt x="1397" y="215773"/>
+                    </a:cubicBezTo>
+                    <a:cubicBezTo>
+                      <a:pt x="1397" y="215773"/>
+                      <a:pt x="33401" y="51308"/>
+                      <a:pt x="34925" y="43434"/>
+                    </a:cubicBezTo>
+                    <a:cubicBezTo>
+                      <a:pt x="38481" y="24130"/>
+                      <a:pt x="45466" y="4191"/>
+                      <a:pt x="84709" y="4191"/>
+                    </a:cubicBezTo>
+                    <a:cubicBezTo>
+                      <a:pt x="92710" y="4191"/>
+                      <a:pt x="98806" y="8255"/>
+                      <a:pt x="100076" y="17780"/>
+                    </a:cubicBezTo>
+                    <a:cubicBezTo>
+                      <a:pt x="100457" y="20955"/>
+                      <a:pt x="100203" y="25019"/>
+                      <a:pt x="99187" y="29845"/>
+                    </a:cubicBezTo>
+                    <a:lnTo>
+                      <a:pt x="88265" y="79375"/>
+                    </a:lnTo>
+                    <a:cubicBezTo>
+                      <a:pt x="122682" y="33655"/>
+                      <a:pt x="176403" y="0"/>
+                      <a:pt x="208407" y="0"/>
+                    </a:cubicBezTo>
+                    <a:cubicBezTo>
+                      <a:pt x="221996" y="0"/>
+                      <a:pt x="232537" y="7239"/>
+                      <a:pt x="234315" y="21717"/>
+                    </a:cubicBezTo>
+                    <a:cubicBezTo>
+                      <a:pt x="235331" y="29718"/>
+                      <a:pt x="232918" y="43307"/>
+                      <a:pt x="227584" y="58547"/>
+                    </a:cubicBezTo>
+                    <a:cubicBezTo>
+                      <a:pt x="216154" y="89789"/>
+                      <a:pt x="203327" y="136779"/>
+                      <a:pt x="194818" y="177292"/>
+                    </a:cubicBezTo>
+                    <a:cubicBezTo>
+                      <a:pt x="193040" y="185928"/>
+                      <a:pt x="195961" y="198882"/>
+                      <a:pt x="211836" y="198882"/>
+                    </a:cubicBezTo>
+                  </a:path>
+                </a:pathLst>
+              </a:custGeom>
+              <a:solidFill>
+                <a:srgbClr val="FFFFFF"/>
+              </a:solidFill>
+            </p:spPr>
+          </p:sp>
+          <p:sp>
+            <p:nvSpPr>
+              <p:cNvPr id="8" name="Freeform 8"/>
+              <p:cNvSpPr/>
+              <p:nvPr/>
+            </p:nvSpPr>
+            <p:spPr>
+              <a:xfrm>
+                <a:off x="1243711" y="910082"/>
+                <a:ext cx="271907" cy="291211"/>
+              </a:xfrm>
+              <a:custGeom>
+                <a:avLst/>
+                <a:gdLst/>
+                <a:ahLst/>
+                <a:cxnLst/>
+                <a:rect l="l" t="t" r="r" b="b"/>
+                <a:pathLst>
+                  <a:path w="271907" h="291211">
+                    <a:moveTo>
+                      <a:pt x="133985" y="57785"/>
+                    </a:moveTo>
+                    <a:cubicBezTo>
+                      <a:pt x="133985" y="80264"/>
+                      <a:pt x="145161" y="103505"/>
+                      <a:pt x="159639" y="118745"/>
+                    </a:cubicBezTo>
+                    <a:cubicBezTo>
+                      <a:pt x="165227" y="103505"/>
+                      <a:pt x="168529" y="88265"/>
+                      <a:pt x="168529" y="73025"/>
+                    </a:cubicBezTo>
+                    <a:cubicBezTo>
+                      <a:pt x="168529" y="44196"/>
+                      <a:pt x="157353" y="31369"/>
+                      <a:pt x="148463" y="31369"/>
+                    </a:cubicBezTo>
+                    <a:cubicBezTo>
+                      <a:pt x="138049" y="31369"/>
+                      <a:pt x="133985" y="45847"/>
+                      <a:pt x="133985" y="57785"/>
+                    </a:cubicBezTo>
+                    <a:close/>
+                    <a:moveTo>
+                      <a:pt x="182880" y="178054"/>
+                    </a:moveTo>
+                    <a:cubicBezTo>
+                      <a:pt x="178054" y="178054"/>
+                      <a:pt x="173990" y="178054"/>
+                      <a:pt x="169164" y="177292"/>
+                    </a:cubicBezTo>
+                    <a:cubicBezTo>
+                      <a:pt x="133096" y="229362"/>
+                      <a:pt x="95377" y="265557"/>
+                      <a:pt x="66548" y="281559"/>
+                    </a:cubicBezTo>
+                    <a:cubicBezTo>
+                      <a:pt x="54483" y="288036"/>
+                      <a:pt x="43307" y="291211"/>
+                      <a:pt x="35306" y="291211"/>
+                    </a:cubicBezTo>
+                    <a:cubicBezTo>
+                      <a:pt x="28829" y="291211"/>
+                      <a:pt x="21590" y="289687"/>
+                      <a:pt x="18415" y="283972"/>
+                    </a:cubicBezTo>
+                    <a:cubicBezTo>
+                      <a:pt x="5588" y="262382"/>
+                      <a:pt x="0" y="218186"/>
+                      <a:pt x="0" y="172466"/>
+                    </a:cubicBezTo>
+                    <a:cubicBezTo>
+                      <a:pt x="0" y="138811"/>
+                      <a:pt x="2413" y="111506"/>
+                      <a:pt x="8763" y="91440"/>
+                    </a:cubicBezTo>
+                    <a:cubicBezTo>
+                      <a:pt x="15240" y="70612"/>
+                      <a:pt x="41656" y="50546"/>
+                      <a:pt x="59309" y="50546"/>
+                    </a:cubicBezTo>
+                    <a:cubicBezTo>
+                      <a:pt x="68199" y="50546"/>
+                      <a:pt x="74549" y="55372"/>
+                      <a:pt x="74549" y="65024"/>
+                    </a:cubicBezTo>
+                    <a:cubicBezTo>
+                      <a:pt x="74549" y="68199"/>
+                      <a:pt x="73787" y="72263"/>
+                      <a:pt x="72136" y="76200"/>
+                    </a:cubicBezTo>
+                    <a:cubicBezTo>
+                      <a:pt x="60071" y="111506"/>
+                      <a:pt x="53721" y="144399"/>
+                      <a:pt x="53721" y="177292"/>
+                    </a:cubicBezTo>
+                    <a:cubicBezTo>
+                      <a:pt x="53721" y="195707"/>
+                      <a:pt x="57785" y="225425"/>
+                      <a:pt x="61722" y="240665"/>
+                    </a:cubicBezTo>
+                    <a:cubicBezTo>
+                      <a:pt x="62611" y="243840"/>
+                      <a:pt x="63373" y="247142"/>
+                      <a:pt x="66548" y="247142"/>
+                    </a:cubicBezTo>
+                    <a:cubicBezTo>
+                      <a:pt x="72136" y="247142"/>
+                      <a:pt x="109855" y="210185"/>
+                      <a:pt x="137160" y="165227"/>
+                    </a:cubicBezTo>
+                    <a:cubicBezTo>
+                      <a:pt x="113157" y="149987"/>
+                      <a:pt x="99441" y="121920"/>
+                      <a:pt x="99441" y="87376"/>
+                    </a:cubicBezTo>
+                    <a:cubicBezTo>
+                      <a:pt x="99441" y="29591"/>
+                      <a:pt x="133985" y="0"/>
+                      <a:pt x="167640" y="0"/>
+                    </a:cubicBezTo>
+                    <a:cubicBezTo>
+                      <a:pt x="194183" y="0"/>
+                      <a:pt x="218186" y="19177"/>
+                      <a:pt x="218186" y="57785"/>
+                    </a:cubicBezTo>
+                    <a:cubicBezTo>
+                      <a:pt x="218186" y="81788"/>
+                      <a:pt x="208534" y="109093"/>
+                      <a:pt x="194945" y="135636"/>
+                    </a:cubicBezTo>
+                    <a:cubicBezTo>
+                      <a:pt x="194945" y="135636"/>
+                      <a:pt x="200533" y="136525"/>
+                      <a:pt x="202946" y="136525"/>
+                    </a:cubicBezTo>
+                    <a:cubicBezTo>
+                      <a:pt x="223774" y="136525"/>
+                      <a:pt x="239903" y="126873"/>
+                      <a:pt x="248666" y="116459"/>
+                    </a:cubicBezTo>
+                    <a:cubicBezTo>
+                      <a:pt x="255143" y="109220"/>
+                      <a:pt x="260731" y="104394"/>
+                      <a:pt x="266319" y="104394"/>
+                    </a:cubicBezTo>
+                    <a:cubicBezTo>
+                      <a:pt x="270383" y="104394"/>
+                      <a:pt x="271907" y="107569"/>
+                      <a:pt x="271907" y="111633"/>
+                    </a:cubicBezTo>
+                    <a:cubicBezTo>
+                      <a:pt x="271907" y="114046"/>
+                      <a:pt x="271018" y="118110"/>
+                      <a:pt x="268732" y="122047"/>
+                    </a:cubicBezTo>
+                    <a:cubicBezTo>
+                      <a:pt x="249555" y="156591"/>
+                      <a:pt x="212598" y="178181"/>
+                      <a:pt x="182880" y="178181"/>
+                    </a:cubicBezTo>
+                  </a:path>
+                </a:pathLst>
+              </a:custGeom>
+              <a:solidFill>
+                <a:srgbClr val="FFFFFF"/>
+              </a:solidFill>
+            </p:spPr>
+          </p:sp>
+          <p:sp>
+            <p:nvSpPr>
+              <p:cNvPr id="9" name="Freeform 9"/>
+              <p:cNvSpPr/>
+              <p:nvPr/>
+            </p:nvSpPr>
+            <p:spPr>
+              <a:xfrm>
+                <a:off x="63500" y="63500"/>
+                <a:ext cx="1904111" cy="1904111"/>
+              </a:xfrm>
+              <a:custGeom>
+                <a:avLst/>
+                <a:gdLst/>
+                <a:ahLst/>
+                <a:cxnLst/>
+                <a:rect l="l" t="t" r="r" b="b"/>
+                <a:pathLst>
+                  <a:path w="1904111" h="1904111">
+                    <a:moveTo>
+                      <a:pt x="0" y="1904111"/>
+                    </a:moveTo>
+                    <a:lnTo>
+                      <a:pt x="1904111" y="1904111"/>
+                    </a:lnTo>
+                    <a:lnTo>
+                      <a:pt x="1904111" y="0"/>
+                    </a:lnTo>
+                    <a:lnTo>
+                      <a:pt x="0" y="0"/>
+                    </a:lnTo>
+                    <a:close/>
+                  </a:path>
+                </a:pathLst>
+              </a:custGeom>
+              <a:solidFill>
+                <a:srgbClr val="000000">
+                  <a:alpha val="0"/>
+                </a:srgbClr>
+              </a:solidFill>
+            </p:spPr>
+          </p:sp>
+        </p:grpSp>
+        <p:grpSp>
+          <p:nvGrpSpPr>
+            <p:cNvPr id="10" name="Group 10"/>
+            <p:cNvGrpSpPr>
+              <a:grpSpLocks noChangeAspect="1"/>
+            </p:cNvGrpSpPr>
+            <p:nvPr/>
+          </p:nvGrpSpPr>
+          <p:grpSpPr>
+            <a:xfrm>
+              <a:off x="2517019" y="5173656"/>
+              <a:ext cx="1725301" cy="2339178"/>
+              <a:chOff x="0" y="0"/>
+              <a:chExt cx="1725295" cy="2339175"/>
+            </a:xfrm>
+          </p:grpSpPr>
+          <p:sp>
+            <p:nvSpPr>
+              <p:cNvPr id="11" name="Freeform 11"/>
+              <p:cNvSpPr/>
+              <p:nvPr/>
+            </p:nvSpPr>
+            <p:spPr>
+              <a:xfrm>
+                <a:off x="64135" y="64262"/>
+                <a:ext cx="1598930" cy="2178050"/>
+              </a:xfrm>
+              <a:custGeom>
+                <a:avLst/>
+                <a:gdLst/>
+                <a:ahLst/>
+                <a:cxnLst/>
+                <a:rect l="l" t="t" r="r" b="b"/>
+                <a:pathLst>
+                  <a:path w="1598930" h="2178050">
+                    <a:moveTo>
+                      <a:pt x="559308" y="218313"/>
+                    </a:moveTo>
+                    <a:cubicBezTo>
+                      <a:pt x="608076" y="218313"/>
+                      <a:pt x="657352" y="220218"/>
+                      <a:pt x="707263" y="220218"/>
+                    </a:cubicBezTo>
+                    <a:lnTo>
+                      <a:pt x="707263" y="653415"/>
+                    </a:lnTo>
+                    <a:lnTo>
+                      <a:pt x="637413" y="653415"/>
+                    </a:lnTo>
+                    <a:cubicBezTo>
+                      <a:pt x="636651" y="653415"/>
+                      <a:pt x="636016" y="653415"/>
+                      <a:pt x="635254" y="653415"/>
+                    </a:cubicBezTo>
+                    <a:cubicBezTo>
+                      <a:pt x="606425" y="653415"/>
+                      <a:pt x="577469" y="653542"/>
+                      <a:pt x="548640" y="653542"/>
+                    </a:cubicBezTo>
+                    <a:cubicBezTo>
+                      <a:pt x="529463" y="653542"/>
+                      <a:pt x="510286" y="653542"/>
+                      <a:pt x="491109" y="653415"/>
+                    </a:cubicBezTo>
+                    <a:cubicBezTo>
+                      <a:pt x="375539" y="652780"/>
+                      <a:pt x="280924" y="564515"/>
+                      <a:pt x="274447" y="451485"/>
+                    </a:cubicBezTo>
+                    <a:cubicBezTo>
+                      <a:pt x="267716" y="332613"/>
+                      <a:pt x="350901" y="230251"/>
+                      <a:pt x="469265" y="221234"/>
+                    </a:cubicBezTo>
+                    <a:cubicBezTo>
+                      <a:pt x="499110" y="218948"/>
+                      <a:pt x="529082" y="218313"/>
+                      <a:pt x="559181" y="218313"/>
+                    </a:cubicBezTo>
+                    <a:close/>
+                    <a:moveTo>
+                      <a:pt x="1071499" y="218694"/>
+                    </a:moveTo>
+                    <a:cubicBezTo>
+                      <a:pt x="1098296" y="218694"/>
+                      <a:pt x="1125093" y="218821"/>
+                      <a:pt x="1152017" y="219329"/>
+                    </a:cubicBezTo>
+                    <a:cubicBezTo>
+                      <a:pt x="1159129" y="219456"/>
+                      <a:pt x="1166114" y="219964"/>
+                      <a:pt x="1173226" y="220726"/>
+                    </a:cubicBezTo>
+                    <a:cubicBezTo>
+                      <a:pt x="1180338" y="221488"/>
+                      <a:pt x="1187196" y="222758"/>
+                      <a:pt x="1194181" y="224155"/>
+                    </a:cubicBezTo>
+                    <a:cubicBezTo>
+                      <a:pt x="1201166" y="225552"/>
+                      <a:pt x="1207897" y="227457"/>
+                      <a:pt x="1214755" y="229616"/>
+                    </a:cubicBezTo>
+                    <a:cubicBezTo>
+                      <a:pt x="1221613" y="231775"/>
+                      <a:pt x="1228090" y="234315"/>
+                      <a:pt x="1234694" y="237109"/>
+                    </a:cubicBezTo>
+                    <a:cubicBezTo>
+                      <a:pt x="1241298" y="239903"/>
+                      <a:pt x="1247521" y="243078"/>
+                      <a:pt x="1253744" y="246507"/>
+                    </a:cubicBezTo>
+                    <a:cubicBezTo>
+                      <a:pt x="1259967" y="249936"/>
+                      <a:pt x="1265936" y="253746"/>
+                      <a:pt x="1271778" y="257683"/>
+                    </a:cubicBezTo>
+                    <a:cubicBezTo>
+                      <a:pt x="1277620" y="261620"/>
+                      <a:pt x="1283208" y="266065"/>
+                      <a:pt x="1288669" y="270637"/>
+                    </a:cubicBezTo>
+                    <a:cubicBezTo>
+                      <a:pt x="1294130" y="275209"/>
+                      <a:pt x="1299210" y="280035"/>
+                      <a:pt x="1304163" y="285115"/>
+                    </a:cubicBezTo>
+                    <a:cubicBezTo>
+                      <a:pt x="1309116" y="290195"/>
+                      <a:pt x="1313815" y="295529"/>
+                      <a:pt x="1318133" y="301117"/>
+                    </a:cubicBezTo>
+                    <a:cubicBezTo>
+                      <a:pt x="1322451" y="306705"/>
+                      <a:pt x="1326642" y="312420"/>
+                      <a:pt x="1330452" y="318389"/>
+                    </a:cubicBezTo>
+                    <a:cubicBezTo>
+                      <a:pt x="1334262" y="324358"/>
+                      <a:pt x="1337818" y="330454"/>
+                      <a:pt x="1341120" y="336804"/>
+                    </a:cubicBezTo>
+                    <a:cubicBezTo>
+                      <a:pt x="1344422" y="343154"/>
+                      <a:pt x="1347343" y="349504"/>
+                      <a:pt x="1349883" y="356108"/>
+                    </a:cubicBezTo>
+                    <a:cubicBezTo>
+                      <a:pt x="1352423" y="362712"/>
+                      <a:pt x="1354836" y="369316"/>
+                      <a:pt x="1356741" y="376174"/>
+                    </a:cubicBezTo>
+                    <a:cubicBezTo>
+                      <a:pt x="1358646" y="383032"/>
+                      <a:pt x="1360297" y="389890"/>
+                      <a:pt x="1361567" y="396875"/>
+                    </a:cubicBezTo>
+                    <a:cubicBezTo>
+                      <a:pt x="1362837" y="403860"/>
+                      <a:pt x="1363726" y="410845"/>
+                      <a:pt x="1364361" y="417830"/>
+                    </a:cubicBezTo>
+                    <a:cubicBezTo>
+                      <a:pt x="1364996" y="424815"/>
+                      <a:pt x="1365250" y="431927"/>
+                      <a:pt x="1365123" y="439039"/>
+                    </a:cubicBezTo>
+                    <a:cubicBezTo>
+                      <a:pt x="1363599" y="557784"/>
+                      <a:pt x="1269238" y="652018"/>
+                      <a:pt x="1149731" y="653288"/>
+                    </a:cubicBezTo>
+                    <a:cubicBezTo>
+                      <a:pt x="1122553" y="653542"/>
+                      <a:pt x="1095248" y="653669"/>
+                      <a:pt x="1067816" y="653669"/>
+                    </a:cubicBezTo>
+                    <a:cubicBezTo>
+                      <a:pt x="1023112" y="653669"/>
+                      <a:pt x="977900" y="653415"/>
+                      <a:pt x="931418" y="653415"/>
+                    </a:cubicBezTo>
+                    <a:lnTo>
+                      <a:pt x="931418" y="220980"/>
+                    </a:lnTo>
+                    <a:cubicBezTo>
+                      <a:pt x="936371" y="220218"/>
+                      <a:pt x="940562" y="219202"/>
+                      <a:pt x="944753" y="219202"/>
+                    </a:cubicBezTo>
+                    <a:cubicBezTo>
+                      <a:pt x="987044" y="219202"/>
+                      <a:pt x="1029335" y="218694"/>
+                      <a:pt x="1071626" y="218694"/>
+                    </a:cubicBezTo>
+                    <a:close/>
+                    <a:moveTo>
+                      <a:pt x="1146810" y="872236"/>
+                    </a:moveTo>
+                    <a:cubicBezTo>
+                      <a:pt x="1153922" y="872236"/>
+                      <a:pt x="1161034" y="872617"/>
+                      <a:pt x="1168019" y="873252"/>
+                    </a:cubicBezTo>
+                    <a:cubicBezTo>
+                      <a:pt x="1175004" y="873887"/>
+                      <a:pt x="1182243" y="875030"/>
+                      <a:pt x="1189228" y="876427"/>
+                    </a:cubicBezTo>
+                    <a:cubicBezTo>
+                      <a:pt x="1196213" y="877824"/>
+                      <a:pt x="1203198" y="879475"/>
+                      <a:pt x="1209929" y="881634"/>
+                    </a:cubicBezTo>
+                    <a:cubicBezTo>
+                      <a:pt x="1216660" y="883793"/>
+                      <a:pt x="1223518" y="886079"/>
+                      <a:pt x="1230122" y="888873"/>
+                    </a:cubicBezTo>
+                    <a:cubicBezTo>
+                      <a:pt x="1236726" y="891667"/>
+                      <a:pt x="1243203" y="894588"/>
+                      <a:pt x="1249426" y="898017"/>
+                    </a:cubicBezTo>
+                    <a:cubicBezTo>
+                      <a:pt x="1255649" y="901446"/>
+                      <a:pt x="1261872" y="905002"/>
+                      <a:pt x="1267841" y="908939"/>
+                    </a:cubicBezTo>
+                    <a:cubicBezTo>
+                      <a:pt x="1273810" y="912876"/>
+                      <a:pt x="1279525" y="917067"/>
+                      <a:pt x="1284986" y="921639"/>
+                    </a:cubicBezTo>
+                    <a:cubicBezTo>
+                      <a:pt x="1290447" y="926211"/>
+                      <a:pt x="1295781" y="930910"/>
+                      <a:pt x="1300861" y="935990"/>
+                    </a:cubicBezTo>
+                    <a:cubicBezTo>
+                      <a:pt x="1305941" y="941070"/>
+                      <a:pt x="1310767" y="946277"/>
+                      <a:pt x="1315212" y="951738"/>
+                    </a:cubicBezTo>
+                    <a:cubicBezTo>
+                      <a:pt x="1319657" y="957199"/>
+                      <a:pt x="1323975" y="962914"/>
+                      <a:pt x="1327912" y="968883"/>
+                    </a:cubicBezTo>
+                    <a:cubicBezTo>
+                      <a:pt x="1331849" y="974852"/>
+                      <a:pt x="1335532" y="980948"/>
+                      <a:pt x="1338961" y="987171"/>
+                    </a:cubicBezTo>
+                    <a:cubicBezTo>
+                      <a:pt x="1342390" y="993394"/>
+                      <a:pt x="1345438" y="999871"/>
+                      <a:pt x="1348105" y="1006475"/>
+                    </a:cubicBezTo>
+                    <a:cubicBezTo>
+                      <a:pt x="1350772" y="1013079"/>
+                      <a:pt x="1353312" y="1019810"/>
+                      <a:pt x="1355344" y="1026541"/>
+                    </a:cubicBezTo>
+                    <a:cubicBezTo>
+                      <a:pt x="1357376" y="1033272"/>
+                      <a:pt x="1359154" y="1040257"/>
+                      <a:pt x="1360551" y="1047242"/>
+                    </a:cubicBezTo>
+                    <a:cubicBezTo>
+                      <a:pt x="1361948" y="1054227"/>
+                      <a:pt x="1362964" y="1061212"/>
+                      <a:pt x="1363726" y="1068324"/>
+                    </a:cubicBezTo>
+                    <a:cubicBezTo>
+                      <a:pt x="1364488" y="1075436"/>
+                      <a:pt x="1364742" y="1082548"/>
+                      <a:pt x="1364742" y="1089660"/>
+                    </a:cubicBezTo>
+                    <a:cubicBezTo>
+                      <a:pt x="1364742" y="1209548"/>
+                      <a:pt x="1266698" y="1307719"/>
+                      <a:pt x="1146810" y="1307719"/>
+                    </a:cubicBezTo>
+                    <a:cubicBezTo>
+                      <a:pt x="1146810" y="1307719"/>
+                      <a:pt x="1146810" y="1307719"/>
+                      <a:pt x="1146683" y="1307719"/>
+                    </a:cubicBezTo>
+                    <a:cubicBezTo>
+                      <a:pt x="1025652" y="1307719"/>
+                      <a:pt x="929767" y="1211326"/>
+                      <a:pt x="929640" y="1089914"/>
+                    </a:cubicBezTo>
+                    <a:lnTo>
+                      <a:pt x="929640" y="1089914"/>
+                    </a:lnTo>
+                    <a:cubicBezTo>
+                      <a:pt x="929640" y="968121"/>
+                      <a:pt x="1025017" y="872236"/>
+                      <a:pt x="1146429" y="872236"/>
+                    </a:cubicBezTo>
+                    <a:cubicBezTo>
+                      <a:pt x="1146429" y="872236"/>
+                      <a:pt x="1146556" y="872236"/>
+                      <a:pt x="1146556" y="872236"/>
+                    </a:cubicBezTo>
+                    <a:close/>
+                    <a:moveTo>
+                      <a:pt x="571373" y="872109"/>
+                    </a:moveTo>
+                    <a:cubicBezTo>
+                      <a:pt x="616585" y="872109"/>
+                      <a:pt x="662051" y="872236"/>
+                      <a:pt x="708406" y="872236"/>
+                    </a:cubicBezTo>
+                    <a:lnTo>
+                      <a:pt x="708406" y="1307211"/>
+                    </a:lnTo>
+                    <a:lnTo>
+                      <a:pt x="708406" y="1307211"/>
+                    </a:lnTo>
+                    <a:cubicBezTo>
+                      <a:pt x="658749" y="1307211"/>
+                      <a:pt x="609854" y="1308481"/>
+                      <a:pt x="561467" y="1308481"/>
+                    </a:cubicBezTo>
+                    <a:cubicBezTo>
+                      <a:pt x="531495" y="1308481"/>
+                      <a:pt x="501777" y="1307973"/>
+                      <a:pt x="472059" y="1306449"/>
+                    </a:cubicBezTo>
+                    <a:cubicBezTo>
+                      <a:pt x="357886" y="1300353"/>
+                      <a:pt x="270002" y="1197229"/>
+                      <a:pt x="274193" y="1080389"/>
+                    </a:cubicBezTo>
+                    <a:cubicBezTo>
+                      <a:pt x="278257" y="966343"/>
+                      <a:pt x="374269" y="872744"/>
+                      <a:pt x="488188" y="872236"/>
+                    </a:cubicBezTo>
+                    <a:cubicBezTo>
+                      <a:pt x="515874" y="872109"/>
+                      <a:pt x="543433" y="872109"/>
+                      <a:pt x="571246" y="872109"/>
+                    </a:cubicBezTo>
+                    <a:close/>
+                    <a:moveTo>
+                      <a:pt x="582168" y="1525524"/>
+                    </a:moveTo>
+                    <a:cubicBezTo>
+                      <a:pt x="623697" y="1525524"/>
+                      <a:pt x="665226" y="1526286"/>
+                      <a:pt x="706628" y="1526286"/>
+                    </a:cubicBezTo>
+                    <a:lnTo>
+                      <a:pt x="706628" y="1526286"/>
+                    </a:lnTo>
+                    <a:cubicBezTo>
+                      <a:pt x="706628" y="1613916"/>
+                      <a:pt x="712470" y="1697355"/>
+                      <a:pt x="705104" y="1779651"/>
+                    </a:cubicBezTo>
+                    <a:cubicBezTo>
+                      <a:pt x="696214" y="1879219"/>
+                      <a:pt x="604520" y="1955673"/>
+                      <a:pt x="502666" y="1960372"/>
+                    </a:cubicBezTo>
+                    <a:cubicBezTo>
+                      <a:pt x="499237" y="1960499"/>
+                      <a:pt x="495681" y="1960626"/>
+                      <a:pt x="492252" y="1960626"/>
+                    </a:cubicBezTo>
+                    <a:cubicBezTo>
+                      <a:pt x="391922" y="1960626"/>
+                      <a:pt x="305689" y="1894205"/>
+                      <a:pt x="280162" y="1795780"/>
+                    </a:cubicBezTo>
+                    <a:cubicBezTo>
+                      <a:pt x="254889" y="1698879"/>
+                      <a:pt x="303784" y="1590167"/>
+                      <a:pt x="394970" y="1549527"/>
+                    </a:cubicBezTo>
+                    <a:cubicBezTo>
+                      <a:pt x="424815" y="1536192"/>
+                      <a:pt x="459232" y="1528953"/>
+                      <a:pt x="491998" y="1527429"/>
+                    </a:cubicBezTo>
+                    <a:cubicBezTo>
+                      <a:pt x="521970" y="1526032"/>
+                      <a:pt x="551942" y="1525651"/>
+                      <a:pt x="582041" y="1525651"/>
+                    </a:cubicBezTo>
+                    <a:close/>
+                    <a:moveTo>
+                      <a:pt x="832866" y="254"/>
+                    </a:moveTo>
+                    <a:cubicBezTo>
+                      <a:pt x="716661" y="254"/>
+                      <a:pt x="600456" y="889"/>
+                      <a:pt x="484251" y="2667"/>
+                    </a:cubicBezTo>
+                    <a:cubicBezTo>
+                      <a:pt x="432308" y="3429"/>
+                      <a:pt x="378333" y="16129"/>
+                      <a:pt x="329184" y="33909"/>
+                    </a:cubicBezTo>
+                    <a:cubicBezTo>
+                      <a:pt x="126492" y="107569"/>
+                      <a:pt x="10414" y="346456"/>
+                      <a:pt x="71501" y="552450"/>
+                    </a:cubicBezTo>
+                    <a:cubicBezTo>
+                      <a:pt x="95885" y="634492"/>
+                      <a:pt x="139065" y="703707"/>
+                      <a:pt x="201168" y="761746"/>
+                    </a:cubicBezTo>
+                    <a:cubicBezTo>
+                      <a:pt x="0" y="945261"/>
+                      <a:pt x="15875" y="1251077"/>
+                      <a:pt x="201168" y="1416939"/>
+                    </a:cubicBezTo>
+                    <a:cubicBezTo>
+                      <a:pt x="196469" y="1422019"/>
+                      <a:pt x="191897" y="1427353"/>
+                      <a:pt x="187071" y="1432306"/>
+                    </a:cubicBezTo>
+                    <a:cubicBezTo>
+                      <a:pt x="40386" y="1580388"/>
+                      <a:pt x="14224" y="1793494"/>
+                      <a:pt x="120777" y="1971167"/>
+                    </a:cubicBezTo>
+                    <a:cubicBezTo>
+                      <a:pt x="198882" y="2101342"/>
+                      <a:pt x="342265" y="2178050"/>
+                      <a:pt x="494157" y="2178050"/>
+                    </a:cubicBezTo>
+                    <a:cubicBezTo>
+                      <a:pt x="527431" y="2178050"/>
+                      <a:pt x="560959" y="2174367"/>
+                      <a:pt x="594487" y="2166747"/>
+                    </a:cubicBezTo>
+                    <a:cubicBezTo>
+                      <a:pt x="769874" y="2126996"/>
+                      <a:pt x="910463" y="1970532"/>
+                      <a:pt x="924433" y="1790573"/>
+                    </a:cubicBezTo>
+                    <a:cubicBezTo>
+                      <a:pt x="931926" y="1693799"/>
+                      <a:pt x="928116" y="1596009"/>
+                      <a:pt x="929513" y="1498727"/>
+                    </a:cubicBezTo>
+                    <a:cubicBezTo>
+                      <a:pt x="929640" y="1489583"/>
+                      <a:pt x="930402" y="1480566"/>
+                      <a:pt x="930910" y="1470152"/>
+                    </a:cubicBezTo>
+                    <a:cubicBezTo>
+                      <a:pt x="1005840" y="1508379"/>
+                      <a:pt x="1079500" y="1524889"/>
+                      <a:pt x="1148588" y="1524889"/>
+                    </a:cubicBezTo>
+                    <a:cubicBezTo>
+                      <a:pt x="1292606" y="1524889"/>
+                      <a:pt x="1416558" y="1453388"/>
+                      <a:pt x="1489964" y="1358646"/>
+                    </a:cubicBezTo>
+                    <a:cubicBezTo>
+                      <a:pt x="1556004" y="1273302"/>
+                      <a:pt x="1585595" y="1177290"/>
+                      <a:pt x="1581404" y="1069086"/>
+                    </a:cubicBezTo>
+                    <a:cubicBezTo>
+                      <a:pt x="1576705" y="946150"/>
+                      <a:pt x="1523873" y="847090"/>
+                      <a:pt x="1434719" y="760476"/>
+                    </a:cubicBezTo>
+                    <a:cubicBezTo>
+                      <a:pt x="1442720" y="753999"/>
+                      <a:pt x="1450340" y="749046"/>
+                      <a:pt x="1456436" y="742823"/>
+                    </a:cubicBezTo>
+                    <a:cubicBezTo>
+                      <a:pt x="1560703" y="636397"/>
+                      <a:pt x="1598930" y="507746"/>
+                      <a:pt x="1576324" y="362839"/>
+                    </a:cubicBezTo>
+                    <a:cubicBezTo>
+                      <a:pt x="1544320" y="157099"/>
+                      <a:pt x="1363345" y="2794"/>
+                      <a:pt x="1154684" y="1270"/>
+                    </a:cubicBezTo>
+                    <a:cubicBezTo>
+                      <a:pt x="1047369" y="508"/>
+                      <a:pt x="940181" y="0"/>
+                      <a:pt x="832866" y="0"/>
+                    </a:cubicBezTo>
+                    <a:close/>
+                  </a:path>
+                </a:pathLst>
+              </a:custGeom>
+              <a:solidFill>
+                <a:srgbClr val="00AEEF"/>
+              </a:solidFill>
+            </p:spPr>
+          </p:sp>
+          <p:sp>
+            <p:nvSpPr>
+              <p:cNvPr id="12" name="Freeform 12"/>
+              <p:cNvSpPr/>
+              <p:nvPr/>
+            </p:nvSpPr>
+            <p:spPr>
+              <a:xfrm>
+                <a:off x="63500" y="63500"/>
+                <a:ext cx="1598295" cy="2212213"/>
+              </a:xfrm>
+              <a:custGeom>
+                <a:avLst/>
+                <a:gdLst/>
+                <a:ahLst/>
+                <a:cxnLst/>
+                <a:rect l="l" t="t" r="r" b="b"/>
+                <a:pathLst>
+                  <a:path w="1598295" h="2212213">
+                    <a:moveTo>
+                      <a:pt x="0" y="2212213"/>
+                    </a:moveTo>
+                    <a:lnTo>
+                      <a:pt x="1598295" y="2212213"/>
+                    </a:lnTo>
+                    <a:lnTo>
+                      <a:pt x="1598295" y="0"/>
+                    </a:lnTo>
+                    <a:lnTo>
+                      <a:pt x="0" y="0"/>
+                    </a:lnTo>
+                    <a:close/>
+                  </a:path>
+                </a:pathLst>
+              </a:custGeom>
+              <a:solidFill>
+                <a:srgbClr val="000000">
+                  <a:alpha val="0"/>
+                </a:srgbClr>
+              </a:solidFill>
+            </p:spPr>
+          </p:sp>
+        </p:grpSp>
+        <p:grpSp>
+          <p:nvGrpSpPr>
+            <p:cNvPr id="13" name="Group 13"/>
+            <p:cNvGrpSpPr>
+              <a:grpSpLocks noChangeAspect="1"/>
+            </p:cNvGrpSpPr>
+            <p:nvPr/>
+          </p:nvGrpSpPr>
+          <p:grpSpPr>
+            <a:xfrm>
+              <a:off x="3911336" y="2924899"/>
+              <a:ext cx="2223354" cy="2223354"/>
+              <a:chOff x="0" y="0"/>
+              <a:chExt cx="2223364" cy="2223364"/>
+            </a:xfrm>
+          </p:grpSpPr>
+          <p:sp>
+            <p:nvSpPr>
+              <p:cNvPr id="14" name="Freeform 14"/>
+              <p:cNvSpPr/>
+              <p:nvPr/>
+            </p:nvSpPr>
+            <p:spPr>
+              <a:xfrm>
+                <a:off x="63500" y="63500"/>
+                <a:ext cx="2095500" cy="2095500"/>
+              </a:xfrm>
+              <a:custGeom>
+                <a:avLst/>
+                <a:gdLst/>
+                <a:ahLst/>
+                <a:cxnLst/>
+                <a:rect l="l" t="t" r="r" b="b"/>
+                <a:pathLst>
+                  <a:path w="2095500" h="2095500">
+                    <a:moveTo>
+                      <a:pt x="1047750" y="0"/>
+                    </a:moveTo>
+                    <a:cubicBezTo>
+                      <a:pt x="469138" y="0"/>
+                      <a:pt x="0" y="469138"/>
+                      <a:pt x="0" y="1047750"/>
+                    </a:cubicBezTo>
+                    <a:cubicBezTo>
+                      <a:pt x="0" y="1626362"/>
+                      <a:pt x="469138" y="2095500"/>
+                      <a:pt x="1047750" y="2095500"/>
+                    </a:cubicBezTo>
+                    <a:cubicBezTo>
+                      <a:pt x="1626362" y="2095500"/>
+                      <a:pt x="2095500" y="1626362"/>
+                      <a:pt x="2095500" y="1047750"/>
+                    </a:cubicBezTo>
+                    <a:cubicBezTo>
+                      <a:pt x="2095500" y="469138"/>
+                      <a:pt x="1626362" y="0"/>
+                      <a:pt x="1047750" y="0"/>
+                    </a:cubicBezTo>
+                    <a:close/>
+                    <a:moveTo>
+                      <a:pt x="1047750" y="2016125"/>
+                    </a:moveTo>
+                    <a:cubicBezTo>
+                      <a:pt x="512953" y="2016125"/>
+                      <a:pt x="79375" y="1582547"/>
+                      <a:pt x="79375" y="1047750"/>
+                    </a:cubicBezTo>
+                    <a:cubicBezTo>
+                      <a:pt x="79375" y="512953"/>
+                      <a:pt x="512953" y="79375"/>
+                      <a:pt x="1047750" y="79375"/>
+                    </a:cubicBezTo>
+                    <a:cubicBezTo>
+                      <a:pt x="1582547" y="79375"/>
+                      <a:pt x="2016125" y="512953"/>
+                      <a:pt x="2016125" y="1047750"/>
+                    </a:cubicBezTo>
+                    <a:cubicBezTo>
+                      <a:pt x="2016125" y="1582547"/>
+                      <a:pt x="1582547" y="2016125"/>
+                      <a:pt x="1047750" y="2016125"/>
+                    </a:cubicBezTo>
+                    <a:close/>
+                  </a:path>
+                </a:pathLst>
+              </a:custGeom>
+              <a:solidFill>
+                <a:srgbClr val="000000"/>
+              </a:solidFill>
+            </p:spPr>
+          </p:sp>
+          <p:sp>
+            <p:nvSpPr>
+              <p:cNvPr id="15" name="Freeform 15"/>
+              <p:cNvSpPr/>
+              <p:nvPr/>
+            </p:nvSpPr>
+            <p:spPr>
+              <a:xfrm>
+                <a:off x="534797" y="410972"/>
+                <a:ext cx="1151382" cy="1397889"/>
+              </a:xfrm>
+              <a:custGeom>
+                <a:avLst/>
+                <a:gdLst/>
+                <a:ahLst/>
+                <a:cxnLst/>
+                <a:rect l="l" t="t" r="r" b="b"/>
+                <a:pathLst>
+                  <a:path w="1151382" h="1397889">
+                    <a:moveTo>
+                      <a:pt x="453517" y="1213866"/>
+                    </a:moveTo>
+                    <a:cubicBezTo>
+                      <a:pt x="427228" y="1216406"/>
+                      <a:pt x="406273" y="1219327"/>
+                      <a:pt x="385191" y="1220216"/>
+                    </a:cubicBezTo>
+                    <a:cubicBezTo>
+                      <a:pt x="265684" y="1225931"/>
+                      <a:pt x="177165" y="1178687"/>
+                      <a:pt x="123444" y="1068832"/>
+                    </a:cubicBezTo>
+                    <a:cubicBezTo>
+                      <a:pt x="106299" y="1033780"/>
+                      <a:pt x="84455" y="1000760"/>
+                      <a:pt x="61722" y="969137"/>
+                    </a:cubicBezTo>
+                    <a:cubicBezTo>
+                      <a:pt x="48006" y="950087"/>
+                      <a:pt x="28829" y="934847"/>
+                      <a:pt x="11176" y="918972"/>
+                    </a:cubicBezTo>
+                    <a:lnTo>
+                      <a:pt x="10922" y="918845"/>
+                    </a:lnTo>
+                    <a:cubicBezTo>
+                      <a:pt x="0" y="909193"/>
+                      <a:pt x="4826" y="891159"/>
+                      <a:pt x="19177" y="888746"/>
+                    </a:cubicBezTo>
+                    <a:cubicBezTo>
+                      <a:pt x="36068" y="885952"/>
+                      <a:pt x="51816" y="889000"/>
+                      <a:pt x="67183" y="892810"/>
+                    </a:cubicBezTo>
+                    <a:cubicBezTo>
+                      <a:pt x="115316" y="905002"/>
+                      <a:pt x="146050" y="939165"/>
+                      <a:pt x="170688" y="979932"/>
+                    </a:cubicBezTo>
+                    <a:cubicBezTo>
+                      <a:pt x="226314" y="1072134"/>
+                      <a:pt x="322072" y="1110615"/>
+                      <a:pt x="425577" y="1083056"/>
+                    </a:cubicBezTo>
+                    <a:cubicBezTo>
+                      <a:pt x="443103" y="1078357"/>
+                      <a:pt x="450850" y="1070864"/>
+                      <a:pt x="454787" y="1051687"/>
+                    </a:cubicBezTo>
+                    <a:cubicBezTo>
+                      <a:pt x="459232" y="1029335"/>
+                      <a:pt x="465328" y="1007237"/>
+                      <a:pt x="471805" y="984885"/>
+                    </a:cubicBezTo>
+                    <a:cubicBezTo>
+                      <a:pt x="472821" y="981583"/>
+                      <a:pt x="473329" y="978154"/>
+                      <a:pt x="473710" y="974725"/>
+                    </a:cubicBezTo>
+                    <a:cubicBezTo>
+                      <a:pt x="474091" y="971296"/>
+                      <a:pt x="473964" y="967867"/>
+                      <a:pt x="473456" y="964438"/>
+                    </a:cubicBezTo>
+                    <a:cubicBezTo>
+                      <a:pt x="472948" y="961009"/>
+                      <a:pt x="472313" y="957707"/>
+                      <a:pt x="471170" y="954405"/>
+                    </a:cubicBezTo>
+                    <a:cubicBezTo>
+                      <a:pt x="470027" y="951103"/>
+                      <a:pt x="468630" y="948055"/>
+                      <a:pt x="466852" y="945007"/>
+                    </a:cubicBezTo>
+                    <a:cubicBezTo>
+                      <a:pt x="465074" y="941959"/>
+                      <a:pt x="463042" y="939292"/>
+                      <a:pt x="460756" y="936752"/>
+                    </a:cubicBezTo>
+                    <a:cubicBezTo>
+                      <a:pt x="458470" y="934212"/>
+                      <a:pt x="455930" y="931926"/>
+                      <a:pt x="453136" y="929767"/>
+                    </a:cubicBezTo>
+                    <a:cubicBezTo>
+                      <a:pt x="450342" y="927608"/>
+                      <a:pt x="447421" y="925957"/>
+                      <a:pt x="444246" y="924560"/>
+                    </a:cubicBezTo>
+                    <a:cubicBezTo>
+                      <a:pt x="441071" y="923163"/>
+                      <a:pt x="437896" y="922020"/>
+                      <a:pt x="434467" y="921258"/>
+                    </a:cubicBezTo>
+                    <a:lnTo>
+                      <a:pt x="433832" y="921131"/>
+                    </a:lnTo>
+                    <a:cubicBezTo>
+                      <a:pt x="326390" y="895477"/>
+                      <a:pt x="233553" y="847598"/>
+                      <a:pt x="173863" y="749427"/>
+                    </a:cubicBezTo>
+                    <a:cubicBezTo>
+                      <a:pt x="141859" y="696976"/>
+                      <a:pt x="126111" y="639064"/>
+                      <a:pt x="126873" y="578866"/>
+                    </a:cubicBezTo>
+                    <a:cubicBezTo>
+                      <a:pt x="127762" y="510540"/>
+                      <a:pt x="133858" y="442087"/>
+                      <a:pt x="141732" y="374015"/>
+                    </a:cubicBezTo>
+                    <a:cubicBezTo>
+                      <a:pt x="147320" y="326136"/>
+                      <a:pt x="169418" y="283845"/>
+                      <a:pt x="203835" y="249428"/>
+                    </a:cubicBezTo>
+                    <a:cubicBezTo>
+                      <a:pt x="215773" y="237490"/>
+                      <a:pt x="216789" y="227330"/>
+                      <a:pt x="211074" y="211836"/>
+                    </a:cubicBezTo>
+                    <a:cubicBezTo>
+                      <a:pt x="187325" y="148209"/>
+                      <a:pt x="191516" y="84582"/>
+                      <a:pt x="212471" y="20828"/>
+                    </a:cubicBezTo>
+                    <a:cubicBezTo>
+                      <a:pt x="218440" y="2794"/>
+                      <a:pt x="226822" y="254"/>
+                      <a:pt x="243967" y="5715"/>
+                    </a:cubicBezTo>
+                    <a:cubicBezTo>
+                      <a:pt x="297180" y="22479"/>
+                      <a:pt x="336931" y="57150"/>
+                      <a:pt x="371856" y="98552"/>
+                    </a:cubicBezTo>
+                    <a:lnTo>
+                      <a:pt x="372237" y="98933"/>
+                    </a:lnTo>
+                    <a:cubicBezTo>
+                      <a:pt x="376682" y="104140"/>
+                      <a:pt x="381635" y="108712"/>
+                      <a:pt x="387477" y="112522"/>
+                    </a:cubicBezTo>
+                    <a:cubicBezTo>
+                      <a:pt x="393319" y="116332"/>
+                      <a:pt x="399415" y="119126"/>
+                      <a:pt x="406019" y="121031"/>
+                    </a:cubicBezTo>
+                    <a:cubicBezTo>
+                      <a:pt x="412623" y="122936"/>
+                      <a:pt x="419354" y="123825"/>
+                      <a:pt x="426212" y="123698"/>
+                    </a:cubicBezTo>
+                    <a:cubicBezTo>
+                      <a:pt x="433070" y="123571"/>
+                      <a:pt x="439801" y="122428"/>
+                      <a:pt x="446278" y="120396"/>
+                    </a:cubicBezTo>
+                    <a:cubicBezTo>
+                      <a:pt x="556768" y="84201"/>
+                      <a:pt x="724281" y="83693"/>
+                      <a:pt x="828421" y="119507"/>
+                    </a:cubicBezTo>
+                    <a:cubicBezTo>
+                      <a:pt x="835025" y="121793"/>
+                      <a:pt x="841756" y="122936"/>
+                      <a:pt x="848614" y="123063"/>
+                    </a:cubicBezTo>
+                    <a:cubicBezTo>
+                      <a:pt x="855472" y="123190"/>
+                      <a:pt x="862330" y="122428"/>
+                      <a:pt x="868934" y="120523"/>
+                    </a:cubicBezTo>
+                    <a:cubicBezTo>
+                      <a:pt x="875538" y="118618"/>
+                      <a:pt x="881761" y="115824"/>
+                      <a:pt x="887603" y="112141"/>
+                    </a:cubicBezTo>
+                    <a:cubicBezTo>
+                      <a:pt x="893445" y="108458"/>
+                      <a:pt x="898525" y="103886"/>
+                      <a:pt x="902970" y="98552"/>
+                    </a:cubicBezTo>
+                    <a:lnTo>
+                      <a:pt x="903351" y="98171"/>
+                    </a:lnTo>
+                    <a:cubicBezTo>
+                      <a:pt x="938276" y="56642"/>
+                      <a:pt x="978154" y="22352"/>
+                      <a:pt x="1031367" y="5588"/>
+                    </a:cubicBezTo>
+                    <a:cubicBezTo>
+                      <a:pt x="1049274" y="0"/>
+                      <a:pt x="1056767" y="4191"/>
+                      <a:pt x="1062482" y="21590"/>
+                    </a:cubicBezTo>
+                    <a:cubicBezTo>
+                      <a:pt x="1083183" y="85344"/>
+                      <a:pt x="1086739" y="148717"/>
+                      <a:pt x="1064260" y="212979"/>
+                    </a:cubicBezTo>
+                    <a:cubicBezTo>
+                      <a:pt x="1061085" y="221996"/>
+                      <a:pt x="1061212" y="237744"/>
+                      <a:pt x="1066800" y="243459"/>
+                    </a:cubicBezTo>
+                    <a:cubicBezTo>
+                      <a:pt x="1114552" y="291846"/>
+                      <a:pt x="1135380" y="351917"/>
+                      <a:pt x="1140714" y="416941"/>
+                    </a:cubicBezTo>
+                    <a:cubicBezTo>
+                      <a:pt x="1145794" y="479806"/>
+                      <a:pt x="1151382" y="543687"/>
+                      <a:pt x="1145540" y="606171"/>
+                    </a:cubicBezTo>
+                    <a:cubicBezTo>
+                      <a:pt x="1130300" y="768477"/>
+                      <a:pt x="1031621" y="863092"/>
+                      <a:pt x="881507" y="910082"/>
+                    </a:cubicBezTo>
+                    <a:cubicBezTo>
+                      <a:pt x="868680" y="914146"/>
+                      <a:pt x="855599" y="917448"/>
+                      <a:pt x="842264" y="920623"/>
+                    </a:cubicBezTo>
+                    <a:cubicBezTo>
+                      <a:pt x="838835" y="921385"/>
+                      <a:pt x="835406" y="922655"/>
+                      <a:pt x="832231" y="924179"/>
+                    </a:cubicBezTo>
+                    <a:cubicBezTo>
+                      <a:pt x="829056" y="925703"/>
+                      <a:pt x="826008" y="927481"/>
+                      <a:pt x="823214" y="929640"/>
+                    </a:cubicBezTo>
+                    <a:cubicBezTo>
+                      <a:pt x="820420" y="931799"/>
+                      <a:pt x="817753" y="934212"/>
+                      <a:pt x="815467" y="936879"/>
+                    </a:cubicBezTo>
+                    <a:cubicBezTo>
+                      <a:pt x="813181" y="939546"/>
+                      <a:pt x="811149" y="942467"/>
+                      <a:pt x="809371" y="945642"/>
+                    </a:cubicBezTo>
+                    <a:cubicBezTo>
+                      <a:pt x="807593" y="948817"/>
+                      <a:pt x="806323" y="951992"/>
+                      <a:pt x="805307" y="955421"/>
+                    </a:cubicBezTo>
+                    <a:cubicBezTo>
+                      <a:pt x="804291" y="958850"/>
+                      <a:pt x="803656" y="962279"/>
+                      <a:pt x="803275" y="965835"/>
+                    </a:cubicBezTo>
+                    <a:cubicBezTo>
+                      <a:pt x="802894" y="969391"/>
+                      <a:pt x="803021" y="972947"/>
+                      <a:pt x="803529" y="976503"/>
+                    </a:cubicBezTo>
+                    <a:cubicBezTo>
+                      <a:pt x="804037" y="980059"/>
+                      <a:pt x="804799" y="983488"/>
+                      <a:pt x="805942" y="986790"/>
+                    </a:cubicBezTo>
+                    <a:cubicBezTo>
+                      <a:pt x="826389" y="1046099"/>
+                      <a:pt x="823214" y="1109345"/>
+                      <a:pt x="822960" y="1172210"/>
+                    </a:cubicBezTo>
+                    <a:cubicBezTo>
+                      <a:pt x="822833" y="1186688"/>
+                      <a:pt x="822833" y="1201166"/>
+                      <a:pt x="822833" y="1215644"/>
+                    </a:cubicBezTo>
+                    <a:cubicBezTo>
+                      <a:pt x="822833" y="1227582"/>
+                      <a:pt x="821563" y="1239520"/>
+                      <a:pt x="819277" y="1251204"/>
+                    </a:cubicBezTo>
+                    <a:cubicBezTo>
+                      <a:pt x="816991" y="1262888"/>
+                      <a:pt x="813435" y="1274318"/>
+                      <a:pt x="808863" y="1285367"/>
+                    </a:cubicBezTo>
+                    <a:cubicBezTo>
+                      <a:pt x="804291" y="1296416"/>
+                      <a:pt x="798576" y="1306957"/>
+                      <a:pt x="791972" y="1316863"/>
+                    </a:cubicBezTo>
+                    <a:cubicBezTo>
+                      <a:pt x="785368" y="1326769"/>
+                      <a:pt x="777748" y="1336040"/>
+                      <a:pt x="769239" y="1344422"/>
+                    </a:cubicBezTo>
+                    <a:cubicBezTo>
+                      <a:pt x="760730" y="1352804"/>
+                      <a:pt x="751586" y="1360424"/>
+                      <a:pt x="741553" y="1367028"/>
+                    </a:cubicBezTo>
+                    <a:cubicBezTo>
+                      <a:pt x="731520" y="1373632"/>
+                      <a:pt x="721106" y="1379220"/>
+                      <a:pt x="710057" y="1383919"/>
+                    </a:cubicBezTo>
+                    <a:cubicBezTo>
+                      <a:pt x="699008" y="1388618"/>
+                      <a:pt x="687578" y="1391920"/>
+                      <a:pt x="675894" y="1394333"/>
+                    </a:cubicBezTo>
+                    <a:cubicBezTo>
+                      <a:pt x="664210" y="1396746"/>
+                      <a:pt x="652272" y="1397889"/>
+                      <a:pt x="640334" y="1397889"/>
+                    </a:cubicBezTo>
+                    <a:lnTo>
+                      <a:pt x="636143" y="1397889"/>
+                    </a:lnTo>
+                    <a:cubicBezTo>
+                      <a:pt x="624205" y="1397889"/>
+                      <a:pt x="612267" y="1396746"/>
+                      <a:pt x="600456" y="1394333"/>
+                    </a:cubicBezTo>
+                    <a:cubicBezTo>
+                      <a:pt x="588645" y="1391920"/>
+                      <a:pt x="577215" y="1388491"/>
+                      <a:pt x="566166" y="1383919"/>
+                    </a:cubicBezTo>
+                    <a:cubicBezTo>
+                      <a:pt x="555117" y="1379347"/>
+                      <a:pt x="544576" y="1373759"/>
+                      <a:pt x="534543" y="1367028"/>
+                    </a:cubicBezTo>
+                    <a:cubicBezTo>
+                      <a:pt x="524510" y="1360297"/>
+                      <a:pt x="515366" y="1352804"/>
+                      <a:pt x="506857" y="1344295"/>
+                    </a:cubicBezTo>
+                    <a:cubicBezTo>
+                      <a:pt x="498348" y="1335786"/>
+                      <a:pt x="490855" y="1326642"/>
+                      <a:pt x="484124" y="1316609"/>
+                    </a:cubicBezTo>
+                    <a:cubicBezTo>
+                      <a:pt x="477393" y="1306576"/>
+                      <a:pt x="471805" y="1296162"/>
+                      <a:pt x="467233" y="1284986"/>
+                    </a:cubicBezTo>
+                    <a:cubicBezTo>
+                      <a:pt x="462661" y="1273810"/>
+                      <a:pt x="459232" y="1262507"/>
+                      <a:pt x="456819" y="1250696"/>
+                    </a:cubicBezTo>
+                    <a:cubicBezTo>
+                      <a:pt x="454406" y="1238885"/>
+                      <a:pt x="453263" y="1227074"/>
+                      <a:pt x="453263" y="1215009"/>
+                    </a:cubicBezTo>
+                    <a:lnTo>
+                      <a:pt x="453263" y="1213866"/>
+                    </a:lnTo>
+                    <a:close/>
+                  </a:path>
+                </a:pathLst>
+              </a:custGeom>
+              <a:solidFill>
+                <a:srgbClr val="000000"/>
+              </a:solidFill>
+            </p:spPr>
+          </p:sp>
+          <p:sp>
+            <p:nvSpPr>
+              <p:cNvPr id="16" name="Freeform 16"/>
+              <p:cNvSpPr/>
+              <p:nvPr/>
+            </p:nvSpPr>
+            <p:spPr>
+              <a:xfrm>
+                <a:off x="63500" y="63500"/>
+                <a:ext cx="2096389" cy="2096389"/>
+              </a:xfrm>
+              <a:custGeom>
+                <a:avLst/>
+                <a:gdLst/>
+                <a:ahLst/>
+                <a:cxnLst/>
+                <a:rect l="l" t="t" r="r" b="b"/>
+                <a:pathLst>
+                  <a:path w="2096389" h="2096389">
+                    <a:moveTo>
+                      <a:pt x="0" y="2096389"/>
+                    </a:moveTo>
+                    <a:lnTo>
+                      <a:pt x="2096389" y="2096389"/>
+                    </a:lnTo>
+                    <a:lnTo>
+                      <a:pt x="2096389" y="0"/>
+                    </a:lnTo>
+                    <a:lnTo>
+                      <a:pt x="0" y="0"/>
+                    </a:lnTo>
+                    <a:close/>
+                  </a:path>
+                </a:pathLst>
+              </a:custGeom>
+              <a:solidFill>
+                <a:srgbClr val="000000">
+                  <a:alpha val="0"/>
+                </a:srgbClr>
+              </a:solidFill>
+            </p:spPr>
+          </p:sp>
+        </p:grpSp>
         <p:sp>
           <p:nvSpPr>
-            <p:cNvPr id="3" name="Freeform 3"/>
+            <p:cNvPr id="17" name="Freeform 17"/>
             <p:cNvSpPr/>
             <p:nvPr/>
           </p:nvSpPr>
           <p:spPr>
             <a:xfrm>
-              <a:off x="63500" y="63500"/>
-              <a:ext cx="1905000" cy="1905000"/>
+              <a:off x="8550602" y="0"/>
+              <a:ext cx="9737398" cy="10248900"/>
             </a:xfrm>
             <a:custGeom>
               <a:avLst/>
@@ -8467,785 +11647,18 @@
               <a:cxnLst/>
               <a:rect l="l" t="t" r="r" b="b"/>
               <a:pathLst>
-                <a:path w="1905000" h="1905000">
+                <a:path w="9737398" h="10413121">
                   <a:moveTo>
-                    <a:pt x="1905000" y="952500"/>
-                  </a:moveTo>
-                  <a:cubicBezTo>
-                    <a:pt x="1905000" y="1478534"/>
-                    <a:pt x="1478534" y="1905000"/>
-                    <a:pt x="952500" y="1905000"/>
-                  </a:cubicBezTo>
-                  <a:cubicBezTo>
-                    <a:pt x="426466" y="1905000"/>
-                    <a:pt x="0" y="1478534"/>
-                    <a:pt x="0" y="952500"/>
-                  </a:cubicBezTo>
-                  <a:cubicBezTo>
-                    <a:pt x="0" y="426466"/>
-                    <a:pt x="426466" y="0"/>
-                    <a:pt x="952500" y="0"/>
-                  </a:cubicBezTo>
-                  <a:cubicBezTo>
-                    <a:pt x="1478534" y="0"/>
-                    <a:pt x="1905000" y="426466"/>
-                    <a:pt x="1905000" y="952500"/>
-                  </a:cubicBezTo>
-                </a:path>
-              </a:pathLst>
-            </a:custGeom>
-            <a:solidFill>
-              <a:srgbClr val="4FC4C9"/>
-            </a:solidFill>
-          </p:spPr>
-        </p:sp>
-        <p:sp>
-          <p:nvSpPr>
-            <p:cNvPr id="4" name="Freeform 4"/>
-            <p:cNvSpPr/>
-            <p:nvPr/>
-          </p:nvSpPr>
-          <p:spPr>
-            <a:xfrm>
-              <a:off x="301371" y="678688"/>
-              <a:ext cx="435483" cy="579755"/>
-            </a:xfrm>
-            <a:custGeom>
-              <a:avLst/>
-              <a:gdLst/>
-              <a:ahLst/>
-              <a:cxnLst/>
-              <a:rect l="l" t="t" r="r" b="b"/>
-              <a:pathLst>
-                <a:path w="435483" h="579755">
-                  <a:moveTo>
-                    <a:pt x="414274" y="444119"/>
-                  </a:moveTo>
-                  <a:cubicBezTo>
-                    <a:pt x="390906" y="475361"/>
-                    <a:pt x="360426" y="509143"/>
-                    <a:pt x="320294" y="534797"/>
-                  </a:cubicBezTo>
-                  <a:cubicBezTo>
-                    <a:pt x="280924" y="559689"/>
-                    <a:pt x="236728" y="579755"/>
-                    <a:pt x="184658" y="579755"/>
-                  </a:cubicBezTo>
-                  <a:cubicBezTo>
-                    <a:pt x="136525" y="579755"/>
-                    <a:pt x="95631" y="554101"/>
-                    <a:pt x="73025" y="533273"/>
-                  </a:cubicBezTo>
-                  <a:cubicBezTo>
-                    <a:pt x="39497" y="502031"/>
-                    <a:pt x="21717" y="455422"/>
-                    <a:pt x="16510" y="413004"/>
-                  </a:cubicBezTo>
-                  <a:cubicBezTo>
-                    <a:pt x="0" y="279019"/>
-                    <a:pt x="81915" y="103378"/>
-                    <a:pt x="208915" y="26416"/>
-                  </a:cubicBezTo>
-                  <a:cubicBezTo>
-                    <a:pt x="237998" y="8763"/>
-                    <a:pt x="270637" y="0"/>
-                    <a:pt x="300355" y="0"/>
-                  </a:cubicBezTo>
-                  <a:cubicBezTo>
-                    <a:pt x="361315" y="0"/>
-                    <a:pt x="406781" y="43434"/>
-                    <a:pt x="413131" y="95250"/>
-                  </a:cubicBezTo>
-                  <a:cubicBezTo>
-                    <a:pt x="418846" y="141986"/>
-                    <a:pt x="400177" y="182372"/>
-                    <a:pt x="347980" y="208661"/>
-                  </a:cubicBezTo>
-                  <a:cubicBezTo>
-                    <a:pt x="321437" y="221996"/>
-                    <a:pt x="308229" y="221361"/>
-                    <a:pt x="304038" y="215011"/>
-                  </a:cubicBezTo>
-                  <a:cubicBezTo>
-                    <a:pt x="301244" y="210693"/>
-                    <a:pt x="302768" y="203581"/>
-                    <a:pt x="308229" y="199136"/>
-                  </a:cubicBezTo>
-                  <a:cubicBezTo>
-                    <a:pt x="357124" y="158369"/>
-                    <a:pt x="358140" y="124968"/>
-                    <a:pt x="352298" y="77851"/>
-                  </a:cubicBezTo>
-                  <a:cubicBezTo>
-                    <a:pt x="348615" y="47498"/>
-                    <a:pt x="328549" y="28067"/>
-                    <a:pt x="306070" y="28067"/>
-                  </a:cubicBezTo>
-                  <a:cubicBezTo>
-                    <a:pt x="209804" y="28067"/>
-                    <a:pt x="71755" y="243078"/>
-                    <a:pt x="90932" y="399542"/>
-                  </a:cubicBezTo>
-                  <a:cubicBezTo>
-                    <a:pt x="98425" y="460502"/>
-                    <a:pt x="136017" y="531114"/>
-                    <a:pt x="212979" y="531114"/>
-                  </a:cubicBezTo>
-                  <a:cubicBezTo>
-                    <a:pt x="238633" y="531114"/>
-                    <a:pt x="265811" y="523875"/>
-                    <a:pt x="290068" y="511810"/>
-                  </a:cubicBezTo>
-                  <a:cubicBezTo>
-                    <a:pt x="343662" y="484505"/>
-                    <a:pt x="367665" y="464566"/>
-                    <a:pt x="399923" y="420370"/>
-                  </a:cubicBezTo>
-                  <a:cubicBezTo>
-                    <a:pt x="404114" y="414782"/>
-                    <a:pt x="408051" y="408305"/>
-                    <a:pt x="412877" y="401955"/>
-                  </a:cubicBezTo>
-                  <a:cubicBezTo>
-                    <a:pt x="416179" y="396367"/>
-                    <a:pt x="420878" y="394716"/>
-                    <a:pt x="424815" y="394716"/>
-                  </a:cubicBezTo>
-                  <a:cubicBezTo>
-                    <a:pt x="429641" y="394716"/>
-                    <a:pt x="434086" y="398780"/>
-                    <a:pt x="434848" y="405130"/>
-                  </a:cubicBezTo>
-                  <a:cubicBezTo>
-                    <a:pt x="435483" y="409956"/>
-                    <a:pt x="433959" y="417195"/>
-                    <a:pt x="428371" y="424307"/>
-                  </a:cubicBezTo>
-                  <a:cubicBezTo>
-                    <a:pt x="423545" y="430784"/>
-                    <a:pt x="418846" y="437896"/>
-                    <a:pt x="414020" y="444373"/>
-                  </a:cubicBezTo>
-                </a:path>
-              </a:pathLst>
-            </a:custGeom>
-            <a:solidFill>
-              <a:srgbClr val="FFFFFF"/>
-            </a:solidFill>
-          </p:spPr>
-        </p:sp>
-        <p:sp>
-          <p:nvSpPr>
-            <p:cNvPr id="5" name="Freeform 5"/>
-            <p:cNvSpPr/>
-            <p:nvPr/>
-          </p:nvSpPr>
-          <p:spPr>
-            <a:xfrm>
-              <a:off x="673100" y="960628"/>
-              <a:ext cx="341757" cy="240792"/>
-            </a:xfrm>
-            <a:custGeom>
-              <a:avLst/>
-              <a:gdLst/>
-              <a:ahLst/>
-              <a:cxnLst/>
-              <a:rect l="l" t="t" r="r" b="b"/>
-              <a:pathLst>
-                <a:path w="341757" h="240792">
-                  <a:moveTo>
-                    <a:pt x="188087" y="240665"/>
-                  </a:moveTo>
-                  <a:cubicBezTo>
-                    <a:pt x="164084" y="240665"/>
-                    <a:pt x="150368" y="227838"/>
-                    <a:pt x="145669" y="208534"/>
-                  </a:cubicBezTo>
-                  <a:cubicBezTo>
-                    <a:pt x="129794" y="229362"/>
-                    <a:pt x="108712" y="240665"/>
-                    <a:pt x="86233" y="240665"/>
-                  </a:cubicBezTo>
-                  <a:cubicBezTo>
-                    <a:pt x="49276" y="240665"/>
-                    <a:pt x="14224" y="209423"/>
-                    <a:pt x="9017" y="167640"/>
-                  </a:cubicBezTo>
-                  <a:cubicBezTo>
-                    <a:pt x="0" y="94615"/>
-                    <a:pt x="63119" y="0"/>
-                    <a:pt x="157734" y="0"/>
-                  </a:cubicBezTo>
-                  <a:cubicBezTo>
-                    <a:pt x="197866" y="0"/>
-                    <a:pt x="231140" y="16002"/>
-                    <a:pt x="235077" y="48133"/>
-                  </a:cubicBezTo>
-                  <a:cubicBezTo>
-                    <a:pt x="240030" y="88265"/>
-                    <a:pt x="205740" y="96266"/>
-                    <a:pt x="192913" y="96266"/>
-                  </a:cubicBezTo>
-                  <a:cubicBezTo>
-                    <a:pt x="181737" y="96266"/>
-                    <a:pt x="163576" y="93091"/>
-                    <a:pt x="162306" y="82677"/>
-                  </a:cubicBezTo>
-                  <a:cubicBezTo>
-                    <a:pt x="160909" y="71501"/>
-                    <a:pt x="186563" y="77851"/>
-                    <a:pt x="183388" y="52197"/>
-                  </a:cubicBezTo>
-                  <a:cubicBezTo>
-                    <a:pt x="181483" y="36195"/>
-                    <a:pt x="164719" y="30607"/>
-                    <a:pt x="148717" y="30607"/>
-                  </a:cubicBezTo>
-                  <a:cubicBezTo>
-                    <a:pt x="90932" y="30607"/>
-                    <a:pt x="59055" y="110871"/>
-                    <a:pt x="65151" y="160528"/>
-                  </a:cubicBezTo>
-                  <a:cubicBezTo>
-                    <a:pt x="67945" y="183007"/>
-                    <a:pt x="79502" y="205486"/>
-                    <a:pt x="100330" y="205486"/>
-                  </a:cubicBezTo>
-                  <a:cubicBezTo>
-                    <a:pt x="117221" y="205486"/>
-                    <a:pt x="141478" y="181483"/>
-                    <a:pt x="150749" y="146177"/>
-                  </a:cubicBezTo>
-                  <a:cubicBezTo>
-                    <a:pt x="156591" y="122174"/>
-                    <a:pt x="179451" y="106045"/>
-                    <a:pt x="196342" y="106045"/>
-                  </a:cubicBezTo>
-                  <a:cubicBezTo>
-                    <a:pt x="205232" y="106045"/>
-                    <a:pt x="211328" y="110109"/>
-                    <a:pt x="212344" y="118872"/>
-                  </a:cubicBezTo>
-                  <a:cubicBezTo>
-                    <a:pt x="212725" y="122047"/>
-                    <a:pt x="212471" y="126111"/>
-                    <a:pt x="211455" y="130937"/>
-                  </a:cubicBezTo>
-                  <a:cubicBezTo>
-                    <a:pt x="209550" y="141351"/>
-                    <a:pt x="201549" y="176022"/>
-                    <a:pt x="201803" y="183261"/>
-                  </a:cubicBezTo>
-                  <a:cubicBezTo>
-                    <a:pt x="202057" y="189484"/>
-                    <a:pt x="205740" y="198120"/>
-                    <a:pt x="216662" y="198120"/>
-                  </a:cubicBezTo>
-                  <a:cubicBezTo>
-                    <a:pt x="228727" y="198120"/>
-                    <a:pt x="285496" y="165100"/>
-                    <a:pt x="318516" y="120142"/>
-                  </a:cubicBezTo>
-                  <a:cubicBezTo>
-                    <a:pt x="321183" y="116078"/>
-                    <a:pt x="326517" y="113665"/>
-                    <a:pt x="331343" y="113665"/>
-                  </a:cubicBezTo>
-                  <a:cubicBezTo>
-                    <a:pt x="336169" y="113665"/>
-                    <a:pt x="340487" y="116078"/>
-                    <a:pt x="341122" y="121666"/>
-                  </a:cubicBezTo>
-                  <a:cubicBezTo>
-                    <a:pt x="341757" y="127254"/>
-                    <a:pt x="339471" y="134493"/>
-                    <a:pt x="332740" y="144145"/>
-                  </a:cubicBezTo>
-                  <a:cubicBezTo>
-                    <a:pt x="295021" y="196215"/>
-                    <a:pt x="216154" y="240792"/>
-                    <a:pt x="188087" y="240792"/>
-                  </a:cubicBezTo>
-                </a:path>
-              </a:pathLst>
-            </a:custGeom>
-            <a:solidFill>
-              <a:srgbClr val="FFFFFF"/>
-            </a:solidFill>
-          </p:spPr>
-        </p:sp>
-        <p:sp>
-          <p:nvSpPr>
-            <p:cNvPr id="6" name="Freeform 6"/>
-            <p:cNvSpPr/>
-            <p:nvPr/>
-          </p:nvSpPr>
-          <p:spPr>
-            <a:xfrm>
-              <a:off x="1457579" y="960628"/>
-              <a:ext cx="240792" cy="282448"/>
-            </a:xfrm>
-            <a:custGeom>
-              <a:avLst/>
-              <a:gdLst/>
-              <a:ahLst/>
-              <a:cxnLst/>
-              <a:rect l="l" t="t" r="r" b="b"/>
-              <a:pathLst>
-                <a:path w="240792" h="282448">
-                  <a:moveTo>
-                    <a:pt x="200025" y="213487"/>
-                  </a:moveTo>
-                  <a:cubicBezTo>
-                    <a:pt x="202819" y="236728"/>
-                    <a:pt x="213614" y="251968"/>
-                    <a:pt x="223520" y="260731"/>
-                  </a:cubicBezTo>
-                  <a:cubicBezTo>
-                    <a:pt x="227076" y="263906"/>
-                    <a:pt x="229235" y="267970"/>
-                    <a:pt x="229489" y="270383"/>
-                  </a:cubicBezTo>
-                  <a:cubicBezTo>
-                    <a:pt x="230251" y="276860"/>
-                    <a:pt x="225298" y="282448"/>
-                    <a:pt x="217297" y="282448"/>
-                  </a:cubicBezTo>
-                  <a:cubicBezTo>
-                    <a:pt x="214884" y="282448"/>
-                    <a:pt x="211709" y="282448"/>
-                    <a:pt x="209042" y="280797"/>
-                  </a:cubicBezTo>
-                  <a:cubicBezTo>
-                    <a:pt x="167640" y="263906"/>
-                    <a:pt x="150622" y="235839"/>
-                    <a:pt x="145669" y="209423"/>
-                  </a:cubicBezTo>
-                  <a:cubicBezTo>
-                    <a:pt x="129667" y="229489"/>
-                    <a:pt x="108585" y="240665"/>
-                    <a:pt x="86995" y="240665"/>
-                  </a:cubicBezTo>
-                  <a:cubicBezTo>
-                    <a:pt x="50038" y="240665"/>
-                    <a:pt x="14097" y="208534"/>
-                    <a:pt x="8890" y="166878"/>
-                  </a:cubicBezTo>
-                  <a:cubicBezTo>
-                    <a:pt x="0" y="94742"/>
-                    <a:pt x="65405" y="0"/>
-                    <a:pt x="158496" y="0"/>
-                  </a:cubicBezTo>
-                  <a:cubicBezTo>
-                    <a:pt x="197866" y="0"/>
-                    <a:pt x="231775" y="15240"/>
-                    <a:pt x="235712" y="47371"/>
-                  </a:cubicBezTo>
-                  <a:cubicBezTo>
-                    <a:pt x="240792" y="88265"/>
-                    <a:pt x="205613" y="96266"/>
-                    <a:pt x="193675" y="96266"/>
-                  </a:cubicBezTo>
-                  <a:cubicBezTo>
-                    <a:pt x="181737" y="96266"/>
-                    <a:pt x="163576" y="93091"/>
-                    <a:pt x="162306" y="82677"/>
-                  </a:cubicBezTo>
-                  <a:cubicBezTo>
-                    <a:pt x="161036" y="72263"/>
-                    <a:pt x="187325" y="77851"/>
-                    <a:pt x="184277" y="52959"/>
-                  </a:cubicBezTo>
-                  <a:cubicBezTo>
-                    <a:pt x="182372" y="36957"/>
-                    <a:pt x="165481" y="30480"/>
-                    <a:pt x="149479" y="30480"/>
-                  </a:cubicBezTo>
-                  <a:cubicBezTo>
-                    <a:pt x="95758" y="30480"/>
-                    <a:pt x="58801" y="101854"/>
-                    <a:pt x="65913" y="159639"/>
-                  </a:cubicBezTo>
-                  <a:cubicBezTo>
-                    <a:pt x="68834" y="182880"/>
-                    <a:pt x="79502" y="205359"/>
-                    <a:pt x="100457" y="205359"/>
-                  </a:cubicBezTo>
-                  <a:cubicBezTo>
-                    <a:pt x="117348" y="205359"/>
-                    <a:pt x="142367" y="181356"/>
-                    <a:pt x="151765" y="146050"/>
-                  </a:cubicBezTo>
-                  <a:cubicBezTo>
-                    <a:pt x="157734" y="122809"/>
-                    <a:pt x="180467" y="105918"/>
-                    <a:pt x="197358" y="105918"/>
-                  </a:cubicBezTo>
-                  <a:cubicBezTo>
-                    <a:pt x="205359" y="105918"/>
-                    <a:pt x="212344" y="109982"/>
-                    <a:pt x="213487" y="119507"/>
-                  </a:cubicBezTo>
-                  <a:cubicBezTo>
-                    <a:pt x="214122" y="124333"/>
-                    <a:pt x="212217" y="134747"/>
-                    <a:pt x="203200" y="172466"/>
-                  </a:cubicBezTo>
-                  <a:cubicBezTo>
-                    <a:pt x="199517" y="188468"/>
-                    <a:pt x="198755" y="202184"/>
-                    <a:pt x="200152" y="213360"/>
-                  </a:cubicBezTo>
-                </a:path>
-              </a:pathLst>
-            </a:custGeom>
-            <a:solidFill>
-              <a:srgbClr val="FFFFFF"/>
-            </a:solidFill>
-          </p:spPr>
-        </p:sp>
-        <p:sp>
-          <p:nvSpPr>
-            <p:cNvPr id="7" name="Freeform 7"/>
-            <p:cNvSpPr/>
-            <p:nvPr/>
-          </p:nvSpPr>
-          <p:spPr>
-            <a:xfrm>
-              <a:off x="946531" y="960628"/>
-              <a:ext cx="323469" cy="240665"/>
-            </a:xfrm>
-            <a:custGeom>
-              <a:avLst/>
-              <a:gdLst/>
-              <a:ahLst/>
-              <a:cxnLst/>
-              <a:rect l="l" t="t" r="r" b="b"/>
-              <a:pathLst>
-                <a:path w="323469" h="240665">
-                  <a:moveTo>
-                    <a:pt x="211709" y="198882"/>
-                  </a:moveTo>
-                  <a:cubicBezTo>
-                    <a:pt x="224536" y="198882"/>
-                    <a:pt x="266319" y="182880"/>
-                    <a:pt x="299339" y="137922"/>
-                  </a:cubicBezTo>
-                  <a:cubicBezTo>
-                    <a:pt x="302895" y="133858"/>
-                    <a:pt x="307340" y="131572"/>
-                    <a:pt x="312166" y="131572"/>
-                  </a:cubicBezTo>
-                  <a:cubicBezTo>
-                    <a:pt x="317754" y="131572"/>
-                    <a:pt x="322072" y="133985"/>
-                    <a:pt x="322961" y="140462"/>
-                  </a:cubicBezTo>
-                  <a:cubicBezTo>
-                    <a:pt x="323469" y="145288"/>
-                    <a:pt x="320421" y="152527"/>
-                    <a:pt x="313563" y="162052"/>
-                  </a:cubicBezTo>
-                  <a:cubicBezTo>
-                    <a:pt x="275844" y="214249"/>
-                    <a:pt x="212217" y="240665"/>
-                    <a:pt x="184150" y="240665"/>
-                  </a:cubicBezTo>
-                  <a:cubicBezTo>
-                    <a:pt x="155194" y="240665"/>
-                    <a:pt x="139446" y="223012"/>
-                    <a:pt x="136271" y="196596"/>
-                  </a:cubicBezTo>
-                  <a:cubicBezTo>
-                    <a:pt x="135128" y="187706"/>
-                    <a:pt x="135509" y="177419"/>
-                    <a:pt x="137287" y="166116"/>
-                  </a:cubicBezTo>
-                  <a:cubicBezTo>
-                    <a:pt x="146812" y="106680"/>
-                    <a:pt x="168783" y="69850"/>
-                    <a:pt x="167386" y="58547"/>
-                  </a:cubicBezTo>
-                  <a:cubicBezTo>
-                    <a:pt x="167005" y="55372"/>
-                    <a:pt x="165227" y="53721"/>
-                    <a:pt x="162814" y="53721"/>
-                  </a:cubicBezTo>
-                  <a:cubicBezTo>
-                    <a:pt x="144399" y="53721"/>
-                    <a:pt x="79629" y="120269"/>
-                    <a:pt x="69723" y="164465"/>
-                  </a:cubicBezTo>
-                  <a:lnTo>
-                    <a:pt x="61976" y="199771"/>
-                  </a:lnTo>
-                  <a:cubicBezTo>
-                    <a:pt x="57023" y="224663"/>
-                    <a:pt x="32512" y="240665"/>
-                    <a:pt x="15621" y="240665"/>
-                  </a:cubicBezTo>
-                  <a:cubicBezTo>
-                    <a:pt x="7620" y="240665"/>
-                    <a:pt x="1524" y="236601"/>
-                    <a:pt x="381" y="227838"/>
-                  </a:cubicBezTo>
-                  <a:cubicBezTo>
-                    <a:pt x="0" y="224663"/>
-                    <a:pt x="254" y="220599"/>
-                    <a:pt x="1397" y="215773"/>
-                  </a:cubicBezTo>
-                  <a:cubicBezTo>
-                    <a:pt x="1397" y="215773"/>
-                    <a:pt x="33401" y="51308"/>
-                    <a:pt x="34925" y="43434"/>
-                  </a:cubicBezTo>
-                  <a:cubicBezTo>
-                    <a:pt x="38481" y="24130"/>
-                    <a:pt x="45466" y="4191"/>
-                    <a:pt x="84709" y="4191"/>
-                  </a:cubicBezTo>
-                  <a:cubicBezTo>
-                    <a:pt x="92710" y="4191"/>
-                    <a:pt x="98806" y="8255"/>
-                    <a:pt x="100076" y="17780"/>
-                  </a:cubicBezTo>
-                  <a:cubicBezTo>
-                    <a:pt x="100457" y="20955"/>
-                    <a:pt x="100203" y="25019"/>
-                    <a:pt x="99187" y="29845"/>
-                  </a:cubicBezTo>
-                  <a:lnTo>
-                    <a:pt x="88265" y="79375"/>
-                  </a:lnTo>
-                  <a:cubicBezTo>
-                    <a:pt x="122682" y="33655"/>
-                    <a:pt x="176403" y="0"/>
-                    <a:pt x="208407" y="0"/>
-                  </a:cubicBezTo>
-                  <a:cubicBezTo>
-                    <a:pt x="221996" y="0"/>
-                    <a:pt x="232537" y="7239"/>
-                    <a:pt x="234315" y="21717"/>
-                  </a:cubicBezTo>
-                  <a:cubicBezTo>
-                    <a:pt x="235331" y="29718"/>
-                    <a:pt x="232918" y="43307"/>
-                    <a:pt x="227584" y="58547"/>
-                  </a:cubicBezTo>
-                  <a:cubicBezTo>
-                    <a:pt x="216154" y="89789"/>
-                    <a:pt x="203327" y="136779"/>
-                    <a:pt x="194818" y="177292"/>
-                  </a:cubicBezTo>
-                  <a:cubicBezTo>
-                    <a:pt x="193040" y="185928"/>
-                    <a:pt x="195961" y="198882"/>
-                    <a:pt x="211836" y="198882"/>
-                  </a:cubicBezTo>
-                </a:path>
-              </a:pathLst>
-            </a:custGeom>
-            <a:solidFill>
-              <a:srgbClr val="FFFFFF"/>
-            </a:solidFill>
-          </p:spPr>
-        </p:sp>
-        <p:sp>
-          <p:nvSpPr>
-            <p:cNvPr id="8" name="Freeform 8"/>
-            <p:cNvSpPr/>
-            <p:nvPr/>
-          </p:nvSpPr>
-          <p:spPr>
-            <a:xfrm>
-              <a:off x="1243711" y="910082"/>
-              <a:ext cx="271907" cy="291211"/>
-            </a:xfrm>
-            <a:custGeom>
-              <a:avLst/>
-              <a:gdLst/>
-              <a:ahLst/>
-              <a:cxnLst/>
-              <a:rect l="l" t="t" r="r" b="b"/>
-              <a:pathLst>
-                <a:path w="271907" h="291211">
-                  <a:moveTo>
-                    <a:pt x="133985" y="57785"/>
-                  </a:moveTo>
-                  <a:cubicBezTo>
-                    <a:pt x="133985" y="80264"/>
-                    <a:pt x="145161" y="103505"/>
-                    <a:pt x="159639" y="118745"/>
-                  </a:cubicBezTo>
-                  <a:cubicBezTo>
-                    <a:pt x="165227" y="103505"/>
-                    <a:pt x="168529" y="88265"/>
-                    <a:pt x="168529" y="73025"/>
-                  </a:cubicBezTo>
-                  <a:cubicBezTo>
-                    <a:pt x="168529" y="44196"/>
-                    <a:pt x="157353" y="31369"/>
-                    <a:pt x="148463" y="31369"/>
-                  </a:cubicBezTo>
-                  <a:cubicBezTo>
-                    <a:pt x="138049" y="31369"/>
-                    <a:pt x="133985" y="45847"/>
-                    <a:pt x="133985" y="57785"/>
-                  </a:cubicBezTo>
-                  <a:close/>
-                  <a:moveTo>
-                    <a:pt x="182880" y="178054"/>
-                  </a:moveTo>
-                  <a:cubicBezTo>
-                    <a:pt x="178054" y="178054"/>
-                    <a:pt x="173990" y="178054"/>
-                    <a:pt x="169164" y="177292"/>
-                  </a:cubicBezTo>
-                  <a:cubicBezTo>
-                    <a:pt x="133096" y="229362"/>
-                    <a:pt x="95377" y="265557"/>
-                    <a:pt x="66548" y="281559"/>
-                  </a:cubicBezTo>
-                  <a:cubicBezTo>
-                    <a:pt x="54483" y="288036"/>
-                    <a:pt x="43307" y="291211"/>
-                    <a:pt x="35306" y="291211"/>
-                  </a:cubicBezTo>
-                  <a:cubicBezTo>
-                    <a:pt x="28829" y="291211"/>
-                    <a:pt x="21590" y="289687"/>
-                    <a:pt x="18415" y="283972"/>
-                  </a:cubicBezTo>
-                  <a:cubicBezTo>
-                    <a:pt x="5588" y="262382"/>
-                    <a:pt x="0" y="218186"/>
-                    <a:pt x="0" y="172466"/>
-                  </a:cubicBezTo>
-                  <a:cubicBezTo>
-                    <a:pt x="0" y="138811"/>
-                    <a:pt x="2413" y="111506"/>
-                    <a:pt x="8763" y="91440"/>
-                  </a:cubicBezTo>
-                  <a:cubicBezTo>
-                    <a:pt x="15240" y="70612"/>
-                    <a:pt x="41656" y="50546"/>
-                    <a:pt x="59309" y="50546"/>
-                  </a:cubicBezTo>
-                  <a:cubicBezTo>
-                    <a:pt x="68199" y="50546"/>
-                    <a:pt x="74549" y="55372"/>
-                    <a:pt x="74549" y="65024"/>
-                  </a:cubicBezTo>
-                  <a:cubicBezTo>
-                    <a:pt x="74549" y="68199"/>
-                    <a:pt x="73787" y="72263"/>
-                    <a:pt x="72136" y="76200"/>
-                  </a:cubicBezTo>
-                  <a:cubicBezTo>
-                    <a:pt x="60071" y="111506"/>
-                    <a:pt x="53721" y="144399"/>
-                    <a:pt x="53721" y="177292"/>
-                  </a:cubicBezTo>
-                  <a:cubicBezTo>
-                    <a:pt x="53721" y="195707"/>
-                    <a:pt x="57785" y="225425"/>
-                    <a:pt x="61722" y="240665"/>
-                  </a:cubicBezTo>
-                  <a:cubicBezTo>
-                    <a:pt x="62611" y="243840"/>
-                    <a:pt x="63373" y="247142"/>
-                    <a:pt x="66548" y="247142"/>
-                  </a:cubicBezTo>
-                  <a:cubicBezTo>
-                    <a:pt x="72136" y="247142"/>
-                    <a:pt x="109855" y="210185"/>
-                    <a:pt x="137160" y="165227"/>
-                  </a:cubicBezTo>
-                  <a:cubicBezTo>
-                    <a:pt x="113157" y="149987"/>
-                    <a:pt x="99441" y="121920"/>
-                    <a:pt x="99441" y="87376"/>
-                  </a:cubicBezTo>
-                  <a:cubicBezTo>
-                    <a:pt x="99441" y="29591"/>
-                    <a:pt x="133985" y="0"/>
-                    <a:pt x="167640" y="0"/>
-                  </a:cubicBezTo>
-                  <a:cubicBezTo>
-                    <a:pt x="194183" y="0"/>
-                    <a:pt x="218186" y="19177"/>
-                    <a:pt x="218186" y="57785"/>
-                  </a:cubicBezTo>
-                  <a:cubicBezTo>
-                    <a:pt x="218186" y="81788"/>
-                    <a:pt x="208534" y="109093"/>
-                    <a:pt x="194945" y="135636"/>
-                  </a:cubicBezTo>
-                  <a:cubicBezTo>
-                    <a:pt x="194945" y="135636"/>
-                    <a:pt x="200533" y="136525"/>
-                    <a:pt x="202946" y="136525"/>
-                  </a:cubicBezTo>
-                  <a:cubicBezTo>
-                    <a:pt x="223774" y="136525"/>
-                    <a:pt x="239903" y="126873"/>
-                    <a:pt x="248666" y="116459"/>
-                  </a:cubicBezTo>
-                  <a:cubicBezTo>
-                    <a:pt x="255143" y="109220"/>
-                    <a:pt x="260731" y="104394"/>
-                    <a:pt x="266319" y="104394"/>
-                  </a:cubicBezTo>
-                  <a:cubicBezTo>
-                    <a:pt x="270383" y="104394"/>
-                    <a:pt x="271907" y="107569"/>
-                    <a:pt x="271907" y="111633"/>
-                  </a:cubicBezTo>
-                  <a:cubicBezTo>
-                    <a:pt x="271907" y="114046"/>
-                    <a:pt x="271018" y="118110"/>
-                    <a:pt x="268732" y="122047"/>
-                  </a:cubicBezTo>
-                  <a:cubicBezTo>
-                    <a:pt x="249555" y="156591"/>
-                    <a:pt x="212598" y="178181"/>
-                    <a:pt x="182880" y="178181"/>
-                  </a:cubicBezTo>
-                </a:path>
-              </a:pathLst>
-            </a:custGeom>
-            <a:solidFill>
-              <a:srgbClr val="FFFFFF"/>
-            </a:solidFill>
-          </p:spPr>
-        </p:sp>
-        <p:sp>
-          <p:nvSpPr>
-            <p:cNvPr id="9" name="Freeform 9"/>
-            <p:cNvSpPr/>
-            <p:nvPr/>
-          </p:nvSpPr>
-          <p:spPr>
-            <a:xfrm>
-              <a:off x="63500" y="63500"/>
-              <a:ext cx="1904111" cy="1904111"/>
-            </a:xfrm>
-            <a:custGeom>
-              <a:avLst/>
-              <a:gdLst/>
-              <a:ahLst/>
-              <a:cxnLst/>
-              <a:rect l="l" t="t" r="r" b="b"/>
-              <a:pathLst>
-                <a:path w="1904111" h="1904111">
-                  <a:moveTo>
-                    <a:pt x="0" y="1904111"/>
+                    <a:pt x="0" y="0"/>
                   </a:moveTo>
                   <a:lnTo>
-                    <a:pt x="1904111" y="1904111"/>
+                    <a:pt x="9737398" y="0"/>
                   </a:lnTo>
                   <a:lnTo>
-                    <a:pt x="1904111" y="0"/>
+                    <a:pt x="9737398" y="10413120"/>
+                  </a:lnTo>
+                  <a:lnTo>
+                    <a:pt x="0" y="10413120"/>
                   </a:lnTo>
                   <a:lnTo>
                     <a:pt x="0" y="0"/>
@@ -9255,1264 +11668,278 @@
               </a:pathLst>
             </a:custGeom>
             <a:solidFill>
-              <a:srgbClr val="000000">
-                <a:alpha val="0"/>
-              </a:srgbClr>
+              <a:srgbClr val="004AAD"/>
             </a:solidFill>
           </p:spPr>
+          <p:txBody>
+            <a:bodyPr/>
+            <a:lstStyle/>
+            <a:p>
+              <a:endParaRPr lang="pt-PT" dirty="0"/>
+            </a:p>
+          </p:txBody>
         </p:sp>
-      </p:grpSp>
-      <p:grpSp>
-        <p:nvGrpSpPr>
-          <p:cNvPr id="10" name="Group 10"/>
-          <p:cNvGrpSpPr>
-            <a:grpSpLocks noChangeAspect="1"/>
-          </p:cNvGrpSpPr>
-          <p:nvPr/>
-        </p:nvGrpSpPr>
-        <p:grpSpPr>
-          <a:xfrm>
-            <a:off x="2517019" y="5173656"/>
-            <a:ext cx="1725301" cy="2339178"/>
-            <a:chOff x="0" y="0"/>
-            <a:chExt cx="1725295" cy="2339175"/>
-          </a:xfrm>
-        </p:grpSpPr>
         <p:sp>
           <p:nvSpPr>
-            <p:cNvPr id="11" name="Freeform 11"/>
-            <p:cNvSpPr/>
+            <p:cNvPr id="18" name="TextBox 18"/>
+            <p:cNvSpPr txBox="1"/>
             <p:nvPr/>
           </p:nvSpPr>
           <p:spPr>
             <a:xfrm>
-              <a:off x="64135" y="64262"/>
-              <a:ext cx="1598930" cy="2178050"/>
+              <a:off x="1480804" y="418119"/>
+              <a:ext cx="4605128" cy="1642320"/>
             </a:xfrm>
-            <a:custGeom>
+            <a:prstGeom prst="rect">
               <a:avLst/>
-              <a:gdLst/>
-              <a:ahLst/>
-              <a:cxnLst/>
-              <a:rect l="l" t="t" r="r" b="b"/>
-              <a:pathLst>
-                <a:path w="1598930" h="2178050">
-                  <a:moveTo>
-                    <a:pt x="559308" y="218313"/>
-                  </a:moveTo>
-                  <a:cubicBezTo>
-                    <a:pt x="608076" y="218313"/>
-                    <a:pt x="657352" y="220218"/>
-                    <a:pt x="707263" y="220218"/>
-                  </a:cubicBezTo>
-                  <a:lnTo>
-                    <a:pt x="707263" y="653415"/>
-                  </a:lnTo>
-                  <a:lnTo>
-                    <a:pt x="637413" y="653415"/>
-                  </a:lnTo>
-                  <a:cubicBezTo>
-                    <a:pt x="636651" y="653415"/>
-                    <a:pt x="636016" y="653415"/>
-                    <a:pt x="635254" y="653415"/>
-                  </a:cubicBezTo>
-                  <a:cubicBezTo>
-                    <a:pt x="606425" y="653415"/>
-                    <a:pt x="577469" y="653542"/>
-                    <a:pt x="548640" y="653542"/>
-                  </a:cubicBezTo>
-                  <a:cubicBezTo>
-                    <a:pt x="529463" y="653542"/>
-                    <a:pt x="510286" y="653542"/>
-                    <a:pt x="491109" y="653415"/>
-                  </a:cubicBezTo>
-                  <a:cubicBezTo>
-                    <a:pt x="375539" y="652780"/>
-                    <a:pt x="280924" y="564515"/>
-                    <a:pt x="274447" y="451485"/>
-                  </a:cubicBezTo>
-                  <a:cubicBezTo>
-                    <a:pt x="267716" y="332613"/>
-                    <a:pt x="350901" y="230251"/>
-                    <a:pt x="469265" y="221234"/>
-                  </a:cubicBezTo>
-                  <a:cubicBezTo>
-                    <a:pt x="499110" y="218948"/>
-                    <a:pt x="529082" y="218313"/>
-                    <a:pt x="559181" y="218313"/>
-                  </a:cubicBezTo>
-                  <a:close/>
-                  <a:moveTo>
-                    <a:pt x="1071499" y="218694"/>
-                  </a:moveTo>
-                  <a:cubicBezTo>
-                    <a:pt x="1098296" y="218694"/>
-                    <a:pt x="1125093" y="218821"/>
-                    <a:pt x="1152017" y="219329"/>
-                  </a:cubicBezTo>
-                  <a:cubicBezTo>
-                    <a:pt x="1159129" y="219456"/>
-                    <a:pt x="1166114" y="219964"/>
-                    <a:pt x="1173226" y="220726"/>
-                  </a:cubicBezTo>
-                  <a:cubicBezTo>
-                    <a:pt x="1180338" y="221488"/>
-                    <a:pt x="1187196" y="222758"/>
-                    <a:pt x="1194181" y="224155"/>
-                  </a:cubicBezTo>
-                  <a:cubicBezTo>
-                    <a:pt x="1201166" y="225552"/>
-                    <a:pt x="1207897" y="227457"/>
-                    <a:pt x="1214755" y="229616"/>
-                  </a:cubicBezTo>
-                  <a:cubicBezTo>
-                    <a:pt x="1221613" y="231775"/>
-                    <a:pt x="1228090" y="234315"/>
-                    <a:pt x="1234694" y="237109"/>
-                  </a:cubicBezTo>
-                  <a:cubicBezTo>
-                    <a:pt x="1241298" y="239903"/>
-                    <a:pt x="1247521" y="243078"/>
-                    <a:pt x="1253744" y="246507"/>
-                  </a:cubicBezTo>
-                  <a:cubicBezTo>
-                    <a:pt x="1259967" y="249936"/>
-                    <a:pt x="1265936" y="253746"/>
-                    <a:pt x="1271778" y="257683"/>
-                  </a:cubicBezTo>
-                  <a:cubicBezTo>
-                    <a:pt x="1277620" y="261620"/>
-                    <a:pt x="1283208" y="266065"/>
-                    <a:pt x="1288669" y="270637"/>
-                  </a:cubicBezTo>
-                  <a:cubicBezTo>
-                    <a:pt x="1294130" y="275209"/>
-                    <a:pt x="1299210" y="280035"/>
-                    <a:pt x="1304163" y="285115"/>
-                  </a:cubicBezTo>
-                  <a:cubicBezTo>
-                    <a:pt x="1309116" y="290195"/>
-                    <a:pt x="1313815" y="295529"/>
-                    <a:pt x="1318133" y="301117"/>
-                  </a:cubicBezTo>
-                  <a:cubicBezTo>
-                    <a:pt x="1322451" y="306705"/>
-                    <a:pt x="1326642" y="312420"/>
-                    <a:pt x="1330452" y="318389"/>
-                  </a:cubicBezTo>
-                  <a:cubicBezTo>
-                    <a:pt x="1334262" y="324358"/>
-                    <a:pt x="1337818" y="330454"/>
-                    <a:pt x="1341120" y="336804"/>
-                  </a:cubicBezTo>
-                  <a:cubicBezTo>
-                    <a:pt x="1344422" y="343154"/>
-                    <a:pt x="1347343" y="349504"/>
-                    <a:pt x="1349883" y="356108"/>
-                  </a:cubicBezTo>
-                  <a:cubicBezTo>
-                    <a:pt x="1352423" y="362712"/>
-                    <a:pt x="1354836" y="369316"/>
-                    <a:pt x="1356741" y="376174"/>
-                  </a:cubicBezTo>
-                  <a:cubicBezTo>
-                    <a:pt x="1358646" y="383032"/>
-                    <a:pt x="1360297" y="389890"/>
-                    <a:pt x="1361567" y="396875"/>
-                  </a:cubicBezTo>
-                  <a:cubicBezTo>
-                    <a:pt x="1362837" y="403860"/>
-                    <a:pt x="1363726" y="410845"/>
-                    <a:pt x="1364361" y="417830"/>
-                  </a:cubicBezTo>
-                  <a:cubicBezTo>
-                    <a:pt x="1364996" y="424815"/>
-                    <a:pt x="1365250" y="431927"/>
-                    <a:pt x="1365123" y="439039"/>
-                  </a:cubicBezTo>
-                  <a:cubicBezTo>
-                    <a:pt x="1363599" y="557784"/>
-                    <a:pt x="1269238" y="652018"/>
-                    <a:pt x="1149731" y="653288"/>
-                  </a:cubicBezTo>
-                  <a:cubicBezTo>
-                    <a:pt x="1122553" y="653542"/>
-                    <a:pt x="1095248" y="653669"/>
-                    <a:pt x="1067816" y="653669"/>
-                  </a:cubicBezTo>
-                  <a:cubicBezTo>
-                    <a:pt x="1023112" y="653669"/>
-                    <a:pt x="977900" y="653415"/>
-                    <a:pt x="931418" y="653415"/>
-                  </a:cubicBezTo>
-                  <a:lnTo>
-                    <a:pt x="931418" y="220980"/>
-                  </a:lnTo>
-                  <a:cubicBezTo>
-                    <a:pt x="936371" y="220218"/>
-                    <a:pt x="940562" y="219202"/>
-                    <a:pt x="944753" y="219202"/>
-                  </a:cubicBezTo>
-                  <a:cubicBezTo>
-                    <a:pt x="987044" y="219202"/>
-                    <a:pt x="1029335" y="218694"/>
-                    <a:pt x="1071626" y="218694"/>
-                  </a:cubicBezTo>
-                  <a:close/>
-                  <a:moveTo>
-                    <a:pt x="1146810" y="872236"/>
-                  </a:moveTo>
-                  <a:cubicBezTo>
-                    <a:pt x="1153922" y="872236"/>
-                    <a:pt x="1161034" y="872617"/>
-                    <a:pt x="1168019" y="873252"/>
-                  </a:cubicBezTo>
-                  <a:cubicBezTo>
-                    <a:pt x="1175004" y="873887"/>
-                    <a:pt x="1182243" y="875030"/>
-                    <a:pt x="1189228" y="876427"/>
-                  </a:cubicBezTo>
-                  <a:cubicBezTo>
-                    <a:pt x="1196213" y="877824"/>
-                    <a:pt x="1203198" y="879475"/>
-                    <a:pt x="1209929" y="881634"/>
-                  </a:cubicBezTo>
-                  <a:cubicBezTo>
-                    <a:pt x="1216660" y="883793"/>
-                    <a:pt x="1223518" y="886079"/>
-                    <a:pt x="1230122" y="888873"/>
-                  </a:cubicBezTo>
-                  <a:cubicBezTo>
-                    <a:pt x="1236726" y="891667"/>
-                    <a:pt x="1243203" y="894588"/>
-                    <a:pt x="1249426" y="898017"/>
-                  </a:cubicBezTo>
-                  <a:cubicBezTo>
-                    <a:pt x="1255649" y="901446"/>
-                    <a:pt x="1261872" y="905002"/>
-                    <a:pt x="1267841" y="908939"/>
-                  </a:cubicBezTo>
-                  <a:cubicBezTo>
-                    <a:pt x="1273810" y="912876"/>
-                    <a:pt x="1279525" y="917067"/>
-                    <a:pt x="1284986" y="921639"/>
-                  </a:cubicBezTo>
-                  <a:cubicBezTo>
-                    <a:pt x="1290447" y="926211"/>
-                    <a:pt x="1295781" y="930910"/>
-                    <a:pt x="1300861" y="935990"/>
-                  </a:cubicBezTo>
-                  <a:cubicBezTo>
-                    <a:pt x="1305941" y="941070"/>
-                    <a:pt x="1310767" y="946277"/>
-                    <a:pt x="1315212" y="951738"/>
-                  </a:cubicBezTo>
-                  <a:cubicBezTo>
-                    <a:pt x="1319657" y="957199"/>
-                    <a:pt x="1323975" y="962914"/>
-                    <a:pt x="1327912" y="968883"/>
-                  </a:cubicBezTo>
-                  <a:cubicBezTo>
-                    <a:pt x="1331849" y="974852"/>
-                    <a:pt x="1335532" y="980948"/>
-                    <a:pt x="1338961" y="987171"/>
-                  </a:cubicBezTo>
-                  <a:cubicBezTo>
-                    <a:pt x="1342390" y="993394"/>
-                    <a:pt x="1345438" y="999871"/>
-                    <a:pt x="1348105" y="1006475"/>
-                  </a:cubicBezTo>
-                  <a:cubicBezTo>
-                    <a:pt x="1350772" y="1013079"/>
-                    <a:pt x="1353312" y="1019810"/>
-                    <a:pt x="1355344" y="1026541"/>
-                  </a:cubicBezTo>
-                  <a:cubicBezTo>
-                    <a:pt x="1357376" y="1033272"/>
-                    <a:pt x="1359154" y="1040257"/>
-                    <a:pt x="1360551" y="1047242"/>
-                  </a:cubicBezTo>
-                  <a:cubicBezTo>
-                    <a:pt x="1361948" y="1054227"/>
-                    <a:pt x="1362964" y="1061212"/>
-                    <a:pt x="1363726" y="1068324"/>
-                  </a:cubicBezTo>
-                  <a:cubicBezTo>
-                    <a:pt x="1364488" y="1075436"/>
-                    <a:pt x="1364742" y="1082548"/>
-                    <a:pt x="1364742" y="1089660"/>
-                  </a:cubicBezTo>
-                  <a:cubicBezTo>
-                    <a:pt x="1364742" y="1209548"/>
-                    <a:pt x="1266698" y="1307719"/>
-                    <a:pt x="1146810" y="1307719"/>
-                  </a:cubicBezTo>
-                  <a:cubicBezTo>
-                    <a:pt x="1146810" y="1307719"/>
-                    <a:pt x="1146810" y="1307719"/>
-                    <a:pt x="1146683" y="1307719"/>
-                  </a:cubicBezTo>
-                  <a:cubicBezTo>
-                    <a:pt x="1025652" y="1307719"/>
-                    <a:pt x="929767" y="1211326"/>
-                    <a:pt x="929640" y="1089914"/>
-                  </a:cubicBezTo>
-                  <a:lnTo>
-                    <a:pt x="929640" y="1089914"/>
-                  </a:lnTo>
-                  <a:cubicBezTo>
-                    <a:pt x="929640" y="968121"/>
-                    <a:pt x="1025017" y="872236"/>
-                    <a:pt x="1146429" y="872236"/>
-                  </a:cubicBezTo>
-                  <a:cubicBezTo>
-                    <a:pt x="1146429" y="872236"/>
-                    <a:pt x="1146556" y="872236"/>
-                    <a:pt x="1146556" y="872236"/>
-                  </a:cubicBezTo>
-                  <a:close/>
-                  <a:moveTo>
-                    <a:pt x="571373" y="872109"/>
-                  </a:moveTo>
-                  <a:cubicBezTo>
-                    <a:pt x="616585" y="872109"/>
-                    <a:pt x="662051" y="872236"/>
-                    <a:pt x="708406" y="872236"/>
-                  </a:cubicBezTo>
-                  <a:lnTo>
-                    <a:pt x="708406" y="1307211"/>
-                  </a:lnTo>
-                  <a:lnTo>
-                    <a:pt x="708406" y="1307211"/>
-                  </a:lnTo>
-                  <a:cubicBezTo>
-                    <a:pt x="658749" y="1307211"/>
-                    <a:pt x="609854" y="1308481"/>
-                    <a:pt x="561467" y="1308481"/>
-                  </a:cubicBezTo>
-                  <a:cubicBezTo>
-                    <a:pt x="531495" y="1308481"/>
-                    <a:pt x="501777" y="1307973"/>
-                    <a:pt x="472059" y="1306449"/>
-                  </a:cubicBezTo>
-                  <a:cubicBezTo>
-                    <a:pt x="357886" y="1300353"/>
-                    <a:pt x="270002" y="1197229"/>
-                    <a:pt x="274193" y="1080389"/>
-                  </a:cubicBezTo>
-                  <a:cubicBezTo>
-                    <a:pt x="278257" y="966343"/>
-                    <a:pt x="374269" y="872744"/>
-                    <a:pt x="488188" y="872236"/>
-                  </a:cubicBezTo>
-                  <a:cubicBezTo>
-                    <a:pt x="515874" y="872109"/>
-                    <a:pt x="543433" y="872109"/>
-                    <a:pt x="571246" y="872109"/>
-                  </a:cubicBezTo>
-                  <a:close/>
-                  <a:moveTo>
-                    <a:pt x="582168" y="1525524"/>
-                  </a:moveTo>
-                  <a:cubicBezTo>
-                    <a:pt x="623697" y="1525524"/>
-                    <a:pt x="665226" y="1526286"/>
-                    <a:pt x="706628" y="1526286"/>
-                  </a:cubicBezTo>
-                  <a:lnTo>
-                    <a:pt x="706628" y="1526286"/>
-                  </a:lnTo>
-                  <a:cubicBezTo>
-                    <a:pt x="706628" y="1613916"/>
-                    <a:pt x="712470" y="1697355"/>
-                    <a:pt x="705104" y="1779651"/>
-                  </a:cubicBezTo>
-                  <a:cubicBezTo>
-                    <a:pt x="696214" y="1879219"/>
-                    <a:pt x="604520" y="1955673"/>
-                    <a:pt x="502666" y="1960372"/>
-                  </a:cubicBezTo>
-                  <a:cubicBezTo>
-                    <a:pt x="499237" y="1960499"/>
-                    <a:pt x="495681" y="1960626"/>
-                    <a:pt x="492252" y="1960626"/>
-                  </a:cubicBezTo>
-                  <a:cubicBezTo>
-                    <a:pt x="391922" y="1960626"/>
-                    <a:pt x="305689" y="1894205"/>
-                    <a:pt x="280162" y="1795780"/>
-                  </a:cubicBezTo>
-                  <a:cubicBezTo>
-                    <a:pt x="254889" y="1698879"/>
-                    <a:pt x="303784" y="1590167"/>
-                    <a:pt x="394970" y="1549527"/>
-                  </a:cubicBezTo>
-                  <a:cubicBezTo>
-                    <a:pt x="424815" y="1536192"/>
-                    <a:pt x="459232" y="1528953"/>
-                    <a:pt x="491998" y="1527429"/>
-                  </a:cubicBezTo>
-                  <a:cubicBezTo>
-                    <a:pt x="521970" y="1526032"/>
-                    <a:pt x="551942" y="1525651"/>
-                    <a:pt x="582041" y="1525651"/>
-                  </a:cubicBezTo>
-                  <a:close/>
-                  <a:moveTo>
-                    <a:pt x="832866" y="254"/>
-                  </a:moveTo>
-                  <a:cubicBezTo>
-                    <a:pt x="716661" y="254"/>
-                    <a:pt x="600456" y="889"/>
-                    <a:pt x="484251" y="2667"/>
-                  </a:cubicBezTo>
-                  <a:cubicBezTo>
-                    <a:pt x="432308" y="3429"/>
-                    <a:pt x="378333" y="16129"/>
-                    <a:pt x="329184" y="33909"/>
-                  </a:cubicBezTo>
-                  <a:cubicBezTo>
-                    <a:pt x="126492" y="107569"/>
-                    <a:pt x="10414" y="346456"/>
-                    <a:pt x="71501" y="552450"/>
-                  </a:cubicBezTo>
-                  <a:cubicBezTo>
-                    <a:pt x="95885" y="634492"/>
-                    <a:pt x="139065" y="703707"/>
-                    <a:pt x="201168" y="761746"/>
-                  </a:cubicBezTo>
-                  <a:cubicBezTo>
-                    <a:pt x="0" y="945261"/>
-                    <a:pt x="15875" y="1251077"/>
-                    <a:pt x="201168" y="1416939"/>
-                  </a:cubicBezTo>
-                  <a:cubicBezTo>
-                    <a:pt x="196469" y="1422019"/>
-                    <a:pt x="191897" y="1427353"/>
-                    <a:pt x="187071" y="1432306"/>
-                  </a:cubicBezTo>
-                  <a:cubicBezTo>
-                    <a:pt x="40386" y="1580388"/>
-                    <a:pt x="14224" y="1793494"/>
-                    <a:pt x="120777" y="1971167"/>
-                  </a:cubicBezTo>
-                  <a:cubicBezTo>
-                    <a:pt x="198882" y="2101342"/>
-                    <a:pt x="342265" y="2178050"/>
-                    <a:pt x="494157" y="2178050"/>
-                  </a:cubicBezTo>
-                  <a:cubicBezTo>
-                    <a:pt x="527431" y="2178050"/>
-                    <a:pt x="560959" y="2174367"/>
-                    <a:pt x="594487" y="2166747"/>
-                  </a:cubicBezTo>
-                  <a:cubicBezTo>
-                    <a:pt x="769874" y="2126996"/>
-                    <a:pt x="910463" y="1970532"/>
-                    <a:pt x="924433" y="1790573"/>
-                  </a:cubicBezTo>
-                  <a:cubicBezTo>
-                    <a:pt x="931926" y="1693799"/>
-                    <a:pt x="928116" y="1596009"/>
-                    <a:pt x="929513" y="1498727"/>
-                  </a:cubicBezTo>
-                  <a:cubicBezTo>
-                    <a:pt x="929640" y="1489583"/>
-                    <a:pt x="930402" y="1480566"/>
-                    <a:pt x="930910" y="1470152"/>
-                  </a:cubicBezTo>
-                  <a:cubicBezTo>
-                    <a:pt x="1005840" y="1508379"/>
-                    <a:pt x="1079500" y="1524889"/>
-                    <a:pt x="1148588" y="1524889"/>
-                  </a:cubicBezTo>
-                  <a:cubicBezTo>
-                    <a:pt x="1292606" y="1524889"/>
-                    <a:pt x="1416558" y="1453388"/>
-                    <a:pt x="1489964" y="1358646"/>
-                  </a:cubicBezTo>
-                  <a:cubicBezTo>
-                    <a:pt x="1556004" y="1273302"/>
-                    <a:pt x="1585595" y="1177290"/>
-                    <a:pt x="1581404" y="1069086"/>
-                  </a:cubicBezTo>
-                  <a:cubicBezTo>
-                    <a:pt x="1576705" y="946150"/>
-                    <a:pt x="1523873" y="847090"/>
-                    <a:pt x="1434719" y="760476"/>
-                  </a:cubicBezTo>
-                  <a:cubicBezTo>
-                    <a:pt x="1442720" y="753999"/>
-                    <a:pt x="1450340" y="749046"/>
-                    <a:pt x="1456436" y="742823"/>
-                  </a:cubicBezTo>
-                  <a:cubicBezTo>
-                    <a:pt x="1560703" y="636397"/>
-                    <a:pt x="1598930" y="507746"/>
-                    <a:pt x="1576324" y="362839"/>
-                  </a:cubicBezTo>
-                  <a:cubicBezTo>
-                    <a:pt x="1544320" y="157099"/>
-                    <a:pt x="1363345" y="2794"/>
-                    <a:pt x="1154684" y="1270"/>
-                  </a:cubicBezTo>
-                  <a:cubicBezTo>
-                    <a:pt x="1047369" y="508"/>
-                    <a:pt x="940181" y="0"/>
-                    <a:pt x="832866" y="0"/>
-                  </a:cubicBezTo>
-                  <a:close/>
-                </a:path>
-              </a:pathLst>
-            </a:custGeom>
-            <a:solidFill>
-              <a:srgbClr val="00AEEF"/>
-            </a:solidFill>
+            </a:prstGeom>
           </p:spPr>
+          <p:txBody>
+            <a:bodyPr lIns="0" tIns="0" rIns="0" bIns="0" rtlCol="0" anchor="t">
+              <a:spAutoFit/>
+            </a:bodyPr>
+            <a:lstStyle/>
+            <a:p>
+              <a:pPr algn="ctr">
+                <a:lnSpc>
+                  <a:spcPts val="4807"/>
+                </a:lnSpc>
+              </a:pPr>
+              <a:r>
+                <a:rPr lang="en-US" sz="3639">
+                  <a:solidFill>
+                    <a:srgbClr val="303642"/>
+                  </a:solidFill>
+                  <a:latin typeface="Roboto"/>
+                  <a:ea typeface="Roboto"/>
+                  <a:cs typeface="Roboto"/>
+                  <a:sym typeface="Roboto"/>
+                </a:rPr>
+                <a:t>FERRAMENTAS</a:t>
+              </a:r>
+            </a:p>
+            <a:p>
+              <a:pPr algn="ctr">
+                <a:lnSpc>
+                  <a:spcPts val="7492"/>
+                </a:lnSpc>
+              </a:pPr>
+              <a:r>
+                <a:rPr lang="en-US" sz="5671" b="1">
+                  <a:solidFill>
+                    <a:srgbClr val="004AAD"/>
+                  </a:solidFill>
+                  <a:latin typeface="League Spartan"/>
+                  <a:ea typeface="League Spartan"/>
+                  <a:cs typeface="League Spartan"/>
+                  <a:sym typeface="League Spartan"/>
+                </a:rPr>
+                <a:t>UTILIZADAS</a:t>
+              </a:r>
+            </a:p>
+          </p:txBody>
         </p:sp>
         <p:sp>
           <p:nvSpPr>
-            <p:cNvPr id="12" name="Freeform 12"/>
-            <p:cNvSpPr/>
+            <p:cNvPr id="19" name="TextBox 19"/>
+            <p:cNvSpPr txBox="1"/>
             <p:nvPr/>
           </p:nvSpPr>
           <p:spPr>
             <a:xfrm>
-              <a:off x="63500" y="63500"/>
-              <a:ext cx="1598295" cy="2212213"/>
+              <a:off x="11467376" y="418119"/>
+              <a:ext cx="4111409" cy="1577355"/>
             </a:xfrm>
-            <a:custGeom>
+            <a:prstGeom prst="rect">
               <a:avLst/>
-              <a:gdLst/>
-              <a:ahLst/>
-              <a:cxnLst/>
-              <a:rect l="l" t="t" r="r" b="b"/>
-              <a:pathLst>
-                <a:path w="1598295" h="2212213">
-                  <a:moveTo>
-                    <a:pt x="0" y="2212213"/>
-                  </a:moveTo>
-                  <a:lnTo>
-                    <a:pt x="1598295" y="2212213"/>
-                  </a:lnTo>
-                  <a:lnTo>
-                    <a:pt x="1598295" y="0"/>
-                  </a:lnTo>
-                  <a:lnTo>
-                    <a:pt x="0" y="0"/>
-                  </a:lnTo>
-                  <a:close/>
-                </a:path>
-              </a:pathLst>
-            </a:custGeom>
-            <a:solidFill>
-              <a:srgbClr val="000000">
-                <a:alpha val="0"/>
-              </a:srgbClr>
-            </a:solidFill>
+            </a:prstGeom>
           </p:spPr>
+          <p:txBody>
+            <a:bodyPr lIns="0" tIns="0" rIns="0" bIns="0" rtlCol="0" anchor="t">
+              <a:spAutoFit/>
+            </a:bodyPr>
+            <a:lstStyle/>
+            <a:p>
+              <a:pPr algn="ctr">
+                <a:lnSpc>
+                  <a:spcPts val="4807"/>
+                </a:lnSpc>
+              </a:pPr>
+              <a:r>
+                <a:rPr lang="en-US" sz="3639" dirty="0">
+                  <a:solidFill>
+                    <a:srgbClr val="FFFFFF"/>
+                  </a:solidFill>
+                  <a:latin typeface="Roboto"/>
+                  <a:ea typeface="Roboto"/>
+                  <a:cs typeface="Roboto"/>
+                  <a:sym typeface="Roboto"/>
+                </a:rPr>
+                <a:t>PROGRAMAÇÃO</a:t>
+              </a:r>
+            </a:p>
+            <a:p>
+              <a:pPr algn="ctr">
+                <a:lnSpc>
+                  <a:spcPts val="7492"/>
+                </a:lnSpc>
+              </a:pPr>
+              <a:r>
+                <a:rPr lang="en-US" sz="5671" b="1" dirty="0">
+                  <a:solidFill>
+                    <a:srgbClr val="FFFFFF"/>
+                  </a:solidFill>
+                  <a:latin typeface="League Spartan"/>
+                  <a:ea typeface="League Spartan"/>
+                  <a:cs typeface="League Spartan"/>
+                  <a:sym typeface="League Spartan"/>
+                </a:rPr>
+                <a:t>UTILIZADA</a:t>
+              </a:r>
+            </a:p>
+          </p:txBody>
         </p:sp>
-      </p:grpSp>
-      <p:grpSp>
-        <p:nvGrpSpPr>
-          <p:cNvPr id="13" name="Group 13"/>
-          <p:cNvGrpSpPr>
-            <a:grpSpLocks noChangeAspect="1"/>
-          </p:cNvGrpSpPr>
-          <p:nvPr/>
-        </p:nvGrpSpPr>
-        <p:grpSpPr>
-          <a:xfrm>
-            <a:off x="3911336" y="2924899"/>
-            <a:ext cx="2223354" cy="2223354"/>
-            <a:chOff x="0" y="0"/>
-            <a:chExt cx="2223364" cy="2223364"/>
-          </a:xfrm>
-        </p:grpSpPr>
-        <p:sp>
-          <p:nvSpPr>
-            <p:cNvPr id="14" name="Freeform 14"/>
-            <p:cNvSpPr/>
+        <p:pic>
+          <p:nvPicPr>
+            <p:cNvPr id="1030" name="Picture 6" descr="Flask Logo Icon SVG Vector &amp; PNG Free Download | UXWing">
+              <a:extLst>
+                <a:ext uri="{FF2B5EF4-FFF2-40B4-BE49-F238E27FC236}">
+                  <a16:creationId xmlns:a16="http://schemas.microsoft.com/office/drawing/2014/main" id="{0F817F64-995E-45A2-89CB-7825B251B850}"/>
+                </a:ext>
+              </a:extLst>
+            </p:cNvPr>
+            <p:cNvPicPr>
+              <a:picLocks noChangeAspect="1" noChangeArrowheads="1"/>
+            </p:cNvPicPr>
             <p:nvPr/>
-          </p:nvSpPr>
-          <p:spPr>
-            <a:xfrm>
-              <a:off x="63500" y="63500"/>
-              <a:ext cx="2095500" cy="2095500"/>
-            </a:xfrm>
-            <a:custGeom>
-              <a:avLst/>
-              <a:gdLst/>
-              <a:ahLst/>
-              <a:cxnLst/>
-              <a:rect l="l" t="t" r="r" b="b"/>
-              <a:pathLst>
-                <a:path w="2095500" h="2095500">
-                  <a:moveTo>
-                    <a:pt x="1047750" y="0"/>
-                  </a:moveTo>
-                  <a:cubicBezTo>
-                    <a:pt x="469138" y="0"/>
-                    <a:pt x="0" y="469138"/>
-                    <a:pt x="0" y="1047750"/>
-                  </a:cubicBezTo>
-                  <a:cubicBezTo>
-                    <a:pt x="0" y="1626362"/>
-                    <a:pt x="469138" y="2095500"/>
-                    <a:pt x="1047750" y="2095500"/>
-                  </a:cubicBezTo>
-                  <a:cubicBezTo>
-                    <a:pt x="1626362" y="2095500"/>
-                    <a:pt x="2095500" y="1626362"/>
-                    <a:pt x="2095500" y="1047750"/>
-                  </a:cubicBezTo>
-                  <a:cubicBezTo>
-                    <a:pt x="2095500" y="469138"/>
-                    <a:pt x="1626362" y="0"/>
-                    <a:pt x="1047750" y="0"/>
-                  </a:cubicBezTo>
-                  <a:close/>
-                  <a:moveTo>
-                    <a:pt x="1047750" y="2016125"/>
-                  </a:moveTo>
-                  <a:cubicBezTo>
-                    <a:pt x="512953" y="2016125"/>
-                    <a:pt x="79375" y="1582547"/>
-                    <a:pt x="79375" y="1047750"/>
-                  </a:cubicBezTo>
-                  <a:cubicBezTo>
-                    <a:pt x="79375" y="512953"/>
-                    <a:pt x="512953" y="79375"/>
-                    <a:pt x="1047750" y="79375"/>
-                  </a:cubicBezTo>
-                  <a:cubicBezTo>
-                    <a:pt x="1582547" y="79375"/>
-                    <a:pt x="2016125" y="512953"/>
-                    <a:pt x="2016125" y="1047750"/>
-                  </a:cubicBezTo>
-                  <a:cubicBezTo>
-                    <a:pt x="2016125" y="1582547"/>
-                    <a:pt x="1582547" y="2016125"/>
-                    <a:pt x="1047750" y="2016125"/>
-                  </a:cubicBezTo>
-                  <a:close/>
-                </a:path>
-              </a:pathLst>
-            </a:custGeom>
-            <a:solidFill>
-              <a:srgbClr val="000000"/>
-            </a:solidFill>
-          </p:spPr>
-        </p:sp>
-        <p:sp>
-          <p:nvSpPr>
-            <p:cNvPr id="15" name="Freeform 15"/>
-            <p:cNvSpPr/>
-            <p:nvPr/>
-          </p:nvSpPr>
-          <p:spPr>
-            <a:xfrm>
-              <a:off x="534797" y="410972"/>
-              <a:ext cx="1151382" cy="1397889"/>
-            </a:xfrm>
-            <a:custGeom>
-              <a:avLst/>
-              <a:gdLst/>
-              <a:ahLst/>
-              <a:cxnLst/>
-              <a:rect l="l" t="t" r="r" b="b"/>
-              <a:pathLst>
-                <a:path w="1151382" h="1397889">
-                  <a:moveTo>
-                    <a:pt x="453517" y="1213866"/>
-                  </a:moveTo>
-                  <a:cubicBezTo>
-                    <a:pt x="427228" y="1216406"/>
-                    <a:pt x="406273" y="1219327"/>
-                    <a:pt x="385191" y="1220216"/>
-                  </a:cubicBezTo>
-                  <a:cubicBezTo>
-                    <a:pt x="265684" y="1225931"/>
-                    <a:pt x="177165" y="1178687"/>
-                    <a:pt x="123444" y="1068832"/>
-                  </a:cubicBezTo>
-                  <a:cubicBezTo>
-                    <a:pt x="106299" y="1033780"/>
-                    <a:pt x="84455" y="1000760"/>
-                    <a:pt x="61722" y="969137"/>
-                  </a:cubicBezTo>
-                  <a:cubicBezTo>
-                    <a:pt x="48006" y="950087"/>
-                    <a:pt x="28829" y="934847"/>
-                    <a:pt x="11176" y="918972"/>
-                  </a:cubicBezTo>
-                  <a:lnTo>
-                    <a:pt x="10922" y="918845"/>
-                  </a:lnTo>
-                  <a:cubicBezTo>
-                    <a:pt x="0" y="909193"/>
-                    <a:pt x="4826" y="891159"/>
-                    <a:pt x="19177" y="888746"/>
-                  </a:cubicBezTo>
-                  <a:cubicBezTo>
-                    <a:pt x="36068" y="885952"/>
-                    <a:pt x="51816" y="889000"/>
-                    <a:pt x="67183" y="892810"/>
-                  </a:cubicBezTo>
-                  <a:cubicBezTo>
-                    <a:pt x="115316" y="905002"/>
-                    <a:pt x="146050" y="939165"/>
-                    <a:pt x="170688" y="979932"/>
-                  </a:cubicBezTo>
-                  <a:cubicBezTo>
-                    <a:pt x="226314" y="1072134"/>
-                    <a:pt x="322072" y="1110615"/>
-                    <a:pt x="425577" y="1083056"/>
-                  </a:cubicBezTo>
-                  <a:cubicBezTo>
-                    <a:pt x="443103" y="1078357"/>
-                    <a:pt x="450850" y="1070864"/>
-                    <a:pt x="454787" y="1051687"/>
-                  </a:cubicBezTo>
-                  <a:cubicBezTo>
-                    <a:pt x="459232" y="1029335"/>
-                    <a:pt x="465328" y="1007237"/>
-                    <a:pt x="471805" y="984885"/>
-                  </a:cubicBezTo>
-                  <a:cubicBezTo>
-                    <a:pt x="472821" y="981583"/>
-                    <a:pt x="473329" y="978154"/>
-                    <a:pt x="473710" y="974725"/>
-                  </a:cubicBezTo>
-                  <a:cubicBezTo>
-                    <a:pt x="474091" y="971296"/>
-                    <a:pt x="473964" y="967867"/>
-                    <a:pt x="473456" y="964438"/>
-                  </a:cubicBezTo>
-                  <a:cubicBezTo>
-                    <a:pt x="472948" y="961009"/>
-                    <a:pt x="472313" y="957707"/>
-                    <a:pt x="471170" y="954405"/>
-                  </a:cubicBezTo>
-                  <a:cubicBezTo>
-                    <a:pt x="470027" y="951103"/>
-                    <a:pt x="468630" y="948055"/>
-                    <a:pt x="466852" y="945007"/>
-                  </a:cubicBezTo>
-                  <a:cubicBezTo>
-                    <a:pt x="465074" y="941959"/>
-                    <a:pt x="463042" y="939292"/>
-                    <a:pt x="460756" y="936752"/>
-                  </a:cubicBezTo>
-                  <a:cubicBezTo>
-                    <a:pt x="458470" y="934212"/>
-                    <a:pt x="455930" y="931926"/>
-                    <a:pt x="453136" y="929767"/>
-                  </a:cubicBezTo>
-                  <a:cubicBezTo>
-                    <a:pt x="450342" y="927608"/>
-                    <a:pt x="447421" y="925957"/>
-                    <a:pt x="444246" y="924560"/>
-                  </a:cubicBezTo>
-                  <a:cubicBezTo>
-                    <a:pt x="441071" y="923163"/>
-                    <a:pt x="437896" y="922020"/>
-                    <a:pt x="434467" y="921258"/>
-                  </a:cubicBezTo>
-                  <a:lnTo>
-                    <a:pt x="433832" y="921131"/>
-                  </a:lnTo>
-                  <a:cubicBezTo>
-                    <a:pt x="326390" y="895477"/>
-                    <a:pt x="233553" y="847598"/>
-                    <a:pt x="173863" y="749427"/>
-                  </a:cubicBezTo>
-                  <a:cubicBezTo>
-                    <a:pt x="141859" y="696976"/>
-                    <a:pt x="126111" y="639064"/>
-                    <a:pt x="126873" y="578866"/>
-                  </a:cubicBezTo>
-                  <a:cubicBezTo>
-                    <a:pt x="127762" y="510540"/>
-                    <a:pt x="133858" y="442087"/>
-                    <a:pt x="141732" y="374015"/>
-                  </a:cubicBezTo>
-                  <a:cubicBezTo>
-                    <a:pt x="147320" y="326136"/>
-                    <a:pt x="169418" y="283845"/>
-                    <a:pt x="203835" y="249428"/>
-                  </a:cubicBezTo>
-                  <a:cubicBezTo>
-                    <a:pt x="215773" y="237490"/>
-                    <a:pt x="216789" y="227330"/>
-                    <a:pt x="211074" y="211836"/>
-                  </a:cubicBezTo>
-                  <a:cubicBezTo>
-                    <a:pt x="187325" y="148209"/>
-                    <a:pt x="191516" y="84582"/>
-                    <a:pt x="212471" y="20828"/>
-                  </a:cubicBezTo>
-                  <a:cubicBezTo>
-                    <a:pt x="218440" y="2794"/>
-                    <a:pt x="226822" y="254"/>
-                    <a:pt x="243967" y="5715"/>
-                  </a:cubicBezTo>
-                  <a:cubicBezTo>
-                    <a:pt x="297180" y="22479"/>
-                    <a:pt x="336931" y="57150"/>
-                    <a:pt x="371856" y="98552"/>
-                  </a:cubicBezTo>
-                  <a:lnTo>
-                    <a:pt x="372237" y="98933"/>
-                  </a:lnTo>
-                  <a:cubicBezTo>
-                    <a:pt x="376682" y="104140"/>
-                    <a:pt x="381635" y="108712"/>
-                    <a:pt x="387477" y="112522"/>
-                  </a:cubicBezTo>
-                  <a:cubicBezTo>
-                    <a:pt x="393319" y="116332"/>
-                    <a:pt x="399415" y="119126"/>
-                    <a:pt x="406019" y="121031"/>
-                  </a:cubicBezTo>
-                  <a:cubicBezTo>
-                    <a:pt x="412623" y="122936"/>
-                    <a:pt x="419354" y="123825"/>
-                    <a:pt x="426212" y="123698"/>
-                  </a:cubicBezTo>
-                  <a:cubicBezTo>
-                    <a:pt x="433070" y="123571"/>
-                    <a:pt x="439801" y="122428"/>
-                    <a:pt x="446278" y="120396"/>
-                  </a:cubicBezTo>
-                  <a:cubicBezTo>
-                    <a:pt x="556768" y="84201"/>
-                    <a:pt x="724281" y="83693"/>
-                    <a:pt x="828421" y="119507"/>
-                  </a:cubicBezTo>
-                  <a:cubicBezTo>
-                    <a:pt x="835025" y="121793"/>
-                    <a:pt x="841756" y="122936"/>
-                    <a:pt x="848614" y="123063"/>
-                  </a:cubicBezTo>
-                  <a:cubicBezTo>
-                    <a:pt x="855472" y="123190"/>
-                    <a:pt x="862330" y="122428"/>
-                    <a:pt x="868934" y="120523"/>
-                  </a:cubicBezTo>
-                  <a:cubicBezTo>
-                    <a:pt x="875538" y="118618"/>
-                    <a:pt x="881761" y="115824"/>
-                    <a:pt x="887603" y="112141"/>
-                  </a:cubicBezTo>
-                  <a:cubicBezTo>
-                    <a:pt x="893445" y="108458"/>
-                    <a:pt x="898525" y="103886"/>
-                    <a:pt x="902970" y="98552"/>
-                  </a:cubicBezTo>
-                  <a:lnTo>
-                    <a:pt x="903351" y="98171"/>
-                  </a:lnTo>
-                  <a:cubicBezTo>
-                    <a:pt x="938276" y="56642"/>
-                    <a:pt x="978154" y="22352"/>
-                    <a:pt x="1031367" y="5588"/>
-                  </a:cubicBezTo>
-                  <a:cubicBezTo>
-                    <a:pt x="1049274" y="0"/>
-                    <a:pt x="1056767" y="4191"/>
-                    <a:pt x="1062482" y="21590"/>
-                  </a:cubicBezTo>
-                  <a:cubicBezTo>
-                    <a:pt x="1083183" y="85344"/>
-                    <a:pt x="1086739" y="148717"/>
-                    <a:pt x="1064260" y="212979"/>
-                  </a:cubicBezTo>
-                  <a:cubicBezTo>
-                    <a:pt x="1061085" y="221996"/>
-                    <a:pt x="1061212" y="237744"/>
-                    <a:pt x="1066800" y="243459"/>
-                  </a:cubicBezTo>
-                  <a:cubicBezTo>
-                    <a:pt x="1114552" y="291846"/>
-                    <a:pt x="1135380" y="351917"/>
-                    <a:pt x="1140714" y="416941"/>
-                  </a:cubicBezTo>
-                  <a:cubicBezTo>
-                    <a:pt x="1145794" y="479806"/>
-                    <a:pt x="1151382" y="543687"/>
-                    <a:pt x="1145540" y="606171"/>
-                  </a:cubicBezTo>
-                  <a:cubicBezTo>
-                    <a:pt x="1130300" y="768477"/>
-                    <a:pt x="1031621" y="863092"/>
-                    <a:pt x="881507" y="910082"/>
-                  </a:cubicBezTo>
-                  <a:cubicBezTo>
-                    <a:pt x="868680" y="914146"/>
-                    <a:pt x="855599" y="917448"/>
-                    <a:pt x="842264" y="920623"/>
-                  </a:cubicBezTo>
-                  <a:cubicBezTo>
-                    <a:pt x="838835" y="921385"/>
-                    <a:pt x="835406" y="922655"/>
-                    <a:pt x="832231" y="924179"/>
-                  </a:cubicBezTo>
-                  <a:cubicBezTo>
-                    <a:pt x="829056" y="925703"/>
-                    <a:pt x="826008" y="927481"/>
-                    <a:pt x="823214" y="929640"/>
-                  </a:cubicBezTo>
-                  <a:cubicBezTo>
-                    <a:pt x="820420" y="931799"/>
-                    <a:pt x="817753" y="934212"/>
-                    <a:pt x="815467" y="936879"/>
-                  </a:cubicBezTo>
-                  <a:cubicBezTo>
-                    <a:pt x="813181" y="939546"/>
-                    <a:pt x="811149" y="942467"/>
-                    <a:pt x="809371" y="945642"/>
-                  </a:cubicBezTo>
-                  <a:cubicBezTo>
-                    <a:pt x="807593" y="948817"/>
-                    <a:pt x="806323" y="951992"/>
-                    <a:pt x="805307" y="955421"/>
-                  </a:cubicBezTo>
-                  <a:cubicBezTo>
-                    <a:pt x="804291" y="958850"/>
-                    <a:pt x="803656" y="962279"/>
-                    <a:pt x="803275" y="965835"/>
-                  </a:cubicBezTo>
-                  <a:cubicBezTo>
-                    <a:pt x="802894" y="969391"/>
-                    <a:pt x="803021" y="972947"/>
-                    <a:pt x="803529" y="976503"/>
-                  </a:cubicBezTo>
-                  <a:cubicBezTo>
-                    <a:pt x="804037" y="980059"/>
-                    <a:pt x="804799" y="983488"/>
-                    <a:pt x="805942" y="986790"/>
-                  </a:cubicBezTo>
-                  <a:cubicBezTo>
-                    <a:pt x="826389" y="1046099"/>
-                    <a:pt x="823214" y="1109345"/>
-                    <a:pt x="822960" y="1172210"/>
-                  </a:cubicBezTo>
-                  <a:cubicBezTo>
-                    <a:pt x="822833" y="1186688"/>
-                    <a:pt x="822833" y="1201166"/>
-                    <a:pt x="822833" y="1215644"/>
-                  </a:cubicBezTo>
-                  <a:cubicBezTo>
-                    <a:pt x="822833" y="1227582"/>
-                    <a:pt x="821563" y="1239520"/>
-                    <a:pt x="819277" y="1251204"/>
-                  </a:cubicBezTo>
-                  <a:cubicBezTo>
-                    <a:pt x="816991" y="1262888"/>
-                    <a:pt x="813435" y="1274318"/>
-                    <a:pt x="808863" y="1285367"/>
-                  </a:cubicBezTo>
-                  <a:cubicBezTo>
-                    <a:pt x="804291" y="1296416"/>
-                    <a:pt x="798576" y="1306957"/>
-                    <a:pt x="791972" y="1316863"/>
-                  </a:cubicBezTo>
-                  <a:cubicBezTo>
-                    <a:pt x="785368" y="1326769"/>
-                    <a:pt x="777748" y="1336040"/>
-                    <a:pt x="769239" y="1344422"/>
-                  </a:cubicBezTo>
-                  <a:cubicBezTo>
-                    <a:pt x="760730" y="1352804"/>
-                    <a:pt x="751586" y="1360424"/>
-                    <a:pt x="741553" y="1367028"/>
-                  </a:cubicBezTo>
-                  <a:cubicBezTo>
-                    <a:pt x="731520" y="1373632"/>
-                    <a:pt x="721106" y="1379220"/>
-                    <a:pt x="710057" y="1383919"/>
-                  </a:cubicBezTo>
-                  <a:cubicBezTo>
-                    <a:pt x="699008" y="1388618"/>
-                    <a:pt x="687578" y="1391920"/>
-                    <a:pt x="675894" y="1394333"/>
-                  </a:cubicBezTo>
-                  <a:cubicBezTo>
-                    <a:pt x="664210" y="1396746"/>
-                    <a:pt x="652272" y="1397889"/>
-                    <a:pt x="640334" y="1397889"/>
-                  </a:cubicBezTo>
-                  <a:lnTo>
-                    <a:pt x="636143" y="1397889"/>
-                  </a:lnTo>
-                  <a:cubicBezTo>
-                    <a:pt x="624205" y="1397889"/>
-                    <a:pt x="612267" y="1396746"/>
-                    <a:pt x="600456" y="1394333"/>
-                  </a:cubicBezTo>
-                  <a:cubicBezTo>
-                    <a:pt x="588645" y="1391920"/>
-                    <a:pt x="577215" y="1388491"/>
-                    <a:pt x="566166" y="1383919"/>
-                  </a:cubicBezTo>
-                  <a:cubicBezTo>
-                    <a:pt x="555117" y="1379347"/>
-                    <a:pt x="544576" y="1373759"/>
-                    <a:pt x="534543" y="1367028"/>
-                  </a:cubicBezTo>
-                  <a:cubicBezTo>
-                    <a:pt x="524510" y="1360297"/>
-                    <a:pt x="515366" y="1352804"/>
-                    <a:pt x="506857" y="1344295"/>
-                  </a:cubicBezTo>
-                  <a:cubicBezTo>
-                    <a:pt x="498348" y="1335786"/>
-                    <a:pt x="490855" y="1326642"/>
-                    <a:pt x="484124" y="1316609"/>
-                  </a:cubicBezTo>
-                  <a:cubicBezTo>
-                    <a:pt x="477393" y="1306576"/>
-                    <a:pt x="471805" y="1296162"/>
-                    <a:pt x="467233" y="1284986"/>
-                  </a:cubicBezTo>
-                  <a:cubicBezTo>
-                    <a:pt x="462661" y="1273810"/>
-                    <a:pt x="459232" y="1262507"/>
-                    <a:pt x="456819" y="1250696"/>
-                  </a:cubicBezTo>
-                  <a:cubicBezTo>
-                    <a:pt x="454406" y="1238885"/>
-                    <a:pt x="453263" y="1227074"/>
-                    <a:pt x="453263" y="1215009"/>
-                  </a:cubicBezTo>
-                  <a:lnTo>
-                    <a:pt x="453263" y="1213866"/>
-                  </a:lnTo>
-                  <a:close/>
-                </a:path>
-              </a:pathLst>
-            </a:custGeom>
-            <a:solidFill>
-              <a:srgbClr val="000000"/>
-            </a:solidFill>
-          </p:spPr>
-        </p:sp>
-        <p:sp>
-          <p:nvSpPr>
-            <p:cNvPr id="16" name="Freeform 16"/>
-            <p:cNvSpPr/>
-            <p:nvPr/>
-          </p:nvSpPr>
-          <p:spPr>
-            <a:xfrm>
-              <a:off x="63500" y="63500"/>
-              <a:ext cx="2096389" cy="2096389"/>
-            </a:xfrm>
-            <a:custGeom>
-              <a:avLst/>
-              <a:gdLst/>
-              <a:ahLst/>
-              <a:cxnLst/>
-              <a:rect l="l" t="t" r="r" b="b"/>
-              <a:pathLst>
-                <a:path w="2096389" h="2096389">
-                  <a:moveTo>
-                    <a:pt x="0" y="2096389"/>
-                  </a:moveTo>
-                  <a:lnTo>
-                    <a:pt x="2096389" y="2096389"/>
-                  </a:lnTo>
-                  <a:lnTo>
-                    <a:pt x="2096389" y="0"/>
-                  </a:lnTo>
-                  <a:lnTo>
-                    <a:pt x="0" y="0"/>
-                  </a:lnTo>
-                  <a:close/>
-                </a:path>
-              </a:pathLst>
-            </a:custGeom>
-            <a:solidFill>
-              <a:srgbClr val="000000">
-                <a:alpha val="0"/>
-              </a:srgbClr>
-            </a:solidFill>
-          </p:spPr>
-        </p:sp>
-      </p:grpSp>
-      <p:sp>
-        <p:nvSpPr>
-          <p:cNvPr id="17" name="Freeform 17"/>
-          <p:cNvSpPr/>
-          <p:nvPr/>
-        </p:nvSpPr>
-        <p:spPr>
-          <a:xfrm>
-            <a:off x="8614105" y="-63503"/>
-            <a:ext cx="9737398" cy="10413121"/>
-          </a:xfrm>
-          <a:custGeom>
-            <a:avLst/>
-            <a:gdLst/>
-            <a:ahLst/>
-            <a:cxnLst/>
-            <a:rect l="l" t="t" r="r" b="b"/>
-            <a:pathLst>
-              <a:path w="9737398" h="10413121">
-                <a:moveTo>
-                  <a:pt x="0" y="0"/>
-                </a:moveTo>
-                <a:lnTo>
-                  <a:pt x="9737398" y="0"/>
-                </a:lnTo>
-                <a:lnTo>
-                  <a:pt x="9737398" y="10413120"/>
-                </a:lnTo>
-                <a:lnTo>
-                  <a:pt x="0" y="10413120"/>
-                </a:lnTo>
-                <a:lnTo>
-                  <a:pt x="0" y="0"/>
-                </a:lnTo>
-                <a:close/>
-              </a:path>
-            </a:pathLst>
-          </a:custGeom>
-          <a:blipFill>
-            <a:blip r:embed="rId2">
+          </p:nvPicPr>
+          <p:blipFill>
+            <a:blip r:embed="rId3">
               <a:extLst>
-                <a:ext uri="{96DAC541-7B7A-43D3-8B79-37D633B846F1}">
-                  <asvg:svgBlip xmlns:asvg="http://schemas.microsoft.com/office/drawing/2016/SVG/main" r:embed="rId3"/>
+                <a:ext uri="{28A0092B-C50C-407E-A947-70E740481C1C}">
+                  <a14:useLocalDpi xmlns:a14="http://schemas.microsoft.com/office/drawing/2010/main" val="0"/>
                 </a:ext>
               </a:extLst>
             </a:blip>
+            <a:srcRect/>
             <a:stretch>
               <a:fillRect/>
             </a:stretch>
-          </a:blipFill>
-        </p:spPr>
-      </p:sp>
-      <p:sp>
-        <p:nvSpPr>
-          <p:cNvPr id="18" name="TextBox 18"/>
-          <p:cNvSpPr txBox="1"/>
-          <p:nvPr/>
-        </p:nvSpPr>
-        <p:spPr>
-          <a:xfrm>
-            <a:off x="1480804" y="418119"/>
-            <a:ext cx="4605128" cy="1642320"/>
-          </a:xfrm>
-          <a:prstGeom prst="rect">
-            <a:avLst/>
-          </a:prstGeom>
-        </p:spPr>
-        <p:txBody>
-          <a:bodyPr lIns="0" tIns="0" rIns="0" bIns="0" rtlCol="0" anchor="t">
-            <a:spAutoFit/>
-          </a:bodyPr>
-          <a:lstStyle/>
-          <a:p>
-            <a:pPr algn="ctr">
-              <a:lnSpc>
-                <a:spcPts val="4807"/>
-              </a:lnSpc>
-            </a:pPr>
-            <a:r>
-              <a:rPr lang="en-US" sz="3639">
-                <a:solidFill>
-                  <a:srgbClr val="303642"/>
-                </a:solidFill>
-                <a:latin typeface="Roboto"/>
-                <a:ea typeface="Roboto"/>
-                <a:cs typeface="Roboto"/>
-                <a:sym typeface="Roboto"/>
-              </a:rPr>
-              <a:t>FERRAMENTAS</a:t>
-            </a:r>
-          </a:p>
-          <a:p>
-            <a:pPr algn="ctr">
-              <a:lnSpc>
-                <a:spcPts val="7492"/>
-              </a:lnSpc>
-            </a:pPr>
-            <a:r>
-              <a:rPr lang="en-US" sz="5671" b="1">
-                <a:solidFill>
-                  <a:srgbClr val="004AAD"/>
-                </a:solidFill>
-                <a:latin typeface="League Spartan"/>
-                <a:ea typeface="League Spartan"/>
-                <a:cs typeface="League Spartan"/>
-                <a:sym typeface="League Spartan"/>
-              </a:rPr>
-              <a:t>UTILIZADAS</a:t>
-            </a:r>
-          </a:p>
-        </p:txBody>
-      </p:sp>
-      <p:sp>
-        <p:nvSpPr>
-          <p:cNvPr id="19" name="TextBox 19"/>
-          <p:cNvSpPr txBox="1"/>
-          <p:nvPr/>
-        </p:nvSpPr>
-        <p:spPr>
-          <a:xfrm>
-            <a:off x="11467376" y="418119"/>
-            <a:ext cx="4111409" cy="1642320"/>
-          </a:xfrm>
-          <a:prstGeom prst="rect">
-            <a:avLst/>
-          </a:prstGeom>
-        </p:spPr>
-        <p:txBody>
-          <a:bodyPr lIns="0" tIns="0" rIns="0" bIns="0" rtlCol="0" anchor="t">
-            <a:spAutoFit/>
-          </a:bodyPr>
-          <a:lstStyle/>
-          <a:p>
-            <a:pPr algn="ctr">
-              <a:lnSpc>
-                <a:spcPts val="4807"/>
-              </a:lnSpc>
-            </a:pPr>
-            <a:r>
-              <a:rPr lang="en-US" sz="3639">
-                <a:solidFill>
-                  <a:srgbClr val="FFFFFF"/>
-                </a:solidFill>
-                <a:latin typeface="Roboto"/>
-                <a:ea typeface="Roboto"/>
-                <a:cs typeface="Roboto"/>
-                <a:sym typeface="Roboto"/>
-              </a:rPr>
-              <a:t>PROGRAMAÇÃO</a:t>
-            </a:r>
-          </a:p>
-          <a:p>
-            <a:pPr algn="ctr">
-              <a:lnSpc>
-                <a:spcPts val="7492"/>
-              </a:lnSpc>
-            </a:pPr>
-            <a:r>
-              <a:rPr lang="en-US" sz="5671" b="1">
-                <a:solidFill>
-                  <a:srgbClr val="FFFFFF"/>
-                </a:solidFill>
-                <a:latin typeface="League Spartan"/>
-                <a:ea typeface="League Spartan"/>
-                <a:cs typeface="League Spartan"/>
-                <a:sym typeface="League Spartan"/>
-              </a:rPr>
-              <a:t>UTILIZADA</a:t>
-            </a:r>
-          </a:p>
-        </p:txBody>
-      </p:sp>
+          </p:blipFill>
+          <p:spPr bwMode="auto">
+            <a:xfrm>
+              <a:off x="10980901" y="5105400"/>
+              <a:ext cx="4876800" cy="4876800"/>
+            </a:xfrm>
+            <a:prstGeom prst="rect">
+              <a:avLst/>
+            </a:prstGeom>
+            <a:noFill/>
+            <a:extLst>
+              <a:ext uri="{909E8E84-426E-40DD-AFC4-6F175D3DCCD1}">
+                <a14:hiddenFill xmlns:a14="http://schemas.microsoft.com/office/drawing/2010/main">
+                  <a:solidFill>
+                    <a:srgbClr val="FFFFFF"/>
+                  </a:solidFill>
+                </a14:hiddenFill>
+              </a:ext>
+            </a:extLst>
+          </p:spPr>
+        </p:pic>
+        <p:pic>
+          <p:nvPicPr>
+            <p:cNvPr id="1036" name="Picture 12" descr="CSS Icon SVG Vector &amp; PNG Free Download | UXWing">
+              <a:extLst>
+                <a:ext uri="{FF2B5EF4-FFF2-40B4-BE49-F238E27FC236}">
+                  <a16:creationId xmlns:a16="http://schemas.microsoft.com/office/drawing/2014/main" id="{5A0B32C8-D545-4FD1-95FB-E6605CBDE0E4}"/>
+                </a:ext>
+              </a:extLst>
+            </p:cNvPr>
+            <p:cNvPicPr>
+              <a:picLocks noChangeAspect="1" noChangeArrowheads="1"/>
+            </p:cNvPicPr>
+            <p:nvPr/>
+          </p:nvPicPr>
+          <p:blipFill>
+            <a:blip r:embed="rId4">
+              <a:extLst>
+                <a:ext uri="{28A0092B-C50C-407E-A947-70E740481C1C}">
+                  <a14:useLocalDpi xmlns:a14="http://schemas.microsoft.com/office/drawing/2010/main" val="0"/>
+                </a:ext>
+              </a:extLst>
+            </a:blip>
+            <a:srcRect/>
+            <a:stretch>
+              <a:fillRect/>
+            </a:stretch>
+          </p:blipFill>
+          <p:spPr bwMode="auto">
+            <a:xfrm>
+              <a:off x="10610972" y="3145982"/>
+              <a:ext cx="2019300" cy="2266950"/>
+            </a:xfrm>
+            <a:prstGeom prst="rect">
+              <a:avLst/>
+            </a:prstGeom>
+            <a:noFill/>
+            <a:extLst>
+              <a:ext uri="{909E8E84-426E-40DD-AFC4-6F175D3DCCD1}">
+                <a14:hiddenFill xmlns:a14="http://schemas.microsoft.com/office/drawing/2010/main">
+                  <a:solidFill>
+                    <a:srgbClr val="FFFFFF"/>
+                  </a:solidFill>
+                </a14:hiddenFill>
+              </a:ext>
+            </a:extLst>
+          </p:spPr>
+        </p:pic>
+        <p:pic>
+          <p:nvPicPr>
+            <p:cNvPr id="1038" name="Picture 14" descr="HTML Icon SVG Vector &amp; PNG Free Download | UXWing">
+              <a:extLst>
+                <a:ext uri="{FF2B5EF4-FFF2-40B4-BE49-F238E27FC236}">
+                  <a16:creationId xmlns:a16="http://schemas.microsoft.com/office/drawing/2014/main" id="{8B7BAE81-E4B7-4070-8E5B-C6E26867BDEC}"/>
+                </a:ext>
+              </a:extLst>
+            </p:cNvPr>
+            <p:cNvPicPr>
+              <a:picLocks noChangeAspect="1" noChangeArrowheads="1"/>
+            </p:cNvPicPr>
+            <p:nvPr/>
+          </p:nvPicPr>
+          <p:blipFill>
+            <a:blip r:embed="rId5">
+              <a:extLst>
+                <a:ext uri="{28A0092B-C50C-407E-A947-70E740481C1C}">
+                  <a14:useLocalDpi xmlns:a14="http://schemas.microsoft.com/office/drawing/2010/main" val="0"/>
+                </a:ext>
+              </a:extLst>
+            </a:blip>
+            <a:srcRect/>
+            <a:stretch>
+              <a:fillRect/>
+            </a:stretch>
+          </p:blipFill>
+          <p:spPr bwMode="auto">
+            <a:xfrm>
+              <a:off x="14214098" y="3114672"/>
+              <a:ext cx="2009775" cy="2276475"/>
+            </a:xfrm>
+            <a:prstGeom prst="rect">
+              <a:avLst/>
+            </a:prstGeom>
+            <a:extLst>
+              <a:ext uri="{909E8E84-426E-40DD-AFC4-6F175D3DCCD1}">
+                <a14:hiddenFill xmlns:a14="http://schemas.microsoft.com/office/drawing/2010/main">
+                  <a:solidFill>
+                    <a:srgbClr val="FFFFFF"/>
+                  </a:solidFill>
+                </a14:hiddenFill>
+              </a:ext>
+            </a:extLst>
+          </p:spPr>
+        </p:pic>
+      </p:grpSp>
     </p:spTree>
   </p:cSld>
   <p:clrMapOvr>
@@ -10546,7 +11973,7 @@
         </p:nvSpPr>
         <p:spPr>
           <a:xfrm>
-            <a:off x="0" y="0"/>
+            <a:off x="-1" y="-1"/>
             <a:ext cx="18288000" cy="10287000"/>
           </a:xfrm>
           <a:custGeom>
@@ -10653,7 +12080,7 @@
         </p:nvGrpSpPr>
         <p:grpSpPr>
           <a:xfrm>
-            <a:off x="1085240" y="415881"/>
+            <a:off x="1085240" y="10897743"/>
             <a:ext cx="6412049" cy="8647500"/>
             <a:chOff x="0" y="0"/>
             <a:chExt cx="8549399" cy="11530000"/>
@@ -10731,7 +12158,7 @@
         </p:nvSpPr>
         <p:spPr>
           <a:xfrm>
-            <a:off x="1028700" y="359340"/>
+            <a:off x="1096389" y="10784910"/>
             <a:ext cx="6525139" cy="8760390"/>
           </a:xfrm>
           <a:custGeom>
@@ -10947,121 +12374,224 @@
         </p:nvSpPr>
         <p:spPr>
           <a:xfrm>
-            <a:off x="11982450" y="2876121"/>
-            <a:ext cx="5541921" cy="394573"/>
+            <a:off x="10360514" y="3453281"/>
+            <a:ext cx="7622687" cy="1969770"/>
           </a:xfrm>
           <a:prstGeom prst="rect">
             <a:avLst/>
           </a:prstGeom>
         </p:spPr>
         <p:txBody>
-          <a:bodyPr lIns="0" tIns="0" rIns="0" bIns="0" rtlCol="0" anchor="t">
+          <a:bodyPr wrap="square" lIns="0" tIns="0" rIns="0" bIns="0" rtlCol="0" anchor="t">
             <a:spAutoFit/>
           </a:bodyPr>
           <a:lstStyle/>
           <a:p>
-            <a:pPr algn="l">
-              <a:lnSpc>
-                <a:spcPts val="2924"/>
-              </a:lnSpc>
-            </a:pPr>
-            <a:r>
-              <a:rPr lang="en-US" sz="2125">
-                <a:solidFill>
-                  <a:srgbClr val="000000"/>
-                </a:solidFill>
-                <a:latin typeface="Poppins"/>
-                <a:ea typeface="Poppins"/>
-                <a:cs typeface="Poppins"/>
-                <a:sym typeface="Poppins"/>
-              </a:rPr>
-              <a:t>Loremipsum dolor sit amet, consectetur</a:t>
-            </a:r>
+            <a:pPr algn="l"/>
+            <a:r>
+              <a:rPr lang="pt-PT" sz="3200" b="0" i="0" u="none" strike="noStrike" baseline="0" dirty="0">
+                <a:latin typeface="FiraSans-Regular"/>
+              </a:rPr>
+              <a:t>Protótipos de baixa e média fidelidade das interfaces do sistema Helpline para validar o fluxo de usuário, a usabilidade e o design antes da implementação técnica final.</a:t>
+            </a:r>
+            <a:endParaRPr lang="en-US" sz="3200" dirty="0">
+              <a:latin typeface="Poppins"/>
+              <a:ea typeface="Poppins"/>
+              <a:cs typeface="Poppins"/>
+              <a:sym typeface="Poppins"/>
+            </a:endParaRPr>
           </a:p>
         </p:txBody>
       </p:sp>
       <p:sp>
         <p:nvSpPr>
-          <p:cNvPr id="13" name="TextBox 13"/>
-          <p:cNvSpPr txBox="1"/>
+          <p:cNvPr id="15" name="Rectangle 1">
+            <a:extLst>
+              <a:ext uri="{FF2B5EF4-FFF2-40B4-BE49-F238E27FC236}">
+                <a16:creationId xmlns:a16="http://schemas.microsoft.com/office/drawing/2014/main" id="{D11C7247-D278-41E1-8064-2793B51410E1}"/>
+              </a:ext>
+            </a:extLst>
+          </p:cNvPr>
+          <p:cNvSpPr>
+            <a:spLocks noChangeArrowheads="1"/>
+          </p:cNvSpPr>
           <p:nvPr/>
         </p:nvSpPr>
-        <p:spPr>
+        <p:spPr bwMode="auto">
           <a:xfrm>
-            <a:off x="11982450" y="3247596"/>
-            <a:ext cx="5347887" cy="766048"/>
+            <a:off x="0" y="0"/>
+            <a:ext cx="18288000" cy="0"/>
           </a:xfrm>
           <a:prstGeom prst="rect">
             <a:avLst/>
           </a:prstGeom>
+          <a:noFill/>
+          <a:ln>
+            <a:noFill/>
+          </a:ln>
+          <a:effectLst/>
+          <a:extLst>
+            <a:ext uri="{909E8E84-426E-40DD-AFC4-6F175D3DCCD1}">
+              <a14:hiddenFill xmlns:a14="http://schemas.microsoft.com/office/drawing/2010/main">
+                <a:solidFill>
+                  <a:schemeClr val="accent1"/>
+                </a:solidFill>
+              </a14:hiddenFill>
+            </a:ext>
+            <a:ext uri="{91240B29-F687-4F45-9708-019B960494DF}">
+              <a14:hiddenLine xmlns:a14="http://schemas.microsoft.com/office/drawing/2010/main" w="9525">
+                <a:solidFill>
+                  <a:schemeClr val="tx1"/>
+                </a:solidFill>
+                <a:miter lim="800000"/>
+                <a:headEnd/>
+                <a:tailEnd/>
+              </a14:hiddenLine>
+            </a:ext>
+            <a:ext uri="{AF507438-7753-43E0-B8FC-AC1667EBCBE1}">
+              <a14:hiddenEffects xmlns:a14="http://schemas.microsoft.com/office/drawing/2010/main">
+                <a:effectLst>
+                  <a:outerShdw dist="35921" dir="2700000" algn="ctr" rotWithShape="0">
+                    <a:schemeClr val="bg2"/>
+                  </a:outerShdw>
+                </a:effectLst>
+              </a14:hiddenEffects>
+            </a:ext>
+          </a:extLst>
         </p:spPr>
         <p:txBody>
-          <a:bodyPr lIns="0" tIns="0" rIns="0" bIns="0" rtlCol="0" anchor="t">
+          <a:bodyPr vert="horz" wrap="none" lIns="91440" tIns="45720" rIns="91440" bIns="45720" numCol="1" anchor="ctr" anchorCtr="0" compatLnSpc="1">
+            <a:prstTxWarp prst="textNoShape">
+              <a:avLst/>
+            </a:prstTxWarp>
             <a:spAutoFit/>
           </a:bodyPr>
           <a:lstStyle/>
           <a:p>
-            <a:pPr algn="l">
-              <a:lnSpc>
-                <a:spcPts val="2924"/>
-              </a:lnSpc>
-            </a:pPr>
-            <a:r>
-              <a:rPr lang="en-US" sz="2125">
-                <a:solidFill>
-                  <a:srgbClr val="000000"/>
-                </a:solidFill>
-                <a:latin typeface="Poppins"/>
-                <a:ea typeface="Poppins"/>
-                <a:cs typeface="Poppins"/>
-                <a:sym typeface="Poppins"/>
-              </a:rPr>
-              <a:t>adipiscing elit, sed do eiusmod tempor incididunt ut labore et dolore </a:t>
-            </a:r>
+            <a:endParaRPr lang="pt-PT"/>
           </a:p>
         </p:txBody>
       </p:sp>
       <p:sp>
         <p:nvSpPr>
-          <p:cNvPr id="14" name="TextBox 14"/>
-          <p:cNvSpPr txBox="1"/>
+          <p:cNvPr id="16" name="Rectangle 2">
+            <a:extLst>
+              <a:ext uri="{FF2B5EF4-FFF2-40B4-BE49-F238E27FC236}">
+                <a16:creationId xmlns:a16="http://schemas.microsoft.com/office/drawing/2014/main" id="{46638419-AEC0-457D-84C1-4A0EB409E2ED}"/>
+              </a:ext>
+            </a:extLst>
+          </p:cNvPr>
+          <p:cNvSpPr>
+            <a:spLocks noChangeArrowheads="1"/>
+          </p:cNvSpPr>
           <p:nvPr/>
         </p:nvSpPr>
-        <p:spPr>
+        <p:spPr bwMode="auto">
           <a:xfrm>
-            <a:off x="11982450" y="4870028"/>
-            <a:ext cx="5541921" cy="1137523"/>
+            <a:off x="152400" y="152400"/>
+            <a:ext cx="18288000" cy="0"/>
           </a:xfrm>
           <a:prstGeom prst="rect">
             <a:avLst/>
           </a:prstGeom>
+          <a:noFill/>
+          <a:ln>
+            <a:noFill/>
+          </a:ln>
+          <a:effectLst/>
+          <a:extLst>
+            <a:ext uri="{909E8E84-426E-40DD-AFC4-6F175D3DCCD1}">
+              <a14:hiddenFill xmlns:a14="http://schemas.microsoft.com/office/drawing/2010/main">
+                <a:solidFill>
+                  <a:schemeClr val="accent1"/>
+                </a:solidFill>
+              </a14:hiddenFill>
+            </a:ext>
+            <a:ext uri="{91240B29-F687-4F45-9708-019B960494DF}">
+              <a14:hiddenLine xmlns:a14="http://schemas.microsoft.com/office/drawing/2010/main" w="9525">
+                <a:solidFill>
+                  <a:schemeClr val="tx1"/>
+                </a:solidFill>
+                <a:miter lim="800000"/>
+                <a:headEnd/>
+                <a:tailEnd/>
+              </a14:hiddenLine>
+            </a:ext>
+            <a:ext uri="{AF507438-7753-43E0-B8FC-AC1667EBCBE1}">
+              <a14:hiddenEffects xmlns:a14="http://schemas.microsoft.com/office/drawing/2010/main">
+                <a:effectLst>
+                  <a:outerShdw dist="35921" dir="2700000" algn="ctr" rotWithShape="0">
+                    <a:schemeClr val="bg2"/>
+                  </a:outerShdw>
+                </a:effectLst>
+              </a14:hiddenEffects>
+            </a:ext>
+          </a:extLst>
         </p:spPr>
         <p:txBody>
-          <a:bodyPr lIns="0" tIns="0" rIns="0" bIns="0" rtlCol="0" anchor="t">
+          <a:bodyPr vert="horz" wrap="none" lIns="91440" tIns="45720" rIns="91440" bIns="45720" numCol="1" anchor="ctr" anchorCtr="0" compatLnSpc="1">
+            <a:prstTxWarp prst="textNoShape">
+              <a:avLst/>
+            </a:prstTxWarp>
             <a:spAutoFit/>
           </a:bodyPr>
           <a:lstStyle/>
           <a:p>
-            <a:pPr algn="l">
-              <a:lnSpc>
-                <a:spcPts val="2924"/>
-              </a:lnSpc>
-            </a:pPr>
-            <a:r>
-              <a:rPr lang="en-US" sz="2125">
-                <a:solidFill>
-                  <a:srgbClr val="000000"/>
-                </a:solidFill>
-                <a:latin typeface="Poppins"/>
-                <a:ea typeface="Poppins"/>
-                <a:cs typeface="Poppins"/>
-                <a:sym typeface="Poppins"/>
-              </a:rPr>
-              <a:t>Lorem ipsum dolor sit amet, consectetur adipiscing elit, sed do eiusmod tempor incididunt ut labore et dolore </a:t>
-            </a:r>
+            <a:endParaRPr lang="pt-PT"/>
           </a:p>
         </p:txBody>
       </p:sp>
+      <p:pic>
+        <p:nvPicPr>
+          <p:cNvPr id="2052" name="Picture 4">
+            <a:hlinkClick r:id="rId6"/>
+            <a:extLst>
+              <a:ext uri="{FF2B5EF4-FFF2-40B4-BE49-F238E27FC236}">
+                <a16:creationId xmlns:a16="http://schemas.microsoft.com/office/drawing/2014/main" id="{E47D4183-0601-4594-87D6-EFF91F602471}"/>
+              </a:ext>
+              <a:ext uri="{C183D7F6-B498-43B3-948B-1728B52AA6E4}">
+                <adec:decorative xmlns:adec="http://schemas.microsoft.com/office/drawing/2017/decorative" val="1"/>
+              </a:ext>
+            </a:extLst>
+          </p:cNvPr>
+          <p:cNvPicPr>
+            <a:picLocks noChangeAspect="1" noChangeArrowheads="1"/>
+          </p:cNvPicPr>
+          <p:nvPr/>
+        </p:nvPicPr>
+        <p:blipFill>
+          <a:blip r:embed="rId7">
+            <a:extLst>
+              <a:ext uri="{28A0092B-C50C-407E-A947-70E740481C1C}">
+                <a14:useLocalDpi xmlns:a14="http://schemas.microsoft.com/office/drawing/2010/main" val="0"/>
+              </a:ext>
+            </a:extLst>
+          </a:blip>
+          <a:srcRect/>
+          <a:stretch>
+            <a:fillRect/>
+          </a:stretch>
+        </p:blipFill>
+        <p:spPr bwMode="auto">
+          <a:xfrm>
+            <a:off x="3785977" y="2728248"/>
+            <a:ext cx="3368920" cy="3368920"/>
+          </a:xfrm>
+          <a:prstGeom prst="rect">
+            <a:avLst/>
+          </a:prstGeom>
+          <a:noFill/>
+          <a:extLst>
+            <a:ext uri="{909E8E84-426E-40DD-AFC4-6F175D3DCCD1}">
+              <a14:hiddenFill xmlns:a14="http://schemas.microsoft.com/office/drawing/2010/main">
+                <a:solidFill>
+                  <a:srgbClr val="FFFFFF"/>
+                </a:solidFill>
+              </a14:hiddenFill>
+            </a:ext>
+          </a:extLst>
+        </p:spPr>
+      </p:pic>
     </p:spTree>
   </p:cSld>
   <p:clrMapOvr>
@@ -11351,4 +12881,299 @@
   <a:objectDefaults/>
   <a:extraClrSchemeLst/>
 </a:theme>
+</file>
+
+<file path=ppt/theme/theme2.xml><?xml version="1.0" encoding="utf-8"?>
+<a:theme xmlns:a="http://schemas.openxmlformats.org/drawingml/2006/main" name="Office Theme">
+  <a:themeElements>
+    <a:clrScheme name="Office">
+      <a:dk1>
+        <a:sysClr val="windowText" lastClr="000000"/>
+      </a:dk1>
+      <a:lt1>
+        <a:sysClr val="window" lastClr="FFFFFF"/>
+      </a:lt1>
+      <a:dk2>
+        <a:srgbClr val="44546A"/>
+      </a:dk2>
+      <a:lt2>
+        <a:srgbClr val="E7E6E6"/>
+      </a:lt2>
+      <a:accent1>
+        <a:srgbClr val="4472C4"/>
+      </a:accent1>
+      <a:accent2>
+        <a:srgbClr val="ED7D31"/>
+      </a:accent2>
+      <a:accent3>
+        <a:srgbClr val="A5A5A5"/>
+      </a:accent3>
+      <a:accent4>
+        <a:srgbClr val="FFC000"/>
+      </a:accent4>
+      <a:accent5>
+        <a:srgbClr val="5B9BD5"/>
+      </a:accent5>
+      <a:accent6>
+        <a:srgbClr val="70AD47"/>
+      </a:accent6>
+      <a:hlink>
+        <a:srgbClr val="0563C1"/>
+      </a:hlink>
+      <a:folHlink>
+        <a:srgbClr val="954F72"/>
+      </a:folHlink>
+    </a:clrScheme>
+    <a:fontScheme name="Office">
+      <a:majorFont>
+        <a:latin typeface="Calibri Light" panose="020F0302020204030204"/>
+        <a:ea typeface=""/>
+        <a:cs typeface=""/>
+        <a:font script="Jpan" typeface="游ゴシック Light"/>
+        <a:font script="Hang" typeface="맑은 고딕"/>
+        <a:font script="Hans" typeface="等线 Light"/>
+        <a:font script="Hant" typeface="新細明體"/>
+        <a:font script="Arab" typeface="Times New Roman"/>
+        <a:font script="Hebr" typeface="Times New Roman"/>
+        <a:font script="Thai" typeface="Angsana New"/>
+        <a:font script="Ethi" typeface="Nyala"/>
+        <a:font script="Beng" typeface="Vrinda"/>
+        <a:font script="Gujr" typeface="Shruti"/>
+        <a:font script="Khmr" typeface="MoolBoran"/>
+        <a:font script="Knda" typeface="Tunga"/>
+        <a:font script="Guru" typeface="Raavi"/>
+        <a:font script="Cans" typeface="Euphemia"/>
+        <a:font script="Cher" typeface="Plantagenet Cherokee"/>
+        <a:font script="Yiii" typeface="Microsoft Yi Baiti"/>
+        <a:font script="Tibt" typeface="Microsoft Himalaya"/>
+        <a:font script="Thaa" typeface="MV Boli"/>
+        <a:font script="Deva" typeface="Mangal"/>
+        <a:font script="Telu" typeface="Gautami"/>
+        <a:font script="Taml" typeface="Latha"/>
+        <a:font script="Syrc" typeface="Estrangelo Edessa"/>
+        <a:font script="Orya" typeface="Kalinga"/>
+        <a:font script="Mlym" typeface="Kartika"/>
+        <a:font script="Laoo" typeface="DokChampa"/>
+        <a:font script="Sinh" typeface="Iskoola Pota"/>
+        <a:font script="Mong" typeface="Mongolian Baiti"/>
+        <a:font script="Viet" typeface="Times New Roman"/>
+        <a:font script="Uigh" typeface="Microsoft Uighur"/>
+        <a:font script="Geor" typeface="Sylfaen"/>
+        <a:font script="Armn" typeface="Arial"/>
+        <a:font script="Bugi" typeface="Leelawadee UI"/>
+        <a:font script="Bopo" typeface="Microsoft JhengHei"/>
+        <a:font script="Java" typeface="Javanese Text"/>
+        <a:font script="Lisu" typeface="Segoe UI"/>
+        <a:font script="Mymr" typeface="Myanmar Text"/>
+        <a:font script="Nkoo" typeface="Ebrima"/>
+        <a:font script="Olck" typeface="Nirmala UI"/>
+        <a:font script="Osma" typeface="Ebrima"/>
+        <a:font script="Phag" typeface="Phagspa"/>
+        <a:font script="Syrn" typeface="Estrangelo Edessa"/>
+        <a:font script="Syrj" typeface="Estrangelo Edessa"/>
+        <a:font script="Syre" typeface="Estrangelo Edessa"/>
+        <a:font script="Sora" typeface="Nirmala UI"/>
+        <a:font script="Tale" typeface="Microsoft Tai Le"/>
+        <a:font script="Talu" typeface="Microsoft New Tai Lue"/>
+        <a:font script="Tfng" typeface="Ebrima"/>
+      </a:majorFont>
+      <a:minorFont>
+        <a:latin typeface="Calibri" panose="020F0502020204030204"/>
+        <a:ea typeface=""/>
+        <a:cs typeface=""/>
+        <a:font script="Jpan" typeface="游ゴシック"/>
+        <a:font script="Hang" typeface="맑은 고딕"/>
+        <a:font script="Hans" typeface="等线"/>
+        <a:font script="Hant" typeface="新細明體"/>
+        <a:font script="Arab" typeface="Arial"/>
+        <a:font script="Hebr" typeface="Arial"/>
+        <a:font script="Thai" typeface="Cordia New"/>
+        <a:font script="Ethi" typeface="Nyala"/>
+        <a:font script="Beng" typeface="Vrinda"/>
+        <a:font script="Gujr" typeface="Shruti"/>
+        <a:font script="Khmr" typeface="DaunPenh"/>
+        <a:font script="Knda" typeface="Tunga"/>
+        <a:font script="Guru" typeface="Raavi"/>
+        <a:font script="Cans" typeface="Euphemia"/>
+        <a:font script="Cher" typeface="Plantagenet Cherokee"/>
+        <a:font script="Yiii" typeface="Microsoft Yi Baiti"/>
+        <a:font script="Tibt" typeface="Microsoft Himalaya"/>
+        <a:font script="Thaa" typeface="MV Boli"/>
+        <a:font script="Deva" typeface="Mangal"/>
+        <a:font script="Telu" typeface="Gautami"/>
+        <a:font script="Taml" typeface="Latha"/>
+        <a:font script="Syrc" typeface="Estrangelo Edessa"/>
+        <a:font script="Orya" typeface="Kalinga"/>
+        <a:font script="Mlym" typeface="Kartika"/>
+        <a:font script="Laoo" typeface="DokChampa"/>
+        <a:font script="Sinh" typeface="Iskoola Pota"/>
+        <a:font script="Mong" typeface="Mongolian Baiti"/>
+        <a:font script="Viet" typeface="Arial"/>
+        <a:font script="Uigh" typeface="Microsoft Uighur"/>
+        <a:font script="Geor" typeface="Sylfaen"/>
+        <a:font script="Armn" typeface="Arial"/>
+        <a:font script="Bugi" typeface="Leelawadee UI"/>
+        <a:font script="Bopo" typeface="Microsoft JhengHei"/>
+        <a:font script="Java" typeface="Javanese Text"/>
+        <a:font script="Lisu" typeface="Segoe UI"/>
+        <a:font script="Mymr" typeface="Myanmar Text"/>
+        <a:font script="Nkoo" typeface="Ebrima"/>
+        <a:font script="Olck" typeface="Nirmala UI"/>
+        <a:font script="Osma" typeface="Ebrima"/>
+        <a:font script="Phag" typeface="Phagspa"/>
+        <a:font script="Syrn" typeface="Estrangelo Edessa"/>
+        <a:font script="Syrj" typeface="Estrangelo Edessa"/>
+        <a:font script="Syre" typeface="Estrangelo Edessa"/>
+        <a:font script="Sora" typeface="Nirmala UI"/>
+        <a:font script="Tale" typeface="Microsoft Tai Le"/>
+        <a:font script="Talu" typeface="Microsoft New Tai Lue"/>
+        <a:font script="Tfng" typeface="Ebrima"/>
+      </a:minorFont>
+    </a:fontScheme>
+    <a:fmtScheme name="Office">
+      <a:fillStyleLst>
+        <a:solidFill>
+          <a:schemeClr val="phClr"/>
+        </a:solidFill>
+        <a:gradFill rotWithShape="1">
+          <a:gsLst>
+            <a:gs pos="0">
+              <a:schemeClr val="phClr">
+                <a:lumMod val="110000"/>
+                <a:satMod val="105000"/>
+                <a:tint val="67000"/>
+              </a:schemeClr>
+            </a:gs>
+            <a:gs pos="50000">
+              <a:schemeClr val="phClr">
+                <a:lumMod val="105000"/>
+                <a:satMod val="103000"/>
+                <a:tint val="73000"/>
+              </a:schemeClr>
+            </a:gs>
+            <a:gs pos="100000">
+              <a:schemeClr val="phClr">
+                <a:lumMod val="105000"/>
+                <a:satMod val="109000"/>
+                <a:tint val="81000"/>
+              </a:schemeClr>
+            </a:gs>
+          </a:gsLst>
+          <a:lin ang="5400000" scaled="0"/>
+        </a:gradFill>
+        <a:gradFill rotWithShape="1">
+          <a:gsLst>
+            <a:gs pos="0">
+              <a:schemeClr val="phClr">
+                <a:satMod val="103000"/>
+                <a:lumMod val="102000"/>
+                <a:tint val="94000"/>
+              </a:schemeClr>
+            </a:gs>
+            <a:gs pos="50000">
+              <a:schemeClr val="phClr">
+                <a:satMod val="110000"/>
+                <a:lumMod val="100000"/>
+                <a:shade val="100000"/>
+              </a:schemeClr>
+            </a:gs>
+            <a:gs pos="100000">
+              <a:schemeClr val="phClr">
+                <a:lumMod val="99000"/>
+                <a:satMod val="120000"/>
+                <a:shade val="78000"/>
+              </a:schemeClr>
+            </a:gs>
+          </a:gsLst>
+          <a:lin ang="5400000" scaled="0"/>
+        </a:gradFill>
+      </a:fillStyleLst>
+      <a:lnStyleLst>
+        <a:ln w="6350" cap="flat" cmpd="sng" algn="ctr">
+          <a:solidFill>
+            <a:schemeClr val="phClr"/>
+          </a:solidFill>
+          <a:prstDash val="solid"/>
+          <a:miter lim="800000"/>
+        </a:ln>
+        <a:ln w="12700" cap="flat" cmpd="sng" algn="ctr">
+          <a:solidFill>
+            <a:schemeClr val="phClr"/>
+          </a:solidFill>
+          <a:prstDash val="solid"/>
+          <a:miter lim="800000"/>
+        </a:ln>
+        <a:ln w="19050" cap="flat" cmpd="sng" algn="ctr">
+          <a:solidFill>
+            <a:schemeClr val="phClr"/>
+          </a:solidFill>
+          <a:prstDash val="solid"/>
+          <a:miter lim="800000"/>
+        </a:ln>
+      </a:lnStyleLst>
+      <a:effectStyleLst>
+        <a:effectStyle>
+          <a:effectLst/>
+        </a:effectStyle>
+        <a:effectStyle>
+          <a:effectLst/>
+        </a:effectStyle>
+        <a:effectStyle>
+          <a:effectLst>
+            <a:outerShdw blurRad="57150" dist="19050" dir="5400000" algn="ctr" rotWithShape="0">
+              <a:srgbClr val="000000">
+                <a:alpha val="63000"/>
+              </a:srgbClr>
+            </a:outerShdw>
+          </a:effectLst>
+        </a:effectStyle>
+      </a:effectStyleLst>
+      <a:bgFillStyleLst>
+        <a:solidFill>
+          <a:schemeClr val="phClr"/>
+        </a:solidFill>
+        <a:solidFill>
+          <a:schemeClr val="phClr">
+            <a:tint val="95000"/>
+            <a:satMod val="170000"/>
+          </a:schemeClr>
+        </a:solidFill>
+        <a:gradFill rotWithShape="1">
+          <a:gsLst>
+            <a:gs pos="0">
+              <a:schemeClr val="phClr">
+                <a:tint val="93000"/>
+                <a:satMod val="150000"/>
+                <a:shade val="98000"/>
+                <a:lumMod val="102000"/>
+              </a:schemeClr>
+            </a:gs>
+            <a:gs pos="50000">
+              <a:schemeClr val="phClr">
+                <a:tint val="98000"/>
+                <a:satMod val="130000"/>
+                <a:shade val="90000"/>
+                <a:lumMod val="103000"/>
+              </a:schemeClr>
+            </a:gs>
+            <a:gs pos="100000">
+              <a:schemeClr val="phClr">
+                <a:shade val="63000"/>
+                <a:satMod val="120000"/>
+              </a:schemeClr>
+            </a:gs>
+          </a:gsLst>
+          <a:lin ang="5400000" scaled="0"/>
+        </a:gradFill>
+      </a:bgFillStyleLst>
+    </a:fmtScheme>
+  </a:themeElements>
+  <a:objectDefaults/>
+  <a:extraClrSchemeLst/>
+  <a:extLst>
+    <a:ext uri="{05A4C25C-085E-4340-85A3-A5531E510DB2}">
+      <thm15:themeFamily xmlns:thm15="http://schemas.microsoft.com/office/thememl/2012/main" name="Office Theme" id="{62F939B6-93AF-4DB8-9C6B-D6C7DFDC589F}" vid="{4A3C46E8-61CC-4603-A589-7422A47A8E4A}"/>
+    </a:ext>
+  </a:extLst>
+</a:theme>
 </file>
--- a/utils/Modelo de Apresentação.pptx
+++ b/utils/Modelo de Apresentação.pptx
@@ -12070,138 +12070,6 @@
           </p:spPr>
         </p:sp>
       </p:grpSp>
-      <p:grpSp>
-        <p:nvGrpSpPr>
-          <p:cNvPr id="5" name="Group 5"/>
-          <p:cNvGrpSpPr>
-            <a:grpSpLocks noChangeAspect="1"/>
-          </p:cNvGrpSpPr>
-          <p:nvPr/>
-        </p:nvGrpSpPr>
-        <p:grpSpPr>
-          <a:xfrm>
-            <a:off x="1085240" y="10897743"/>
-            <a:ext cx="6412049" cy="8647500"/>
-            <a:chOff x="0" y="0"/>
-            <a:chExt cx="8549399" cy="11530000"/>
-          </a:xfrm>
-        </p:grpSpPr>
-        <p:sp>
-          <p:nvSpPr>
-            <p:cNvPr id="6" name="Freeform 6"/>
-            <p:cNvSpPr/>
-            <p:nvPr/>
-          </p:nvSpPr>
-          <p:spPr>
-            <a:xfrm>
-              <a:off x="0" y="0"/>
-              <a:ext cx="8549386" cy="11530076"/>
-            </a:xfrm>
-            <a:custGeom>
-              <a:avLst/>
-              <a:gdLst/>
-              <a:ahLst/>
-              <a:cxnLst/>
-              <a:rect l="l" t="t" r="r" b="b"/>
-              <a:pathLst>
-                <a:path w="8549386" h="11530076">
-                  <a:moveTo>
-                    <a:pt x="853440" y="0"/>
-                  </a:moveTo>
-                  <a:cubicBezTo>
-                    <a:pt x="383032" y="0"/>
-                    <a:pt x="0" y="379984"/>
-                    <a:pt x="0" y="853440"/>
-                  </a:cubicBezTo>
-                  <a:lnTo>
-                    <a:pt x="0" y="10684510"/>
-                  </a:lnTo>
-                  <a:cubicBezTo>
-                    <a:pt x="0" y="11115421"/>
-                    <a:pt x="318897" y="11473053"/>
-                    <a:pt x="736346" y="11530076"/>
-                  </a:cubicBezTo>
-                  <a:lnTo>
-                    <a:pt x="7812786" y="11530076"/>
-                  </a:lnTo>
-                  <a:cubicBezTo>
-                    <a:pt x="8228203" y="11473307"/>
-                    <a:pt x="8549386" y="11118088"/>
-                    <a:pt x="8549386" y="10684510"/>
-                  </a:cubicBezTo>
-                  <a:lnTo>
-                    <a:pt x="8546338" y="853440"/>
-                  </a:lnTo>
-                  <a:cubicBezTo>
-                    <a:pt x="8546338" y="383032"/>
-                    <a:pt x="8166354" y="0"/>
-                    <a:pt x="7692898" y="0"/>
-                  </a:cubicBezTo>
-                  <a:close/>
-                </a:path>
-              </a:pathLst>
-            </a:custGeom>
-            <a:blipFill>
-              <a:blip r:embed="rId3"/>
-              <a:stretch>
-                <a:fillRect l="-28099" r="-28243"/>
-              </a:stretch>
-            </a:blipFill>
-          </p:spPr>
-        </p:sp>
-      </p:grpSp>
-      <p:sp>
-        <p:nvSpPr>
-          <p:cNvPr id="7" name="Freeform 7"/>
-          <p:cNvSpPr/>
-          <p:nvPr/>
-        </p:nvSpPr>
-        <p:spPr>
-          <a:xfrm>
-            <a:off x="1096389" y="10784910"/>
-            <a:ext cx="6525139" cy="8760390"/>
-          </a:xfrm>
-          <a:custGeom>
-            <a:avLst/>
-            <a:gdLst/>
-            <a:ahLst/>
-            <a:cxnLst/>
-            <a:rect l="l" t="t" r="r" b="b"/>
-            <a:pathLst>
-              <a:path w="6525139" h="8760390">
-                <a:moveTo>
-                  <a:pt x="0" y="0"/>
-                </a:moveTo>
-                <a:lnTo>
-                  <a:pt x="6525139" y="0"/>
-                </a:lnTo>
-                <a:lnTo>
-                  <a:pt x="6525139" y="8760390"/>
-                </a:lnTo>
-                <a:lnTo>
-                  <a:pt x="0" y="8760390"/>
-                </a:lnTo>
-                <a:lnTo>
-                  <a:pt x="0" y="0"/>
-                </a:lnTo>
-                <a:close/>
-              </a:path>
-            </a:pathLst>
-          </a:custGeom>
-          <a:blipFill>
-            <a:blip r:embed="rId4">
-              <a:extLst>
-                <a:ext uri="{96DAC541-7B7A-43D3-8B79-37D633B846F1}">
-                  <asvg:svgBlip xmlns:asvg="http://schemas.microsoft.com/office/drawing/2016/SVG/main" r:embed="rId5"/>
-                </a:ext>
-              </a:extLst>
-            </a:blip>
-            <a:stretch>
-              <a:fillRect/>
-            </a:stretch>
-          </a:blipFill>
-        </p:spPr>
-      </p:sp>
       <p:sp>
         <p:nvSpPr>
           <p:cNvPr id="8" name="TextBox 8"/>
@@ -12374,8 +12242,8 @@
         </p:nvSpPr>
         <p:spPr>
           <a:xfrm>
-            <a:off x="10360514" y="3453281"/>
-            <a:ext cx="7622687" cy="1969770"/>
+            <a:off x="10512914" y="3453281"/>
+            <a:ext cx="7470287" cy="2462213"/>
           </a:xfrm>
           <a:prstGeom prst="rect">
             <a:avLst/>
@@ -12392,7 +12260,7 @@
               <a:rPr lang="pt-PT" sz="3200" b="0" i="0" u="none" strike="noStrike" baseline="0" dirty="0">
                 <a:latin typeface="FiraSans-Regular"/>
               </a:rPr>
-              <a:t>Protótipos de baixa e média fidelidade das interfaces do sistema Helpline para validar o fluxo de usuário, a usabilidade e o design antes da implementação técnica final.</a:t>
+              <a:t>Protótipos feitos no Canva de baixa e média fidelidade das interfaces do sistema Helpline para validar o fluxo de usuário, a usabilidade e o design antes da implementação técnica final.</a:t>
             </a:r>
             <a:endParaRPr lang="en-US" sz="3200" dirty="0">
               <a:latin typeface="Poppins"/>
@@ -12543,8 +12411,38 @@
       </p:sp>
       <p:pic>
         <p:nvPicPr>
+          <p:cNvPr id="14" name="Picture 13">
+            <a:hlinkClick r:id="rId3"/>
+            <a:extLst>
+              <a:ext uri="{FF2B5EF4-FFF2-40B4-BE49-F238E27FC236}">
+                <a16:creationId xmlns:a16="http://schemas.microsoft.com/office/drawing/2014/main" id="{66C65965-9862-4AB1-896B-48E758A91A03}"/>
+              </a:ext>
+            </a:extLst>
+          </p:cNvPr>
+          <p:cNvPicPr>
+            <a:picLocks noChangeAspect="1"/>
+          </p:cNvPicPr>
+          <p:nvPr/>
+        </p:nvPicPr>
+        <p:blipFill rotWithShape="1">
+          <a:blip r:embed="rId4"/>
+          <a:srcRect l="25000" t="27778" r="19583" b="10513"/>
+          <a:stretch/>
+        </p:blipFill>
+        <p:spPr>
+          <a:xfrm>
+            <a:off x="287772" y="2651208"/>
+            <a:ext cx="9920344" cy="6213870"/>
+          </a:xfrm>
+          <a:prstGeom prst="rect">
+            <a:avLst/>
+          </a:prstGeom>
+        </p:spPr>
+      </p:pic>
+      <p:pic>
+        <p:nvPicPr>
           <p:cNvPr id="2052" name="Picture 4">
-            <a:hlinkClick r:id="rId6"/>
+            <a:hlinkClick r:id="rId3"/>
             <a:extLst>
               <a:ext uri="{FF2B5EF4-FFF2-40B4-BE49-F238E27FC236}">
                 <a16:creationId xmlns:a16="http://schemas.microsoft.com/office/drawing/2014/main" id="{E47D4183-0601-4594-87D6-EFF91F602471}"/>
@@ -12560,7 +12458,7 @@
           <p:nvPr/>
         </p:nvPicPr>
         <p:blipFill>
-          <a:blip r:embed="rId7">
+          <a:blip r:embed="rId5">
             <a:extLst>
               <a:ext uri="{28A0092B-C50C-407E-A947-70E740481C1C}">
                 <a14:useLocalDpi xmlns:a14="http://schemas.microsoft.com/office/drawing/2010/main" val="0"/>
@@ -12574,8 +12472,8 @@
         </p:blipFill>
         <p:spPr bwMode="auto">
           <a:xfrm>
-            <a:off x="3785977" y="2728248"/>
-            <a:ext cx="3368920" cy="3368920"/>
+            <a:off x="533400" y="3619500"/>
+            <a:ext cx="2133600" cy="2133600"/>
           </a:xfrm>
           <a:prstGeom prst="rect">
             <a:avLst/>

--- a/utils/Modelo de Apresentação.pptx
+++ b/utils/Modelo de Apresentação.pptx
@@ -4582,7 +4582,7 @@
         <p:spPr>
           <a:xfrm>
             <a:off x="12637560" y="5276783"/>
-            <a:ext cx="3170311" cy="4256332"/>
+            <a:ext cx="3593040" cy="4256332"/>
           </a:xfrm>
           <a:custGeom>
             <a:avLst/>
@@ -11801,53 +11801,6 @@
         </p:sp>
         <p:pic>
           <p:nvPicPr>
-            <p:cNvPr id="1030" name="Picture 6" descr="Flask Logo Icon SVG Vector &amp; PNG Free Download | UXWing">
-              <a:extLst>
-                <a:ext uri="{FF2B5EF4-FFF2-40B4-BE49-F238E27FC236}">
-                  <a16:creationId xmlns:a16="http://schemas.microsoft.com/office/drawing/2014/main" id="{0F817F64-995E-45A2-89CB-7825B251B850}"/>
-                </a:ext>
-              </a:extLst>
-            </p:cNvPr>
-            <p:cNvPicPr>
-              <a:picLocks noChangeAspect="1" noChangeArrowheads="1"/>
-            </p:cNvPicPr>
-            <p:nvPr/>
-          </p:nvPicPr>
-          <p:blipFill>
-            <a:blip r:embed="rId3">
-              <a:extLst>
-                <a:ext uri="{28A0092B-C50C-407E-A947-70E740481C1C}">
-                  <a14:useLocalDpi xmlns:a14="http://schemas.microsoft.com/office/drawing/2010/main" val="0"/>
-                </a:ext>
-              </a:extLst>
-            </a:blip>
-            <a:srcRect/>
-            <a:stretch>
-              <a:fillRect/>
-            </a:stretch>
-          </p:blipFill>
-          <p:spPr bwMode="auto">
-            <a:xfrm>
-              <a:off x="10980901" y="5105400"/>
-              <a:ext cx="4876800" cy="4876800"/>
-            </a:xfrm>
-            <a:prstGeom prst="rect">
-              <a:avLst/>
-            </a:prstGeom>
-            <a:noFill/>
-            <a:extLst>
-              <a:ext uri="{909E8E84-426E-40DD-AFC4-6F175D3DCCD1}">
-                <a14:hiddenFill xmlns:a14="http://schemas.microsoft.com/office/drawing/2010/main">
-                  <a:solidFill>
-                    <a:srgbClr val="FFFFFF"/>
-                  </a:solidFill>
-                </a14:hiddenFill>
-              </a:ext>
-            </a:extLst>
-          </p:spPr>
-        </p:pic>
-        <p:pic>
-          <p:nvPicPr>
             <p:cNvPr id="1036" name="Picture 12" descr="CSS Icon SVG Vector &amp; PNG Free Download | UXWing">
               <a:extLst>
                 <a:ext uri="{FF2B5EF4-FFF2-40B4-BE49-F238E27FC236}">
@@ -11861,7 +11814,7 @@
             <p:nvPr/>
           </p:nvPicPr>
           <p:blipFill>
-            <a:blip r:embed="rId4">
+            <a:blip r:embed="rId3">
               <a:extLst>
                 <a:ext uri="{28A0092B-C50C-407E-A947-70E740481C1C}">
                   <a14:useLocalDpi xmlns:a14="http://schemas.microsoft.com/office/drawing/2010/main" val="0"/>
@@ -11908,7 +11861,7 @@
             <p:nvPr/>
           </p:nvPicPr>
           <p:blipFill>
-            <a:blip r:embed="rId5">
+            <a:blip r:embed="rId4">
               <a:extLst>
                 <a:ext uri="{28A0092B-C50C-407E-A947-70E740481C1C}">
                   <a14:useLocalDpi xmlns:a14="http://schemas.microsoft.com/office/drawing/2010/main" val="0"/>
@@ -11940,6 +11893,45 @@
           </p:spPr>
         </p:pic>
       </p:grpSp>
+      <p:pic>
+        <p:nvPicPr>
+          <p:cNvPr id="22" name="Graphic 21">
+            <a:extLst>
+              <a:ext uri="{FF2B5EF4-FFF2-40B4-BE49-F238E27FC236}">
+                <a16:creationId xmlns:a16="http://schemas.microsoft.com/office/drawing/2014/main" id="{A6EF1841-B256-4B31-99D7-9855BEDF3095}"/>
+              </a:ext>
+            </a:extLst>
+          </p:cNvPr>
+          <p:cNvPicPr>
+            <a:picLocks noChangeAspect="1"/>
+          </p:cNvPicPr>
+          <p:nvPr/>
+        </p:nvPicPr>
+        <p:blipFill>
+          <a:blip r:embed="rId5">
+            <a:extLst>
+              <a:ext uri="{28A0092B-C50C-407E-A947-70E740481C1C}">
+                <a14:useLocalDpi xmlns:a14="http://schemas.microsoft.com/office/drawing/2010/main" val="0"/>
+              </a:ext>
+              <a:ext uri="{96DAC541-7B7A-43D3-8B79-37D633B846F1}">
+                <asvg:svgBlip xmlns:asvg="http://schemas.microsoft.com/office/drawing/2016/SVG/main" r:embed="rId6"/>
+              </a:ext>
+            </a:extLst>
+          </a:blip>
+          <a:stretch>
+            <a:fillRect/>
+          </a:stretch>
+        </p:blipFill>
+        <p:spPr>
+          <a:xfrm>
+            <a:off x="11779061" y="6541655"/>
+            <a:ext cx="4870073" cy="2069436"/>
+          </a:xfrm>
+          <a:prstGeom prst="rect">
+            <a:avLst/>
+          </a:prstGeom>
+        </p:spPr>
+      </p:pic>
     </p:spTree>
   </p:cSld>
   <p:clrMapOvr>
